--- a/Presentation - Airbnb Bookings Analysis.pptx
+++ b/Presentation - Airbnb Bookings Analysis.pptx
@@ -29,21 +29,22 @@
     <p:sldId id="274" r:id="rId24"/>
     <p:sldId id="275" r:id="rId25"/>
     <p:sldId id="276" r:id="rId26"/>
+    <p:sldId id="277" r:id="rId27"/>
   </p:sldIdLst>
   <p:sldSz cy="5143500" cx="9144000"/>
   <p:notesSz cx="6858000" cy="9144000"/>
   <p:embeddedFontLst>
     <p:embeddedFont>
       <p:font typeface="Montserrat"/>
-      <p:regular r:id="rId27"/>
-      <p:bold r:id="rId28"/>
-      <p:italic r:id="rId29"/>
-      <p:boldItalic r:id="rId30"/>
+      <p:regular r:id="rId28"/>
+      <p:bold r:id="rId29"/>
+      <p:italic r:id="rId30"/>
+      <p:boldItalic r:id="rId31"/>
     </p:embeddedFont>
     <p:embeddedFont>
       <p:font typeface="Gill Sans"/>
-      <p:regular r:id="rId31"/>
-      <p:bold r:id="rId32"/>
+      <p:regular r:id="rId32"/>
+      <p:bold r:id="rId33"/>
     </p:embeddedFont>
   </p:embeddedFontLst>
   <p:defaultTextStyle>
@@ -291,7 +292,7 @@
       </p15:sldGuideLst>
     </p:ext>
     <p:ext uri="http://customooxmlschemas.google.com/">
-      <go:slidesCustomData xmlns:go="http://customooxmlschemas.google.com/" r:id="rId33" roundtripDataSignature="AMtx7mhEC1kSXere4c9hEbRGtdIQ5QHlbQ=="/>
+      <go:slidesCustomData xmlns:go="http://customooxmlschemas.google.com/" r:id="rId34" roundtripDataSignature="AMtx7mgZKbvJ6Z3GmPG0h8BXpfdiaD++Cg=="/>
     </p:ext>
   </p:extLst>
 </p:presentation>
@@ -1001,7 +1002,106 @@
       </p:grpSpPr>
       <p:sp>
         <p:nvSpPr>
-          <p:cNvPr id="98" name="Google Shape;98;p37:notes"/>
+          <p:cNvPr id="98" name="Google Shape;98;g18899753c8b_0_16:notes"/>
+          <p:cNvSpPr/>
+          <p:nvPr>
+            <p:ph idx="2" type="sldImg"/>
+          </p:nvPr>
+        </p:nvSpPr>
+        <p:spPr>
+          <a:xfrm>
+            <a:off x="381309" y="685800"/>
+            <a:ext cx="6096000" cy="3429000"/>
+          </a:xfrm>
+          <a:custGeom>
+            <a:rect b="b" l="l" r="r" t="t"/>
+            <a:pathLst>
+              <a:path extrusionOk="0" h="120000" w="120000">
+                <a:moveTo>
+                  <a:pt x="0" y="0"/>
+                </a:moveTo>
+                <a:lnTo>
+                  <a:pt x="120000" y="0"/>
+                </a:lnTo>
+                <a:lnTo>
+                  <a:pt x="120000" y="120000"/>
+                </a:lnTo>
+                <a:lnTo>
+                  <a:pt x="0" y="120000"/>
+                </a:lnTo>
+                <a:close/>
+              </a:path>
+            </a:pathLst>
+          </a:custGeom>
+        </p:spPr>
+      </p:sp>
+      <p:sp>
+        <p:nvSpPr>
+          <p:cNvPr id="99" name="Google Shape;99;g18899753c8b_0_16:notes"/>
+          <p:cNvSpPr txBox="1"/>
+          <p:nvPr>
+            <p:ph idx="1" type="body"/>
+          </p:nvPr>
+        </p:nvSpPr>
+        <p:spPr>
+          <a:xfrm>
+            <a:off x="685800" y="4343400"/>
+            <a:ext cx="5486400" cy="4114800"/>
+          </a:xfrm>
+          <a:prstGeom prst="rect">
+            <a:avLst/>
+          </a:prstGeom>
+        </p:spPr>
+        <p:txBody>
+          <a:bodyPr anchorCtr="0" anchor="t" bIns="91425" lIns="91425" spcFirstLastPara="1" rIns="91425" wrap="square" tIns="91425">
+            <a:noAutofit/>
+          </a:bodyPr>
+          <a:lstStyle/>
+          <a:p>
+            <a:pPr indent="0" lvl="0" marL="0" rtl="0" algn="l">
+              <a:spcBef>
+                <a:spcPts val="0"/>
+              </a:spcBef>
+              <a:spcAft>
+                <a:spcPts val="0"/>
+              </a:spcAft>
+              <a:buNone/>
+            </a:pPr>
+            <a:r>
+              <a:t/>
+            </a:r>
+            <a:endParaRPr/>
+          </a:p>
+        </p:txBody>
+      </p:sp>
+    </p:spTree>
+  </p:cSld>
+  <p:clrMapOvr>
+    <a:masterClrMapping/>
+  </p:clrMapOvr>
+</p:notes>
+</file>
+
+<file path=ppt/notesSlides/notesSlide11.xml><?xml version="1.0" encoding="utf-8"?>
+<p:notes xmlns:a="http://schemas.openxmlformats.org/drawingml/2006/main" xmlns:r="http://schemas.openxmlformats.org/officeDocument/2006/relationships" xmlns:mc="http://schemas.openxmlformats.org/markup-compatibility/2006" xmlns:mv="urn:schemas-microsoft-com:mac:vml" xmlns:p="http://schemas.openxmlformats.org/presentationml/2006/main" xmlns:c="http://schemas.openxmlformats.org/drawingml/2006/chart" xmlns:dgm="http://schemas.openxmlformats.org/drawingml/2006/diagram" xmlns:o="urn:schemas-microsoft-com:office:office" xmlns:v="urn:schemas-microsoft-com:vml" xmlns:pvml="urn:schemas-microsoft-com:office:powerpoint" xmlns:com="http://schemas.openxmlformats.org/drawingml/2006/compatibility" xmlns:p14="http://schemas.microsoft.com/office/powerpoint/2010/main" xmlns:p15="http://schemas.microsoft.com/office/powerpoint/2012/main" xmlns:ahyp="http://schemas.microsoft.com/office/drawing/2018/hyperlinkcolor" showMasterPhAnim="0" showMasterSp="0">
+  <p:cSld>
+    <p:spTree>
+      <p:nvGrpSpPr>
+        <p:cNvPr id="104" name="Shape 104"/>
+        <p:cNvGrpSpPr/>
+        <p:nvPr/>
+      </p:nvGrpSpPr>
+      <p:grpSpPr>
+        <a:xfrm>
+          <a:off x="0" y="0"/>
+          <a:ext cx="0" cy="0"/>
+          <a:chOff x="0" y="0"/>
+          <a:chExt cx="0" cy="0"/>
+        </a:xfrm>
+      </p:grpSpPr>
+      <p:sp>
+        <p:nvSpPr>
+          <p:cNvPr id="105" name="Google Shape;105;p36:notes"/>
           <p:cNvSpPr/>
           <p:nvPr>
             <p:ph idx="2" type="sldImg"/>
@@ -1046,7 +1146,7 @@
       </p:sp>
       <p:sp>
         <p:nvSpPr>
-          <p:cNvPr id="99" name="Google Shape;99;p37:notes"/>
+          <p:cNvPr id="106" name="Google Shape;106;p36:notes"/>
           <p:cNvSpPr txBox="1"/>
           <p:nvPr>
             <p:ph idx="1" type="body"/>
@@ -1099,12 +1199,12 @@
 </p:notes>
 </file>
 
-<file path=ppt/notesSlides/notesSlide11.xml><?xml version="1.0" encoding="utf-8"?>
+<file path=ppt/notesSlides/notesSlide12.xml><?xml version="1.0" encoding="utf-8"?>
 <p:notes xmlns:a="http://schemas.openxmlformats.org/drawingml/2006/main" xmlns:r="http://schemas.openxmlformats.org/officeDocument/2006/relationships" xmlns:mc="http://schemas.openxmlformats.org/markup-compatibility/2006" xmlns:mv="urn:schemas-microsoft-com:mac:vml" xmlns:p="http://schemas.openxmlformats.org/presentationml/2006/main" xmlns:c="http://schemas.openxmlformats.org/drawingml/2006/chart" xmlns:dgm="http://schemas.openxmlformats.org/drawingml/2006/diagram" xmlns:o="urn:schemas-microsoft-com:office:office" xmlns:v="urn:schemas-microsoft-com:vml" xmlns:pvml="urn:schemas-microsoft-com:office:powerpoint" xmlns:com="http://schemas.openxmlformats.org/drawingml/2006/compatibility" xmlns:p14="http://schemas.microsoft.com/office/powerpoint/2010/main" xmlns:p15="http://schemas.microsoft.com/office/powerpoint/2012/main" xmlns:ahyp="http://schemas.microsoft.com/office/drawing/2018/hyperlinkcolor" showMasterPhAnim="0" showMasterSp="0">
   <p:cSld>
     <p:spTree>
       <p:nvGrpSpPr>
-        <p:cNvPr id="104" name="Shape 104"/>
+        <p:cNvPr id="111" name="Shape 111"/>
         <p:cNvGrpSpPr/>
         <p:nvPr/>
       </p:nvGrpSpPr>
@@ -1118,7 +1218,7 @@
       </p:grpSpPr>
       <p:sp>
         <p:nvSpPr>
-          <p:cNvPr id="105" name="Google Shape;105;p6:notes"/>
+          <p:cNvPr id="112" name="Google Shape;112;p37:notes"/>
           <p:cNvSpPr/>
           <p:nvPr>
             <p:ph idx="2" type="sldImg"/>
@@ -1163,7 +1263,7 @@
       </p:sp>
       <p:sp>
         <p:nvSpPr>
-          <p:cNvPr id="106" name="Google Shape;106;p6:notes"/>
+          <p:cNvPr id="113" name="Google Shape;113;p37:notes"/>
           <p:cNvSpPr txBox="1"/>
           <p:nvPr>
             <p:ph idx="1" type="body"/>
@@ -1216,12 +1316,12 @@
 </p:notes>
 </file>
 
-<file path=ppt/notesSlides/notesSlide12.xml><?xml version="1.0" encoding="utf-8"?>
+<file path=ppt/notesSlides/notesSlide13.xml><?xml version="1.0" encoding="utf-8"?>
 <p:notes xmlns:a="http://schemas.openxmlformats.org/drawingml/2006/main" xmlns:r="http://schemas.openxmlformats.org/officeDocument/2006/relationships" xmlns:mc="http://schemas.openxmlformats.org/markup-compatibility/2006" xmlns:mv="urn:schemas-microsoft-com:mac:vml" xmlns:p="http://schemas.openxmlformats.org/presentationml/2006/main" xmlns:c="http://schemas.openxmlformats.org/drawingml/2006/chart" xmlns:dgm="http://schemas.openxmlformats.org/drawingml/2006/diagram" xmlns:o="urn:schemas-microsoft-com:office:office" xmlns:v="urn:schemas-microsoft-com:vml" xmlns:pvml="urn:schemas-microsoft-com:office:powerpoint" xmlns:com="http://schemas.openxmlformats.org/drawingml/2006/compatibility" xmlns:p14="http://schemas.microsoft.com/office/powerpoint/2010/main" xmlns:p15="http://schemas.microsoft.com/office/powerpoint/2012/main" xmlns:ahyp="http://schemas.microsoft.com/office/drawing/2018/hyperlinkcolor" showMasterPhAnim="0" showMasterSp="0">
   <p:cSld>
     <p:spTree>
       <p:nvGrpSpPr>
-        <p:cNvPr id="112" name="Shape 112"/>
+        <p:cNvPr id="118" name="Shape 118"/>
         <p:cNvGrpSpPr/>
         <p:nvPr/>
       </p:nvGrpSpPr>
@@ -1235,7 +1335,7 @@
       </p:grpSpPr>
       <p:sp>
         <p:nvSpPr>
-          <p:cNvPr id="113" name="Google Shape;113;p38:notes"/>
+          <p:cNvPr id="119" name="Google Shape;119;p6:notes"/>
           <p:cNvSpPr/>
           <p:nvPr>
             <p:ph idx="2" type="sldImg"/>
@@ -1280,7 +1380,7 @@
       </p:sp>
       <p:sp>
         <p:nvSpPr>
-          <p:cNvPr id="114" name="Google Shape;114;p38:notes"/>
+          <p:cNvPr id="120" name="Google Shape;120;p6:notes"/>
           <p:cNvSpPr txBox="1"/>
           <p:nvPr>
             <p:ph idx="1" type="body"/>
@@ -1333,12 +1433,12 @@
 </p:notes>
 </file>
 
-<file path=ppt/notesSlides/notesSlide13.xml><?xml version="1.0" encoding="utf-8"?>
+<file path=ppt/notesSlides/notesSlide14.xml><?xml version="1.0" encoding="utf-8"?>
 <p:notes xmlns:a="http://schemas.openxmlformats.org/drawingml/2006/main" xmlns:r="http://schemas.openxmlformats.org/officeDocument/2006/relationships" xmlns:mc="http://schemas.openxmlformats.org/markup-compatibility/2006" xmlns:mv="urn:schemas-microsoft-com:mac:vml" xmlns:p="http://schemas.openxmlformats.org/presentationml/2006/main" xmlns:c="http://schemas.openxmlformats.org/drawingml/2006/chart" xmlns:dgm="http://schemas.openxmlformats.org/drawingml/2006/diagram" xmlns:o="urn:schemas-microsoft-com:office:office" xmlns:v="urn:schemas-microsoft-com:vml" xmlns:pvml="urn:schemas-microsoft-com:office:powerpoint" xmlns:com="http://schemas.openxmlformats.org/drawingml/2006/compatibility" xmlns:p14="http://schemas.microsoft.com/office/powerpoint/2010/main" xmlns:p15="http://schemas.microsoft.com/office/powerpoint/2012/main" xmlns:ahyp="http://schemas.microsoft.com/office/drawing/2018/hyperlinkcolor" showMasterPhAnim="0" showMasterSp="0">
   <p:cSld>
     <p:spTree>
       <p:nvGrpSpPr>
-        <p:cNvPr id="119" name="Shape 119"/>
+        <p:cNvPr id="126" name="Shape 126"/>
         <p:cNvGrpSpPr/>
         <p:nvPr/>
       </p:nvGrpSpPr>
@@ -1352,7 +1452,7 @@
       </p:grpSpPr>
       <p:sp>
         <p:nvSpPr>
-          <p:cNvPr id="120" name="Google Shape;120;p39:notes"/>
+          <p:cNvPr id="127" name="Google Shape;127;p39:notes"/>
           <p:cNvSpPr/>
           <p:nvPr>
             <p:ph idx="2" type="sldImg"/>
@@ -1397,7 +1497,7 @@
       </p:sp>
       <p:sp>
         <p:nvSpPr>
-          <p:cNvPr id="121" name="Google Shape;121;p39:notes"/>
+          <p:cNvPr id="128" name="Google Shape;128;p39:notes"/>
           <p:cNvSpPr txBox="1"/>
           <p:nvPr>
             <p:ph idx="1" type="body"/>
@@ -1450,12 +1550,12 @@
 </p:notes>
 </file>
 
-<file path=ppt/notesSlides/notesSlide14.xml><?xml version="1.0" encoding="utf-8"?>
+<file path=ppt/notesSlides/notesSlide15.xml><?xml version="1.0" encoding="utf-8"?>
 <p:notes xmlns:a="http://schemas.openxmlformats.org/drawingml/2006/main" xmlns:r="http://schemas.openxmlformats.org/officeDocument/2006/relationships" xmlns:mc="http://schemas.openxmlformats.org/markup-compatibility/2006" xmlns:mv="urn:schemas-microsoft-com:mac:vml" xmlns:p="http://schemas.openxmlformats.org/presentationml/2006/main" xmlns:c="http://schemas.openxmlformats.org/drawingml/2006/chart" xmlns:dgm="http://schemas.openxmlformats.org/drawingml/2006/diagram" xmlns:o="urn:schemas-microsoft-com:office:office" xmlns:v="urn:schemas-microsoft-com:vml" xmlns:pvml="urn:schemas-microsoft-com:office:powerpoint" xmlns:com="http://schemas.openxmlformats.org/drawingml/2006/compatibility" xmlns:p14="http://schemas.microsoft.com/office/powerpoint/2010/main" xmlns:p15="http://schemas.microsoft.com/office/powerpoint/2012/main" xmlns:ahyp="http://schemas.microsoft.com/office/drawing/2018/hyperlinkcolor" showMasterPhAnim="0" showMasterSp="0">
   <p:cSld>
     <p:spTree>
       <p:nvGrpSpPr>
-        <p:cNvPr id="126" name="Shape 126"/>
+        <p:cNvPr id="133" name="Shape 133"/>
         <p:cNvGrpSpPr/>
         <p:nvPr/>
       </p:nvGrpSpPr>
@@ -1469,7 +1569,7 @@
       </p:grpSpPr>
       <p:sp>
         <p:nvSpPr>
-          <p:cNvPr id="127" name="Google Shape;127;p40:notes"/>
+          <p:cNvPr id="134" name="Google Shape;134;p40:notes"/>
           <p:cNvSpPr/>
           <p:nvPr>
             <p:ph idx="2" type="sldImg"/>
@@ -1514,7 +1614,7 @@
       </p:sp>
       <p:sp>
         <p:nvSpPr>
-          <p:cNvPr id="128" name="Google Shape;128;p40:notes"/>
+          <p:cNvPr id="135" name="Google Shape;135;p40:notes"/>
           <p:cNvSpPr txBox="1"/>
           <p:nvPr>
             <p:ph idx="1" type="body"/>
@@ -1567,12 +1667,12 @@
 </p:notes>
 </file>
 
-<file path=ppt/notesSlides/notesSlide15.xml><?xml version="1.0" encoding="utf-8"?>
+<file path=ppt/notesSlides/notesSlide16.xml><?xml version="1.0" encoding="utf-8"?>
 <p:notes xmlns:a="http://schemas.openxmlformats.org/drawingml/2006/main" xmlns:r="http://schemas.openxmlformats.org/officeDocument/2006/relationships" xmlns:mc="http://schemas.openxmlformats.org/markup-compatibility/2006" xmlns:mv="urn:schemas-microsoft-com:mac:vml" xmlns:p="http://schemas.openxmlformats.org/presentationml/2006/main" xmlns:c="http://schemas.openxmlformats.org/drawingml/2006/chart" xmlns:dgm="http://schemas.openxmlformats.org/drawingml/2006/diagram" xmlns:o="urn:schemas-microsoft-com:office:office" xmlns:v="urn:schemas-microsoft-com:vml" xmlns:pvml="urn:schemas-microsoft-com:office:powerpoint" xmlns:com="http://schemas.openxmlformats.org/drawingml/2006/compatibility" xmlns:p14="http://schemas.microsoft.com/office/powerpoint/2010/main" xmlns:p15="http://schemas.microsoft.com/office/powerpoint/2012/main" xmlns:ahyp="http://schemas.microsoft.com/office/drawing/2018/hyperlinkcolor" showMasterPhAnim="0" showMasterSp="0">
   <p:cSld>
     <p:spTree>
       <p:nvGrpSpPr>
-        <p:cNvPr id="133" name="Shape 133"/>
+        <p:cNvPr id="140" name="Shape 140"/>
         <p:cNvGrpSpPr/>
         <p:nvPr/>
       </p:nvGrpSpPr>
@@ -1586,7 +1686,7 @@
       </p:grpSpPr>
       <p:sp>
         <p:nvSpPr>
-          <p:cNvPr id="134" name="Google Shape;134;p41:notes"/>
+          <p:cNvPr id="141" name="Google Shape;141;p41:notes"/>
           <p:cNvSpPr/>
           <p:nvPr>
             <p:ph idx="2" type="sldImg"/>
@@ -1631,7 +1731,7 @@
       </p:sp>
       <p:sp>
         <p:nvSpPr>
-          <p:cNvPr id="135" name="Google Shape;135;p41:notes"/>
+          <p:cNvPr id="142" name="Google Shape;142;p41:notes"/>
           <p:cNvSpPr txBox="1"/>
           <p:nvPr>
             <p:ph idx="1" type="body"/>
@@ -1684,12 +1784,12 @@
 </p:notes>
 </file>
 
-<file path=ppt/notesSlides/notesSlide16.xml><?xml version="1.0" encoding="utf-8"?>
+<file path=ppt/notesSlides/notesSlide17.xml><?xml version="1.0" encoding="utf-8"?>
 <p:notes xmlns:a="http://schemas.openxmlformats.org/drawingml/2006/main" xmlns:r="http://schemas.openxmlformats.org/officeDocument/2006/relationships" xmlns:mc="http://schemas.openxmlformats.org/markup-compatibility/2006" xmlns:mv="urn:schemas-microsoft-com:mac:vml" xmlns:p="http://schemas.openxmlformats.org/presentationml/2006/main" xmlns:c="http://schemas.openxmlformats.org/drawingml/2006/chart" xmlns:dgm="http://schemas.openxmlformats.org/drawingml/2006/diagram" xmlns:o="urn:schemas-microsoft-com:office:office" xmlns:v="urn:schemas-microsoft-com:vml" xmlns:pvml="urn:schemas-microsoft-com:office:powerpoint" xmlns:com="http://schemas.openxmlformats.org/drawingml/2006/compatibility" xmlns:p14="http://schemas.microsoft.com/office/powerpoint/2010/main" xmlns:p15="http://schemas.microsoft.com/office/powerpoint/2012/main" xmlns:ahyp="http://schemas.microsoft.com/office/drawing/2018/hyperlinkcolor" showMasterPhAnim="0" showMasterSp="0">
   <p:cSld>
     <p:spTree>
       <p:nvGrpSpPr>
-        <p:cNvPr id="140" name="Shape 140"/>
+        <p:cNvPr id="147" name="Shape 147"/>
         <p:cNvGrpSpPr/>
         <p:nvPr/>
       </p:nvGrpSpPr>
@@ -1703,7 +1803,7 @@
       </p:grpSpPr>
       <p:sp>
         <p:nvSpPr>
-          <p:cNvPr id="141" name="Google Shape;141;p42:notes"/>
+          <p:cNvPr id="148" name="Google Shape;148;p42:notes"/>
           <p:cNvSpPr/>
           <p:nvPr>
             <p:ph idx="2" type="sldImg"/>
@@ -1748,7 +1848,7 @@
       </p:sp>
       <p:sp>
         <p:nvSpPr>
-          <p:cNvPr id="142" name="Google Shape;142;p42:notes"/>
+          <p:cNvPr id="149" name="Google Shape;149;p42:notes"/>
           <p:cNvSpPr txBox="1"/>
           <p:nvPr>
             <p:ph idx="1" type="body"/>
@@ -1801,12 +1901,12 @@
 </p:notes>
 </file>
 
-<file path=ppt/notesSlides/notesSlide17.xml><?xml version="1.0" encoding="utf-8"?>
+<file path=ppt/notesSlides/notesSlide18.xml><?xml version="1.0" encoding="utf-8"?>
 <p:notes xmlns:a="http://schemas.openxmlformats.org/drawingml/2006/main" xmlns:r="http://schemas.openxmlformats.org/officeDocument/2006/relationships" xmlns:mc="http://schemas.openxmlformats.org/markup-compatibility/2006" xmlns:mv="urn:schemas-microsoft-com:mac:vml" xmlns:p="http://schemas.openxmlformats.org/presentationml/2006/main" xmlns:c="http://schemas.openxmlformats.org/drawingml/2006/chart" xmlns:dgm="http://schemas.openxmlformats.org/drawingml/2006/diagram" xmlns:o="urn:schemas-microsoft-com:office:office" xmlns:v="urn:schemas-microsoft-com:vml" xmlns:pvml="urn:schemas-microsoft-com:office:powerpoint" xmlns:com="http://schemas.openxmlformats.org/drawingml/2006/compatibility" xmlns:p14="http://schemas.microsoft.com/office/powerpoint/2010/main" xmlns:p15="http://schemas.microsoft.com/office/powerpoint/2012/main" xmlns:ahyp="http://schemas.microsoft.com/office/drawing/2018/hyperlinkcolor" showMasterPhAnim="0" showMasterSp="0">
   <p:cSld>
     <p:spTree>
       <p:nvGrpSpPr>
-        <p:cNvPr id="147" name="Shape 147"/>
+        <p:cNvPr id="154" name="Shape 154"/>
         <p:cNvGrpSpPr/>
         <p:nvPr/>
       </p:nvGrpSpPr>
@@ -1820,7 +1920,7 @@
       </p:grpSpPr>
       <p:sp>
         <p:nvSpPr>
-          <p:cNvPr id="148" name="Google Shape;148;p5:notes"/>
+          <p:cNvPr id="155" name="Google Shape;155;p5:notes"/>
           <p:cNvSpPr/>
           <p:nvPr>
             <p:ph idx="2" type="sldImg"/>
@@ -1865,7 +1965,7 @@
       </p:sp>
       <p:sp>
         <p:nvSpPr>
-          <p:cNvPr id="149" name="Google Shape;149;p5:notes"/>
+          <p:cNvPr id="156" name="Google Shape;156;p5:notes"/>
           <p:cNvSpPr txBox="1"/>
           <p:nvPr>
             <p:ph idx="1" type="body"/>
@@ -1918,12 +2018,12 @@
 </p:notes>
 </file>
 
-<file path=ppt/notesSlides/notesSlide18.xml><?xml version="1.0" encoding="utf-8"?>
+<file path=ppt/notesSlides/notesSlide19.xml><?xml version="1.0" encoding="utf-8"?>
 <p:notes xmlns:a="http://schemas.openxmlformats.org/drawingml/2006/main" xmlns:r="http://schemas.openxmlformats.org/officeDocument/2006/relationships" xmlns:mc="http://schemas.openxmlformats.org/markup-compatibility/2006" xmlns:mv="urn:schemas-microsoft-com:mac:vml" xmlns:p="http://schemas.openxmlformats.org/presentationml/2006/main" xmlns:c="http://schemas.openxmlformats.org/drawingml/2006/chart" xmlns:dgm="http://schemas.openxmlformats.org/drawingml/2006/diagram" xmlns:o="urn:schemas-microsoft-com:office:office" xmlns:v="urn:schemas-microsoft-com:vml" xmlns:pvml="urn:schemas-microsoft-com:office:powerpoint" xmlns:com="http://schemas.openxmlformats.org/drawingml/2006/compatibility" xmlns:p14="http://schemas.microsoft.com/office/powerpoint/2010/main" xmlns:p15="http://schemas.microsoft.com/office/powerpoint/2012/main" xmlns:ahyp="http://schemas.microsoft.com/office/drawing/2018/hyperlinkcolor" showMasterPhAnim="0" showMasterSp="0">
   <p:cSld>
     <p:spTree>
       <p:nvGrpSpPr>
-        <p:cNvPr id="154" name="Shape 154"/>
+        <p:cNvPr id="161" name="Shape 161"/>
         <p:cNvGrpSpPr/>
         <p:nvPr/>
       </p:nvGrpSpPr>
@@ -1937,7 +2037,7 @@
       </p:grpSpPr>
       <p:sp>
         <p:nvSpPr>
-          <p:cNvPr id="155" name="Google Shape;155;p16:notes"/>
+          <p:cNvPr id="162" name="Google Shape;162;p16:notes"/>
           <p:cNvSpPr/>
           <p:nvPr>
             <p:ph idx="2" type="sldImg"/>
@@ -1982,124 +2082,7 @@
       </p:sp>
       <p:sp>
         <p:nvSpPr>
-          <p:cNvPr id="156" name="Google Shape;156;p16:notes"/>
-          <p:cNvSpPr txBox="1"/>
-          <p:nvPr>
-            <p:ph idx="1" type="body"/>
-          </p:nvPr>
-        </p:nvSpPr>
-        <p:spPr>
-          <a:xfrm>
-            <a:off x="685800" y="4343400"/>
-            <a:ext cx="5486400" cy="4114800"/>
-          </a:xfrm>
-          <a:prstGeom prst="rect">
-            <a:avLst/>
-          </a:prstGeom>
-          <a:noFill/>
-          <a:ln>
-            <a:noFill/>
-          </a:ln>
-        </p:spPr>
-        <p:txBody>
-          <a:bodyPr anchorCtr="0" anchor="t" bIns="91425" lIns="91425" spcFirstLastPara="1" rIns="91425" wrap="square" tIns="91425">
-            <a:noAutofit/>
-          </a:bodyPr>
-          <a:lstStyle/>
-          <a:p>
-            <a:pPr indent="0" lvl="0" marL="0" rtl="0" algn="l">
-              <a:lnSpc>
-                <a:spcPct val="100000"/>
-              </a:lnSpc>
-              <a:spcBef>
-                <a:spcPts val="0"/>
-              </a:spcBef>
-              <a:spcAft>
-                <a:spcPts val="0"/>
-              </a:spcAft>
-              <a:buSzPts val="1100"/>
-              <a:buNone/>
-            </a:pPr>
-            <a:r>
-              <a:t/>
-            </a:r>
-            <a:endParaRPr/>
-          </a:p>
-        </p:txBody>
-      </p:sp>
-    </p:spTree>
-  </p:cSld>
-  <p:clrMapOvr>
-    <a:masterClrMapping/>
-  </p:clrMapOvr>
-</p:notes>
-</file>
-
-<file path=ppt/notesSlides/notesSlide19.xml><?xml version="1.0" encoding="utf-8"?>
-<p:notes xmlns:a="http://schemas.openxmlformats.org/drawingml/2006/main" xmlns:r="http://schemas.openxmlformats.org/officeDocument/2006/relationships" xmlns:mc="http://schemas.openxmlformats.org/markup-compatibility/2006" xmlns:mv="urn:schemas-microsoft-com:mac:vml" xmlns:p="http://schemas.openxmlformats.org/presentationml/2006/main" xmlns:c="http://schemas.openxmlformats.org/drawingml/2006/chart" xmlns:dgm="http://schemas.openxmlformats.org/drawingml/2006/diagram" xmlns:o="urn:schemas-microsoft-com:office:office" xmlns:v="urn:schemas-microsoft-com:vml" xmlns:pvml="urn:schemas-microsoft-com:office:powerpoint" xmlns:com="http://schemas.openxmlformats.org/drawingml/2006/compatibility" xmlns:p14="http://schemas.microsoft.com/office/powerpoint/2010/main" xmlns:p15="http://schemas.microsoft.com/office/powerpoint/2012/main" xmlns:ahyp="http://schemas.microsoft.com/office/drawing/2018/hyperlinkcolor" showMasterPhAnim="0" showMasterSp="0">
-  <p:cSld>
-    <p:spTree>
-      <p:nvGrpSpPr>
-        <p:cNvPr id="161" name="Shape 161"/>
-        <p:cNvGrpSpPr/>
-        <p:nvPr/>
-      </p:nvGrpSpPr>
-      <p:grpSpPr>
-        <a:xfrm>
-          <a:off x="0" y="0"/>
-          <a:ext cx="0" cy="0"/>
-          <a:chOff x="0" y="0"/>
-          <a:chExt cx="0" cy="0"/>
-        </a:xfrm>
-      </p:grpSpPr>
-      <p:sp>
-        <p:nvSpPr>
-          <p:cNvPr id="162" name="Google Shape;162;p17:notes"/>
-          <p:cNvSpPr/>
-          <p:nvPr>
-            <p:ph idx="2" type="sldImg"/>
-          </p:nvPr>
-        </p:nvSpPr>
-        <p:spPr>
-          <a:xfrm>
-            <a:off x="381000" y="685800"/>
-            <a:ext cx="6096000" cy="3429000"/>
-          </a:xfrm>
-          <a:custGeom>
-            <a:rect b="b" l="l" r="r" t="t"/>
-            <a:pathLst>
-              <a:path extrusionOk="0" h="120000" w="120000">
-                <a:moveTo>
-                  <a:pt x="0" y="0"/>
-                </a:moveTo>
-                <a:lnTo>
-                  <a:pt x="120000" y="0"/>
-                </a:lnTo>
-                <a:lnTo>
-                  <a:pt x="120000" y="120000"/>
-                </a:lnTo>
-                <a:lnTo>
-                  <a:pt x="0" y="120000"/>
-                </a:lnTo>
-                <a:close/>
-              </a:path>
-            </a:pathLst>
-          </a:custGeom>
-          <a:noFill/>
-          <a:ln cap="flat" cmpd="sng" w="9525">
-            <a:solidFill>
-              <a:srgbClr val="000000"/>
-            </a:solidFill>
-            <a:prstDash val="solid"/>
-            <a:round/>
-            <a:headEnd len="sm" w="sm" type="none"/>
-            <a:tailEnd len="sm" w="sm" type="none"/>
-          </a:ln>
-        </p:spPr>
-      </p:sp>
-      <p:sp>
-        <p:nvSpPr>
-          <p:cNvPr id="163" name="Google Shape;163;p17:notes"/>
+          <p:cNvPr id="163" name="Google Shape;163;p16:notes"/>
           <p:cNvSpPr txBox="1"/>
           <p:nvPr>
             <p:ph idx="1" type="body"/>
@@ -2288,7 +2271,7 @@
       </p:grpSpPr>
       <p:sp>
         <p:nvSpPr>
-          <p:cNvPr id="169" name="Google Shape;169;p18:notes"/>
+          <p:cNvPr id="169" name="Google Shape;169;p17:notes"/>
           <p:cNvSpPr/>
           <p:nvPr>
             <p:ph idx="2" type="sldImg"/>
@@ -2333,7 +2316,7 @@
       </p:sp>
       <p:sp>
         <p:nvSpPr>
-          <p:cNvPr id="170" name="Google Shape;170;p18:notes"/>
+          <p:cNvPr id="170" name="Google Shape;170;p17:notes"/>
           <p:cNvSpPr txBox="1"/>
           <p:nvPr>
             <p:ph idx="1" type="body"/>
@@ -2391,7 +2374,7 @@
   <p:cSld>
     <p:spTree>
       <p:nvGrpSpPr>
-        <p:cNvPr id="176" name="Shape 176"/>
+        <p:cNvPr id="175" name="Shape 175"/>
         <p:cNvGrpSpPr/>
         <p:nvPr/>
       </p:nvGrpSpPr>
@@ -2405,7 +2388,7 @@
       </p:grpSpPr>
       <p:sp>
         <p:nvSpPr>
-          <p:cNvPr id="177" name="Google Shape;177;p19:notes"/>
+          <p:cNvPr id="176" name="Google Shape;176;p18:notes"/>
           <p:cNvSpPr/>
           <p:nvPr>
             <p:ph idx="2" type="sldImg"/>
@@ -2450,7 +2433,124 @@
       </p:sp>
       <p:sp>
         <p:nvSpPr>
-          <p:cNvPr id="178" name="Google Shape;178;p19:notes"/>
+          <p:cNvPr id="177" name="Google Shape;177;p18:notes"/>
+          <p:cNvSpPr txBox="1"/>
+          <p:nvPr>
+            <p:ph idx="1" type="body"/>
+          </p:nvPr>
+        </p:nvSpPr>
+        <p:spPr>
+          <a:xfrm>
+            <a:off x="685800" y="4343400"/>
+            <a:ext cx="5486400" cy="4114800"/>
+          </a:xfrm>
+          <a:prstGeom prst="rect">
+            <a:avLst/>
+          </a:prstGeom>
+          <a:noFill/>
+          <a:ln>
+            <a:noFill/>
+          </a:ln>
+        </p:spPr>
+        <p:txBody>
+          <a:bodyPr anchorCtr="0" anchor="t" bIns="91425" lIns="91425" spcFirstLastPara="1" rIns="91425" wrap="square" tIns="91425">
+            <a:noAutofit/>
+          </a:bodyPr>
+          <a:lstStyle/>
+          <a:p>
+            <a:pPr indent="0" lvl="0" marL="0" rtl="0" algn="l">
+              <a:lnSpc>
+                <a:spcPct val="100000"/>
+              </a:lnSpc>
+              <a:spcBef>
+                <a:spcPts val="0"/>
+              </a:spcBef>
+              <a:spcAft>
+                <a:spcPts val="0"/>
+              </a:spcAft>
+              <a:buSzPts val="1100"/>
+              <a:buNone/>
+            </a:pPr>
+            <a:r>
+              <a:t/>
+            </a:r>
+            <a:endParaRPr/>
+          </a:p>
+        </p:txBody>
+      </p:sp>
+    </p:spTree>
+  </p:cSld>
+  <p:clrMapOvr>
+    <a:masterClrMapping/>
+  </p:clrMapOvr>
+</p:notes>
+</file>
+
+<file path=ppt/notesSlides/notesSlide22.xml><?xml version="1.0" encoding="utf-8"?>
+<p:notes xmlns:a="http://schemas.openxmlformats.org/drawingml/2006/main" xmlns:r="http://schemas.openxmlformats.org/officeDocument/2006/relationships" xmlns:mc="http://schemas.openxmlformats.org/markup-compatibility/2006" xmlns:mv="urn:schemas-microsoft-com:mac:vml" xmlns:p="http://schemas.openxmlformats.org/presentationml/2006/main" xmlns:c="http://schemas.openxmlformats.org/drawingml/2006/chart" xmlns:dgm="http://schemas.openxmlformats.org/drawingml/2006/diagram" xmlns:o="urn:schemas-microsoft-com:office:office" xmlns:v="urn:schemas-microsoft-com:vml" xmlns:pvml="urn:schemas-microsoft-com:office:powerpoint" xmlns:com="http://schemas.openxmlformats.org/drawingml/2006/compatibility" xmlns:p14="http://schemas.microsoft.com/office/powerpoint/2010/main" xmlns:p15="http://schemas.microsoft.com/office/powerpoint/2012/main" xmlns:ahyp="http://schemas.microsoft.com/office/drawing/2018/hyperlinkcolor" showMasterPhAnim="0" showMasterSp="0">
+  <p:cSld>
+    <p:spTree>
+      <p:nvGrpSpPr>
+        <p:cNvPr id="183" name="Shape 183"/>
+        <p:cNvGrpSpPr/>
+        <p:nvPr/>
+      </p:nvGrpSpPr>
+      <p:grpSpPr>
+        <a:xfrm>
+          <a:off x="0" y="0"/>
+          <a:ext cx="0" cy="0"/>
+          <a:chOff x="0" y="0"/>
+          <a:chExt cx="0" cy="0"/>
+        </a:xfrm>
+      </p:grpSpPr>
+      <p:sp>
+        <p:nvSpPr>
+          <p:cNvPr id="184" name="Google Shape;184;p19:notes"/>
+          <p:cNvSpPr/>
+          <p:nvPr>
+            <p:ph idx="2" type="sldImg"/>
+          </p:nvPr>
+        </p:nvSpPr>
+        <p:spPr>
+          <a:xfrm>
+            <a:off x="381000" y="685800"/>
+            <a:ext cx="6096000" cy="3429000"/>
+          </a:xfrm>
+          <a:custGeom>
+            <a:rect b="b" l="l" r="r" t="t"/>
+            <a:pathLst>
+              <a:path extrusionOk="0" h="120000" w="120000">
+                <a:moveTo>
+                  <a:pt x="0" y="0"/>
+                </a:moveTo>
+                <a:lnTo>
+                  <a:pt x="120000" y="0"/>
+                </a:lnTo>
+                <a:lnTo>
+                  <a:pt x="120000" y="120000"/>
+                </a:lnTo>
+                <a:lnTo>
+                  <a:pt x="0" y="120000"/>
+                </a:lnTo>
+                <a:close/>
+              </a:path>
+            </a:pathLst>
+          </a:custGeom>
+          <a:noFill/>
+          <a:ln cap="flat" cmpd="sng" w="9525">
+            <a:solidFill>
+              <a:srgbClr val="000000"/>
+            </a:solidFill>
+            <a:prstDash val="solid"/>
+            <a:round/>
+            <a:headEnd len="sm" w="sm" type="none"/>
+            <a:tailEnd len="sm" w="sm" type="none"/>
+          </a:ln>
+        </p:spPr>
+      </p:sp>
+      <p:sp>
+        <p:nvSpPr>
+          <p:cNvPr id="185" name="Google Shape;185;p19:notes"/>
           <p:cNvSpPr txBox="1"/>
           <p:nvPr>
             <p:ph idx="1" type="body"/>
@@ -3224,7 +3324,7 @@
       </p:grpSpPr>
       <p:sp>
         <p:nvSpPr>
-          <p:cNvPr id="91" name="Google Shape;91;p36:notes"/>
+          <p:cNvPr id="91" name="Google Shape;91;g18899753c8b_0_7:notes"/>
           <p:cNvSpPr/>
           <p:nvPr>
             <p:ph idx="2" type="sldImg"/>
@@ -3232,7 +3332,7 @@
         </p:nvSpPr>
         <p:spPr>
           <a:xfrm>
-            <a:off x="381000" y="685800"/>
+            <a:off x="381309" y="685800"/>
             <a:ext cx="6096000" cy="3429000"/>
           </a:xfrm>
           <a:custGeom>
@@ -3255,21 +3355,11 @@
               </a:path>
             </a:pathLst>
           </a:custGeom>
-          <a:noFill/>
-          <a:ln cap="flat" cmpd="sng" w="9525">
-            <a:solidFill>
-              <a:srgbClr val="000000"/>
-            </a:solidFill>
-            <a:prstDash val="solid"/>
-            <a:round/>
-            <a:headEnd len="sm" w="sm" type="none"/>
-            <a:tailEnd len="sm" w="sm" type="none"/>
-          </a:ln>
         </p:spPr>
       </p:sp>
       <p:sp>
         <p:nvSpPr>
-          <p:cNvPr id="92" name="Google Shape;92;p36:notes"/>
+          <p:cNvPr id="92" name="Google Shape;92;g18899753c8b_0_7:notes"/>
           <p:cNvSpPr txBox="1"/>
           <p:nvPr>
             <p:ph idx="1" type="body"/>
@@ -3283,10 +3373,6 @@
           <a:prstGeom prst="rect">
             <a:avLst/>
           </a:prstGeom>
-          <a:noFill/>
-          <a:ln>
-            <a:noFill/>
-          </a:ln>
         </p:spPr>
         <p:txBody>
           <a:bodyPr anchorCtr="0" anchor="t" bIns="91425" lIns="91425" spcFirstLastPara="1" rIns="91425" wrap="square" tIns="91425">
@@ -3295,16 +3381,12 @@
           <a:lstStyle/>
           <a:p>
             <a:pPr indent="0" lvl="0" marL="0" rtl="0" algn="l">
-              <a:lnSpc>
-                <a:spcPct val="100000"/>
-              </a:lnSpc>
-              <a:spcBef>
-                <a:spcPts val="0"/>
-              </a:spcBef>
-              <a:spcAft>
-                <a:spcPts val="0"/>
-              </a:spcAft>
-              <a:buSzPts val="1100"/>
+              <a:spcBef>
+                <a:spcPts val="0"/>
+              </a:spcBef>
+              <a:spcAft>
+                <a:spcPts val="0"/>
+              </a:spcAft>
               <a:buNone/>
             </a:pPr>
             <a:r>
@@ -9798,7 +9880,7 @@
           <a:effectLst>
             <a:outerShdw blurRad="57150" rotWithShape="0" algn="bl" dir="5400000" dist="19050">
               <a:srgbClr val="000000">
-                <a:alpha val="50000"/>
+                <a:alpha val="49803"/>
               </a:srgbClr>
             </a:outerShdw>
           </a:effectLst>
@@ -9915,19 +9997,7 @@
                 <a:cs typeface="Montserrat"/>
                 <a:sym typeface="Montserrat"/>
               </a:rPr>
-              <a:t>B</a:t>
-            </a:r>
-            <a:r>
-              <a:rPr b="1" lang="en-GB" sz="2000">
-                <a:solidFill>
-                  <a:schemeClr val="accent2"/>
-                </a:solidFill>
-                <a:latin typeface="Montserrat"/>
-                <a:ea typeface="Montserrat"/>
-                <a:cs typeface="Montserrat"/>
-                <a:sym typeface="Montserrat"/>
-              </a:rPr>
-              <a:t>y</a:t>
+              <a:t>By</a:t>
             </a:r>
             <a:endParaRPr b="1" sz="1400">
               <a:solidFill>
@@ -10155,33 +10225,28 @@
       </p:grpSpPr>
       <p:sp>
         <p:nvSpPr>
-          <p:cNvPr id="101" name="Google Shape;101;p37"/>
+          <p:cNvPr id="101" name="Google Shape;101;g18899753c8b_0_16"/>
           <p:cNvSpPr txBox="1"/>
-          <p:nvPr/>
+          <p:nvPr>
+            <p:ph type="ctrTitle"/>
+          </p:nvPr>
         </p:nvSpPr>
         <p:spPr>
           <a:xfrm>
-            <a:off x="95694" y="0"/>
-            <a:ext cx="8420985" cy="415498"/>
+            <a:off x="221300" y="362825"/>
+            <a:ext cx="7966200" cy="621600"/>
           </a:xfrm>
           <a:prstGeom prst="rect">
             <a:avLst/>
           </a:prstGeom>
-          <a:noFill/>
-          <a:ln>
-            <a:noFill/>
-          </a:ln>
         </p:spPr>
         <p:txBody>
-          <a:bodyPr anchorCtr="0" anchor="t" bIns="45700" lIns="91425" spcFirstLastPara="1" rIns="91425" wrap="square" tIns="45700">
-            <a:spAutoFit/>
+          <a:bodyPr anchorCtr="0" anchor="b" bIns="91425" lIns="91425" spcFirstLastPara="1" rIns="91425" wrap="square" tIns="91425">
+            <a:noAutofit/>
           </a:bodyPr>
           <a:lstStyle/>
           <a:p>
-            <a:pPr indent="0" lvl="0" marL="0" marR="0" rtl="0" algn="ctr">
-              <a:lnSpc>
-                <a:spcPct val="100000"/>
-              </a:lnSpc>
+            <a:pPr indent="0" lvl="0" marL="0" rtl="0" algn="ctr">
               <a:spcBef>
                 <a:spcPts val="0"/>
               </a:spcBef>
@@ -10191,91 +10256,77 @@
               <a:buNone/>
             </a:pPr>
             <a:r>
-              <a:rPr b="1" i="0" lang="en-GB" sz="2100" u="none" cap="none" strike="noStrike">
-                <a:solidFill>
-                  <a:schemeClr val="dk1"/>
-                </a:solidFill>
-                <a:latin typeface="Arial"/>
-                <a:ea typeface="Arial"/>
-                <a:cs typeface="Arial"/>
-                <a:sym typeface="Arial"/>
+              <a:rPr b="1" lang="en-GB" sz="1800">
+                <a:solidFill>
+                  <a:schemeClr val="accent2"/>
+                </a:solidFill>
+                <a:highlight>
+                  <a:srgbClr val="FFFFFF"/>
+                </a:highlight>
               </a:rPr>
-              <a:t>No of list made by host across Neighborhood</a:t>
-            </a:r>
-            <a:endParaRPr/>
+              <a:t>average preferred price by customers according to the location</a:t>
+            </a:r>
+            <a:endParaRPr sz="5800"/>
           </a:p>
         </p:txBody>
       </p:sp>
       <p:sp>
         <p:nvSpPr>
-          <p:cNvPr id="102" name="Google Shape;102;p37"/>
+          <p:cNvPr id="102" name="Google Shape;102;g18899753c8b_0_16"/>
           <p:cNvSpPr txBox="1"/>
-          <p:nvPr/>
+          <p:nvPr>
+            <p:ph idx="1" type="subTitle"/>
+          </p:nvPr>
         </p:nvSpPr>
         <p:spPr>
           <a:xfrm>
-            <a:off x="233916" y="4689025"/>
-            <a:ext cx="8910084" cy="307777"/>
+            <a:off x="311700" y="2834125"/>
+            <a:ext cx="8520600" cy="792600"/>
           </a:xfrm>
           <a:prstGeom prst="rect">
             <a:avLst/>
           </a:prstGeom>
-          <a:noFill/>
-          <a:ln>
-            <a:noFill/>
-          </a:ln>
         </p:spPr>
         <p:txBody>
-          <a:bodyPr anchorCtr="0" anchor="t" bIns="45700" lIns="91425" spcFirstLastPara="1" rIns="91425" wrap="square" tIns="45700">
-            <a:spAutoFit/>
+          <a:bodyPr anchorCtr="0" anchor="t" bIns="91425" lIns="91425" spcFirstLastPara="1" rIns="91425" wrap="square" tIns="91425">
+            <a:noAutofit/>
           </a:bodyPr>
           <a:lstStyle/>
           <a:p>
-            <a:pPr indent="-317500" lvl="0" marL="457200" marR="0" rtl="0" algn="ctr">
-              <a:lnSpc>
-                <a:spcPct val="100000"/>
-              </a:lnSpc>
-              <a:spcBef>
-                <a:spcPts val="0"/>
-              </a:spcBef>
-              <a:spcAft>
-                <a:spcPts val="0"/>
-              </a:spcAft>
-              <a:buClr>
-                <a:srgbClr val="000000"/>
-              </a:buClr>
-              <a:buSzPts val="1400"/>
-              <a:buChar char="●"/>
+            <a:pPr indent="0" lvl="0" marL="0" rtl="0" algn="ctr">
+              <a:spcBef>
+                <a:spcPts val="0"/>
+              </a:spcBef>
+              <a:spcAft>
+                <a:spcPts val="0"/>
+              </a:spcAft>
+              <a:buNone/>
             </a:pPr>
             <a:r>
-              <a:rPr b="1" i="0" lang="en-GB" sz="1400" u="none" cap="none" strike="noStrike">
-                <a:solidFill>
-                  <a:srgbClr val="000000"/>
-                </a:solidFill>
-              </a:rPr>
-              <a:t>Most of peoples wants to live in Williamsburg and Bedford-Stuyvesant.</a:t>
-            </a:r>
-            <a:endParaRPr b="1"/>
+              <a:t/>
+            </a:r>
+            <a:endParaRPr/>
           </a:p>
         </p:txBody>
       </p:sp>
       <p:pic>
         <p:nvPicPr>
-          <p:cNvPr id="103" name="Google Shape;103;p37"/>
+          <p:cNvPr id="103" name="Google Shape;103;g18899753c8b_0_16"/>
           <p:cNvPicPr preferRelativeResize="0"/>
           <p:nvPr/>
         </p:nvPicPr>
-        <p:blipFill rotWithShape="1">
+        <p:blipFill>
           <a:blip r:embed="rId3">
             <a:alphaModFix/>
           </a:blip>
-          <a:srcRect b="0" l="0" r="0" t="0"/>
-          <a:stretch/>
+          <a:stretch>
+            <a:fillRect/>
+          </a:stretch>
         </p:blipFill>
         <p:spPr>
           <a:xfrm>
-            <a:off x="95694" y="415498"/>
-            <a:ext cx="8729330" cy="4323874"/>
+            <a:off x="221300" y="1245725"/>
+            <a:ext cx="8220075" cy="3790950"/>
           </a:xfrm>
           <a:prstGeom prst="rect">
             <a:avLst/>
@@ -10311,9 +10362,488 @@
           <a:chExt cx="0" cy="0"/>
         </a:xfrm>
       </p:grpSpPr>
+      <p:sp>
+        <p:nvSpPr>
+          <p:cNvPr id="108" name="Google Shape;108;p36"/>
+          <p:cNvSpPr txBox="1"/>
+          <p:nvPr/>
+        </p:nvSpPr>
+        <p:spPr>
+          <a:xfrm>
+            <a:off x="95694" y="0"/>
+            <a:ext cx="8420985" cy="415498"/>
+          </a:xfrm>
+          <a:prstGeom prst="rect">
+            <a:avLst/>
+          </a:prstGeom>
+          <a:noFill/>
+          <a:ln>
+            <a:noFill/>
+          </a:ln>
+        </p:spPr>
+        <p:txBody>
+          <a:bodyPr anchorCtr="0" anchor="t" bIns="45700" lIns="91425" spcFirstLastPara="1" rIns="91425" wrap="square" tIns="45700">
+            <a:spAutoFit/>
+          </a:bodyPr>
+          <a:lstStyle/>
+          <a:p>
+            <a:pPr indent="0" lvl="0" marL="0" marR="0" rtl="0" algn="ctr">
+              <a:lnSpc>
+                <a:spcPct val="100000"/>
+              </a:lnSpc>
+              <a:spcBef>
+                <a:spcPts val="0"/>
+              </a:spcBef>
+              <a:spcAft>
+                <a:spcPts val="0"/>
+              </a:spcAft>
+              <a:buClr>
+                <a:srgbClr val="000000"/>
+              </a:buClr>
+              <a:buSzPts val="2100"/>
+              <a:buFont typeface="Arial"/>
+              <a:buNone/>
+            </a:pPr>
+            <a:r>
+              <a:rPr b="1" i="0" lang="en-GB" sz="2100" u="none" cap="none" strike="noStrike">
+                <a:solidFill>
+                  <a:schemeClr val="dk1"/>
+                </a:solidFill>
+                <a:latin typeface="Arial"/>
+                <a:ea typeface="Arial"/>
+                <a:cs typeface="Arial"/>
+                <a:sym typeface="Arial"/>
+              </a:rPr>
+              <a:t>  No of list made by host across Neighborhood Group</a:t>
+            </a:r>
+            <a:endParaRPr b="0" i="0" sz="1400" u="none" cap="none" strike="noStrike">
+              <a:solidFill>
+                <a:srgbClr val="000000"/>
+              </a:solidFill>
+              <a:latin typeface="Arial"/>
+              <a:ea typeface="Arial"/>
+              <a:cs typeface="Arial"/>
+              <a:sym typeface="Arial"/>
+            </a:endParaRPr>
+          </a:p>
+        </p:txBody>
+      </p:sp>
+      <p:sp>
+        <p:nvSpPr>
+          <p:cNvPr id="109" name="Google Shape;109;p36"/>
+          <p:cNvSpPr txBox="1"/>
+          <p:nvPr/>
+        </p:nvSpPr>
+        <p:spPr>
+          <a:xfrm>
+            <a:off x="0" y="760200"/>
+            <a:ext cx="3214800" cy="4402200"/>
+          </a:xfrm>
+          <a:prstGeom prst="rect">
+            <a:avLst/>
+          </a:prstGeom>
+          <a:noFill/>
+          <a:ln>
+            <a:noFill/>
+          </a:ln>
+        </p:spPr>
+        <p:txBody>
+          <a:bodyPr anchorCtr="0" anchor="t" bIns="45700" lIns="91425" spcFirstLastPara="1" rIns="91425" wrap="square" tIns="45700">
+            <a:spAutoFit/>
+          </a:bodyPr>
+          <a:lstStyle/>
+          <a:p>
+            <a:pPr indent="-336550" lvl="0" marL="342900" marR="0" rtl="0" algn="l">
+              <a:lnSpc>
+                <a:spcPct val="100000"/>
+              </a:lnSpc>
+              <a:spcBef>
+                <a:spcPts val="0"/>
+              </a:spcBef>
+              <a:spcAft>
+                <a:spcPts val="0"/>
+              </a:spcAft>
+              <a:buClr>
+                <a:srgbClr val="000000"/>
+              </a:buClr>
+              <a:buSzPts val="1900"/>
+              <a:buFont typeface="Arial"/>
+              <a:buChar char="⮚"/>
+            </a:pPr>
+            <a:r>
+              <a:rPr b="0" i="0" lang="en-GB" sz="1900" u="none" cap="none" strike="noStrike">
+                <a:solidFill>
+                  <a:srgbClr val="000000"/>
+                </a:solidFill>
+                <a:latin typeface="Arial"/>
+                <a:ea typeface="Arial"/>
+                <a:cs typeface="Arial"/>
+                <a:sym typeface="Arial"/>
+              </a:rPr>
+              <a:t>It is observed that Manhattan has highest number of listing of 21661 which is 44.3% of total listing.</a:t>
+            </a:r>
+            <a:endParaRPr b="0" i="0" sz="1300" u="none" cap="none" strike="noStrike">
+              <a:solidFill>
+                <a:srgbClr val="000000"/>
+              </a:solidFill>
+              <a:latin typeface="Arial"/>
+              <a:ea typeface="Arial"/>
+              <a:cs typeface="Arial"/>
+              <a:sym typeface="Arial"/>
+            </a:endParaRPr>
+          </a:p>
+          <a:p>
+            <a:pPr indent="-336550" lvl="0" marL="342900" marR="0" rtl="0" algn="l">
+              <a:lnSpc>
+                <a:spcPct val="100000"/>
+              </a:lnSpc>
+              <a:spcBef>
+                <a:spcPts val="0"/>
+              </a:spcBef>
+              <a:spcAft>
+                <a:spcPts val="0"/>
+              </a:spcAft>
+              <a:buClr>
+                <a:srgbClr val="000000"/>
+              </a:buClr>
+              <a:buSzPts val="1900"/>
+              <a:buFont typeface="Arial"/>
+              <a:buChar char="⮚"/>
+            </a:pPr>
+            <a:r>
+              <a:rPr b="0" i="0" lang="en-GB" sz="1900" u="none" cap="none" strike="noStrike">
+                <a:solidFill>
+                  <a:srgbClr val="000000"/>
+                </a:solidFill>
+                <a:latin typeface="Arial"/>
+                <a:ea typeface="Arial"/>
+                <a:cs typeface="Arial"/>
+                <a:sym typeface="Arial"/>
+              </a:rPr>
+              <a:t>Brooklyn has second highest number of listing 20104 which is 41.1% of total listing.</a:t>
+            </a:r>
+            <a:endParaRPr b="0" i="0" sz="1300" u="none" cap="none" strike="noStrike">
+              <a:solidFill>
+                <a:srgbClr val="000000"/>
+              </a:solidFill>
+              <a:latin typeface="Arial"/>
+              <a:ea typeface="Arial"/>
+              <a:cs typeface="Arial"/>
+              <a:sym typeface="Arial"/>
+            </a:endParaRPr>
+          </a:p>
+          <a:p>
+            <a:pPr indent="-336550" lvl="0" marL="342900" marR="0" rtl="0" algn="l">
+              <a:lnSpc>
+                <a:spcPct val="100000"/>
+              </a:lnSpc>
+              <a:spcBef>
+                <a:spcPts val="0"/>
+              </a:spcBef>
+              <a:spcAft>
+                <a:spcPts val="0"/>
+              </a:spcAft>
+              <a:buClr>
+                <a:srgbClr val="000000"/>
+              </a:buClr>
+              <a:buSzPts val="1900"/>
+              <a:buFont typeface="Arial"/>
+              <a:buChar char="⮚"/>
+            </a:pPr>
+            <a:r>
+              <a:rPr b="0" i="0" lang="en-GB" sz="1900" u="none" cap="none" strike="noStrike">
+                <a:solidFill>
+                  <a:srgbClr val="000000"/>
+                </a:solidFill>
+                <a:latin typeface="Arial"/>
+                <a:ea typeface="Arial"/>
+                <a:cs typeface="Arial"/>
+                <a:sym typeface="Arial"/>
+              </a:rPr>
+              <a:t>Queens are at third place with 5666 listing and Bronx and Staten have least number of listing.</a:t>
+            </a:r>
+            <a:endParaRPr b="0" i="0" sz="1300" u="none" cap="none" strike="noStrike">
+              <a:solidFill>
+                <a:srgbClr val="000000"/>
+              </a:solidFill>
+              <a:latin typeface="Arial"/>
+              <a:ea typeface="Arial"/>
+              <a:cs typeface="Arial"/>
+              <a:sym typeface="Arial"/>
+            </a:endParaRPr>
+          </a:p>
+          <a:p>
+            <a:pPr indent="0" lvl="0" marL="0" marR="0" rtl="0" algn="l">
+              <a:lnSpc>
+                <a:spcPct val="100000"/>
+              </a:lnSpc>
+              <a:spcBef>
+                <a:spcPts val="0"/>
+              </a:spcBef>
+              <a:spcAft>
+                <a:spcPts val="0"/>
+              </a:spcAft>
+              <a:buClr>
+                <a:srgbClr val="000000"/>
+              </a:buClr>
+              <a:buSzPts val="1400"/>
+              <a:buFont typeface="Arial"/>
+              <a:buNone/>
+            </a:pPr>
+            <a:r>
+              <a:t/>
+            </a:r>
+            <a:endParaRPr b="0" i="0" sz="1400" u="none" cap="none" strike="noStrike">
+              <a:solidFill>
+                <a:srgbClr val="000000"/>
+              </a:solidFill>
+              <a:latin typeface="Arial"/>
+              <a:ea typeface="Arial"/>
+              <a:cs typeface="Arial"/>
+              <a:sym typeface="Arial"/>
+            </a:endParaRPr>
+          </a:p>
+        </p:txBody>
+      </p:sp>
       <p:pic>
         <p:nvPicPr>
-          <p:cNvPr id="108" name="Google Shape;108;p6"/>
+          <p:cNvPr id="110" name="Google Shape;110;p36"/>
+          <p:cNvPicPr preferRelativeResize="0"/>
+          <p:nvPr/>
+        </p:nvPicPr>
+        <p:blipFill rotWithShape="1">
+          <a:blip r:embed="rId3">
+            <a:alphaModFix/>
+          </a:blip>
+          <a:srcRect b="0" l="0" r="0" t="0"/>
+          <a:stretch/>
+        </p:blipFill>
+        <p:spPr>
+          <a:xfrm>
+            <a:off x="3214800" y="415500"/>
+            <a:ext cx="5747075" cy="4728000"/>
+          </a:xfrm>
+          <a:prstGeom prst="rect">
+            <a:avLst/>
+          </a:prstGeom>
+          <a:noFill/>
+          <a:ln>
+            <a:noFill/>
+          </a:ln>
+        </p:spPr>
+      </p:pic>
+    </p:spTree>
+  </p:cSld>
+  <p:clrMapOvr>
+    <a:masterClrMapping/>
+  </p:clrMapOvr>
+</p:sld>
+</file>
+
+<file path=ppt/slides/slide12.xml><?xml version="1.0" encoding="utf-8"?>
+<p:sld xmlns:a="http://schemas.openxmlformats.org/drawingml/2006/main" xmlns:r="http://schemas.openxmlformats.org/officeDocument/2006/relationships" xmlns:mc="http://schemas.openxmlformats.org/markup-compatibility/2006" xmlns:mv="urn:schemas-microsoft-com:mac:vml" xmlns:p="http://schemas.openxmlformats.org/presentationml/2006/main" xmlns:c="http://schemas.openxmlformats.org/drawingml/2006/chart" xmlns:dgm="http://schemas.openxmlformats.org/drawingml/2006/diagram" xmlns:o="urn:schemas-microsoft-com:office:office" xmlns:v="urn:schemas-microsoft-com:vml" xmlns:pvml="urn:schemas-microsoft-com:office:powerpoint" xmlns:com="http://schemas.openxmlformats.org/drawingml/2006/compatibility" xmlns:p14="http://schemas.microsoft.com/office/powerpoint/2010/main" xmlns:p15="http://schemas.microsoft.com/office/powerpoint/2012/main" xmlns:ahyp="http://schemas.microsoft.com/office/drawing/2018/hyperlinkcolor">
+  <p:cSld>
+    <p:spTree>
+      <p:nvGrpSpPr>
+        <p:cNvPr id="114" name="Shape 114"/>
+        <p:cNvGrpSpPr/>
+        <p:nvPr/>
+      </p:nvGrpSpPr>
+      <p:grpSpPr>
+        <a:xfrm>
+          <a:off x="0" y="0"/>
+          <a:ext cx="0" cy="0"/>
+          <a:chOff x="0" y="0"/>
+          <a:chExt cx="0" cy="0"/>
+        </a:xfrm>
+      </p:grpSpPr>
+      <p:sp>
+        <p:nvSpPr>
+          <p:cNvPr id="115" name="Google Shape;115;p37"/>
+          <p:cNvSpPr txBox="1"/>
+          <p:nvPr/>
+        </p:nvSpPr>
+        <p:spPr>
+          <a:xfrm>
+            <a:off x="95694" y="0"/>
+            <a:ext cx="8420985" cy="415498"/>
+          </a:xfrm>
+          <a:prstGeom prst="rect">
+            <a:avLst/>
+          </a:prstGeom>
+          <a:noFill/>
+          <a:ln>
+            <a:noFill/>
+          </a:ln>
+        </p:spPr>
+        <p:txBody>
+          <a:bodyPr anchorCtr="0" anchor="t" bIns="45700" lIns="91425" spcFirstLastPara="1" rIns="91425" wrap="square" tIns="45700">
+            <a:spAutoFit/>
+          </a:bodyPr>
+          <a:lstStyle/>
+          <a:p>
+            <a:pPr indent="0" lvl="0" marL="0" marR="0" rtl="0" algn="ctr">
+              <a:lnSpc>
+                <a:spcPct val="100000"/>
+              </a:lnSpc>
+              <a:spcBef>
+                <a:spcPts val="0"/>
+              </a:spcBef>
+              <a:spcAft>
+                <a:spcPts val="0"/>
+              </a:spcAft>
+              <a:buClr>
+                <a:srgbClr val="000000"/>
+              </a:buClr>
+              <a:buSzPts val="2100"/>
+              <a:buFont typeface="Arial"/>
+              <a:buNone/>
+            </a:pPr>
+            <a:r>
+              <a:rPr b="1" i="0" lang="en-GB" sz="2100" u="none" cap="none" strike="noStrike">
+                <a:solidFill>
+                  <a:schemeClr val="dk1"/>
+                </a:solidFill>
+                <a:latin typeface="Arial"/>
+                <a:ea typeface="Arial"/>
+                <a:cs typeface="Arial"/>
+                <a:sym typeface="Arial"/>
+              </a:rPr>
+              <a:t>No of list made by host across Neighborhood</a:t>
+            </a:r>
+            <a:endParaRPr b="0" i="0" sz="1400" u="none" cap="none" strike="noStrike">
+              <a:solidFill>
+                <a:srgbClr val="000000"/>
+              </a:solidFill>
+              <a:latin typeface="Arial"/>
+              <a:ea typeface="Arial"/>
+              <a:cs typeface="Arial"/>
+              <a:sym typeface="Arial"/>
+            </a:endParaRPr>
+          </a:p>
+        </p:txBody>
+      </p:sp>
+      <p:sp>
+        <p:nvSpPr>
+          <p:cNvPr id="116" name="Google Shape;116;p37"/>
+          <p:cNvSpPr txBox="1"/>
+          <p:nvPr/>
+        </p:nvSpPr>
+        <p:spPr>
+          <a:xfrm>
+            <a:off x="233916" y="4689025"/>
+            <a:ext cx="8910084" cy="307777"/>
+          </a:xfrm>
+          <a:prstGeom prst="rect">
+            <a:avLst/>
+          </a:prstGeom>
+          <a:noFill/>
+          <a:ln>
+            <a:noFill/>
+          </a:ln>
+        </p:spPr>
+        <p:txBody>
+          <a:bodyPr anchorCtr="0" anchor="t" bIns="45700" lIns="91425" spcFirstLastPara="1" rIns="91425" wrap="square" tIns="45700">
+            <a:spAutoFit/>
+          </a:bodyPr>
+          <a:lstStyle/>
+          <a:p>
+            <a:pPr indent="-317500" lvl="0" marL="457200" marR="0" rtl="0" algn="ctr">
+              <a:lnSpc>
+                <a:spcPct val="100000"/>
+              </a:lnSpc>
+              <a:spcBef>
+                <a:spcPts val="0"/>
+              </a:spcBef>
+              <a:spcAft>
+                <a:spcPts val="0"/>
+              </a:spcAft>
+              <a:buClr>
+                <a:srgbClr val="000000"/>
+              </a:buClr>
+              <a:buSzPts val="1400"/>
+              <a:buFont typeface="Arial"/>
+              <a:buChar char="●"/>
+            </a:pPr>
+            <a:r>
+              <a:rPr b="1" i="0" lang="en-GB" sz="1400" u="none" cap="none" strike="noStrike">
+                <a:solidFill>
+                  <a:srgbClr val="000000"/>
+                </a:solidFill>
+                <a:latin typeface="Arial"/>
+                <a:ea typeface="Arial"/>
+                <a:cs typeface="Arial"/>
+                <a:sym typeface="Arial"/>
+              </a:rPr>
+              <a:t>Most of peoples wants to live in Williamsburg and Bedford-Stuyvesant.</a:t>
+            </a:r>
+            <a:endParaRPr b="1" i="0" sz="1400" u="none" cap="none" strike="noStrike">
+              <a:solidFill>
+                <a:srgbClr val="000000"/>
+              </a:solidFill>
+              <a:latin typeface="Arial"/>
+              <a:ea typeface="Arial"/>
+              <a:cs typeface="Arial"/>
+              <a:sym typeface="Arial"/>
+            </a:endParaRPr>
+          </a:p>
+        </p:txBody>
+      </p:sp>
+      <p:pic>
+        <p:nvPicPr>
+          <p:cNvPr id="117" name="Google Shape;117;p37"/>
+          <p:cNvPicPr preferRelativeResize="0"/>
+          <p:nvPr/>
+        </p:nvPicPr>
+        <p:blipFill rotWithShape="1">
+          <a:blip r:embed="rId3">
+            <a:alphaModFix/>
+          </a:blip>
+          <a:srcRect b="0" l="0" r="0" t="0"/>
+          <a:stretch/>
+        </p:blipFill>
+        <p:spPr>
+          <a:xfrm>
+            <a:off x="95694" y="415498"/>
+            <a:ext cx="8729330" cy="4323874"/>
+          </a:xfrm>
+          <a:prstGeom prst="rect">
+            <a:avLst/>
+          </a:prstGeom>
+          <a:noFill/>
+          <a:ln>
+            <a:noFill/>
+          </a:ln>
+        </p:spPr>
+      </p:pic>
+    </p:spTree>
+  </p:cSld>
+  <p:clrMapOvr>
+    <a:masterClrMapping/>
+  </p:clrMapOvr>
+</p:sld>
+</file>
+
+<file path=ppt/slides/slide13.xml><?xml version="1.0" encoding="utf-8"?>
+<p:sld xmlns:a="http://schemas.openxmlformats.org/drawingml/2006/main" xmlns:r="http://schemas.openxmlformats.org/officeDocument/2006/relationships" xmlns:mc="http://schemas.openxmlformats.org/markup-compatibility/2006" xmlns:mv="urn:schemas-microsoft-com:mac:vml" xmlns:p="http://schemas.openxmlformats.org/presentationml/2006/main" xmlns:c="http://schemas.openxmlformats.org/drawingml/2006/chart" xmlns:dgm="http://schemas.openxmlformats.org/drawingml/2006/diagram" xmlns:o="urn:schemas-microsoft-com:office:office" xmlns:v="urn:schemas-microsoft-com:vml" xmlns:pvml="urn:schemas-microsoft-com:office:powerpoint" xmlns:com="http://schemas.openxmlformats.org/drawingml/2006/compatibility" xmlns:p14="http://schemas.microsoft.com/office/powerpoint/2010/main" xmlns:p15="http://schemas.microsoft.com/office/powerpoint/2012/main" xmlns:ahyp="http://schemas.microsoft.com/office/drawing/2018/hyperlinkcolor">
+  <p:cSld>
+    <p:spTree>
+      <p:nvGrpSpPr>
+        <p:cNvPr id="121" name="Shape 121"/>
+        <p:cNvGrpSpPr/>
+        <p:nvPr/>
+      </p:nvGrpSpPr>
+      <p:grpSpPr>
+        <a:xfrm>
+          <a:off x="0" y="0"/>
+          <a:ext cx="0" cy="0"/>
+          <a:chOff x="0" y="0"/>
+          <a:chExt cx="0" cy="0"/>
+        </a:xfrm>
+      </p:grpSpPr>
+      <p:pic>
+        <p:nvPicPr>
+          <p:cNvPr id="122" name="Google Shape;122;p6"/>
           <p:cNvPicPr preferRelativeResize="0"/>
           <p:nvPr/>
         </p:nvPicPr>
@@ -10340,7 +10870,7 @@
       </p:pic>
       <p:sp>
         <p:nvSpPr>
-          <p:cNvPr id="109" name="Google Shape;109;p6"/>
+          <p:cNvPr id="123" name="Google Shape;123;p6"/>
           <p:cNvSpPr txBox="1"/>
           <p:nvPr/>
         </p:nvSpPr>
@@ -10406,7 +10936,7 @@
       </p:sp>
       <p:sp>
         <p:nvSpPr>
-          <p:cNvPr id="110" name="Google Shape;110;p6"/>
+          <p:cNvPr id="124" name="Google Shape;124;p6"/>
           <p:cNvSpPr txBox="1"/>
           <p:nvPr/>
         </p:nvSpPr>
@@ -10439,6 +10969,11 @@
               <a:spcAft>
                 <a:spcPts val="0"/>
               </a:spcAft>
+              <a:buClr>
+                <a:srgbClr val="000000"/>
+              </a:buClr>
+              <a:buSzPts val="1800"/>
+              <a:buFont typeface="Arial"/>
               <a:buNone/>
             </a:pPr>
             <a:r>
@@ -10453,7 +10988,15 @@
               </a:rPr>
               <a:t>Location of Neighborhood Groups</a:t>
             </a:r>
-            <a:endParaRPr sz="1600"/>
+            <a:endParaRPr b="0" i="0" sz="1600" u="none" cap="none" strike="noStrike">
+              <a:solidFill>
+                <a:srgbClr val="000000"/>
+              </a:solidFill>
+              <a:latin typeface="Arial"/>
+              <a:ea typeface="Arial"/>
+              <a:cs typeface="Arial"/>
+              <a:sym typeface="Arial"/>
+            </a:endParaRPr>
           </a:p>
           <a:p>
             <a:pPr indent="0" lvl="0" marL="0" marR="0" rtl="0" algn="l">
@@ -10466,6 +11009,11 @@
               <a:spcAft>
                 <a:spcPts val="0"/>
               </a:spcAft>
+              <a:buClr>
+                <a:srgbClr val="000000"/>
+              </a:buClr>
+              <a:buSzPts val="1400"/>
+              <a:buFont typeface="Arial"/>
               <a:buNone/>
             </a:pPr>
             <a:r>
@@ -10485,7 +11033,7 @@
       </p:sp>
       <p:pic>
         <p:nvPicPr>
-          <p:cNvPr id="111" name="Google Shape;111;p6"/>
+          <p:cNvPr id="125" name="Google Shape;125;p6"/>
           <p:cNvPicPr preferRelativeResize="0"/>
           <p:nvPr/>
         </p:nvPicPr>
@@ -10500,623 +11048,6 @@
           <a:xfrm>
             <a:off x="107442" y="4073376"/>
             <a:ext cx="3571423" cy="946297"/>
-          </a:xfrm>
-          <a:prstGeom prst="rect">
-            <a:avLst/>
-          </a:prstGeom>
-          <a:noFill/>
-          <a:ln>
-            <a:noFill/>
-          </a:ln>
-        </p:spPr>
-      </p:pic>
-    </p:spTree>
-  </p:cSld>
-  <p:clrMapOvr>
-    <a:masterClrMapping/>
-  </p:clrMapOvr>
-</p:sld>
-</file>
-
-<file path=ppt/slides/slide12.xml><?xml version="1.0" encoding="utf-8"?>
-<p:sld xmlns:a="http://schemas.openxmlformats.org/drawingml/2006/main" xmlns:r="http://schemas.openxmlformats.org/officeDocument/2006/relationships" xmlns:mc="http://schemas.openxmlformats.org/markup-compatibility/2006" xmlns:mv="urn:schemas-microsoft-com:mac:vml" xmlns:p="http://schemas.openxmlformats.org/presentationml/2006/main" xmlns:c="http://schemas.openxmlformats.org/drawingml/2006/chart" xmlns:dgm="http://schemas.openxmlformats.org/drawingml/2006/diagram" xmlns:o="urn:schemas-microsoft-com:office:office" xmlns:v="urn:schemas-microsoft-com:vml" xmlns:pvml="urn:schemas-microsoft-com:office:powerpoint" xmlns:com="http://schemas.openxmlformats.org/drawingml/2006/compatibility" xmlns:p14="http://schemas.microsoft.com/office/powerpoint/2010/main" xmlns:p15="http://schemas.microsoft.com/office/powerpoint/2012/main" xmlns:ahyp="http://schemas.microsoft.com/office/drawing/2018/hyperlinkcolor">
-  <p:cSld>
-    <p:spTree>
-      <p:nvGrpSpPr>
-        <p:cNvPr id="115" name="Shape 115"/>
-        <p:cNvGrpSpPr/>
-        <p:nvPr/>
-      </p:nvGrpSpPr>
-      <p:grpSpPr>
-        <a:xfrm>
-          <a:off x="0" y="0"/>
-          <a:ext cx="0" cy="0"/>
-          <a:chOff x="0" y="0"/>
-          <a:chExt cx="0" cy="0"/>
-        </a:xfrm>
-      </p:grpSpPr>
-      <p:sp>
-        <p:nvSpPr>
-          <p:cNvPr id="116" name="Google Shape;116;p38"/>
-          <p:cNvSpPr txBox="1"/>
-          <p:nvPr/>
-        </p:nvSpPr>
-        <p:spPr>
-          <a:xfrm>
-            <a:off x="95700" y="0"/>
-            <a:ext cx="8503500" cy="738900"/>
-          </a:xfrm>
-          <a:prstGeom prst="rect">
-            <a:avLst/>
-          </a:prstGeom>
-          <a:noFill/>
-          <a:ln>
-            <a:noFill/>
-          </a:ln>
-        </p:spPr>
-        <p:txBody>
-          <a:bodyPr anchorCtr="0" anchor="t" bIns="45700" lIns="91425" spcFirstLastPara="1" rIns="91425" wrap="square" tIns="45700">
-            <a:spAutoFit/>
-          </a:bodyPr>
-          <a:lstStyle/>
-          <a:p>
-            <a:pPr indent="0" lvl="0" marL="0" marR="0" rtl="0" algn="ctr">
-              <a:lnSpc>
-                <a:spcPct val="100000"/>
-              </a:lnSpc>
-              <a:spcBef>
-                <a:spcPts val="0"/>
-              </a:spcBef>
-              <a:spcAft>
-                <a:spcPts val="0"/>
-              </a:spcAft>
-              <a:buNone/>
-            </a:pPr>
-            <a:r>
-              <a:rPr b="1" i="0" lang="en-GB" sz="2100" u="none" cap="none" strike="noStrike">
-                <a:solidFill>
-                  <a:schemeClr val="dk1"/>
-                </a:solidFill>
-                <a:latin typeface="Arial"/>
-                <a:ea typeface="Arial"/>
-                <a:cs typeface="Arial"/>
-                <a:sym typeface="Arial"/>
-              </a:rPr>
-              <a:t>Price distribution across neighbourhood_group </a:t>
-            </a:r>
-            <a:endParaRPr b="1" i="0" sz="2100" u="none" cap="none" strike="noStrike">
-              <a:solidFill>
-                <a:schemeClr val="dk1"/>
-              </a:solidFill>
-              <a:latin typeface="Arial"/>
-              <a:ea typeface="Arial"/>
-              <a:cs typeface="Arial"/>
-              <a:sym typeface="Arial"/>
-            </a:endParaRPr>
-          </a:p>
-          <a:p>
-            <a:pPr indent="0" lvl="0" marL="0" marR="0" rtl="0" algn="ctr">
-              <a:lnSpc>
-                <a:spcPct val="100000"/>
-              </a:lnSpc>
-              <a:spcBef>
-                <a:spcPts val="0"/>
-              </a:spcBef>
-              <a:spcAft>
-                <a:spcPts val="0"/>
-              </a:spcAft>
-              <a:buNone/>
-            </a:pPr>
-            <a:r>
-              <a:rPr b="1" i="0" lang="en-GB" sz="2100" u="none" cap="none" strike="noStrike">
-                <a:solidFill>
-                  <a:schemeClr val="accent2"/>
-                </a:solidFill>
-                <a:latin typeface="Arial"/>
-                <a:ea typeface="Arial"/>
-                <a:cs typeface="Arial"/>
-                <a:sym typeface="Arial"/>
-              </a:rPr>
-              <a:t>( </a:t>
-            </a:r>
-            <a:r>
-              <a:rPr b="1" i="0" lang="en-GB" sz="1800" u="none" cap="none" strike="noStrike">
-                <a:solidFill>
-                  <a:schemeClr val="accent2"/>
-                </a:solidFill>
-                <a:latin typeface="Arial"/>
-                <a:ea typeface="Arial"/>
-                <a:cs typeface="Arial"/>
-                <a:sym typeface="Arial"/>
-              </a:rPr>
-              <a:t>which room type are most expensive and where it is located </a:t>
-            </a:r>
-            <a:r>
-              <a:rPr b="1" i="0" lang="en-GB" sz="2100" u="none" cap="none" strike="noStrike">
-                <a:solidFill>
-                  <a:schemeClr val="accent2"/>
-                </a:solidFill>
-                <a:latin typeface="Arial"/>
-                <a:ea typeface="Arial"/>
-                <a:cs typeface="Arial"/>
-                <a:sym typeface="Arial"/>
-              </a:rPr>
-              <a:t>)</a:t>
-            </a:r>
-            <a:endParaRPr/>
-          </a:p>
-        </p:txBody>
-      </p:sp>
-      <p:pic>
-        <p:nvPicPr>
-          <p:cNvPr id="117" name="Google Shape;117;p38"/>
-          <p:cNvPicPr preferRelativeResize="0"/>
-          <p:nvPr/>
-        </p:nvPicPr>
-        <p:blipFill rotWithShape="1">
-          <a:blip r:embed="rId3">
-            <a:alphaModFix/>
-          </a:blip>
-          <a:srcRect b="0" l="0" r="0" t="0"/>
-          <a:stretch/>
-        </p:blipFill>
-        <p:spPr>
-          <a:xfrm>
-            <a:off x="3905556" y="871870"/>
-            <a:ext cx="4957049" cy="4105240"/>
-          </a:xfrm>
-          <a:prstGeom prst="rect">
-            <a:avLst/>
-          </a:prstGeom>
-          <a:noFill/>
-          <a:ln>
-            <a:noFill/>
-          </a:ln>
-        </p:spPr>
-      </p:pic>
-      <p:sp>
-        <p:nvSpPr>
-          <p:cNvPr id="118" name="Google Shape;118;p38"/>
-          <p:cNvSpPr txBox="1"/>
-          <p:nvPr/>
-        </p:nvSpPr>
-        <p:spPr>
-          <a:xfrm>
-            <a:off x="95694" y="939331"/>
-            <a:ext cx="3253500" cy="3970200"/>
-          </a:xfrm>
-          <a:prstGeom prst="rect">
-            <a:avLst/>
-          </a:prstGeom>
-          <a:noFill/>
-          <a:ln>
-            <a:noFill/>
-          </a:ln>
-        </p:spPr>
-        <p:txBody>
-          <a:bodyPr anchorCtr="0" anchor="t" bIns="45700" lIns="91425" spcFirstLastPara="1" rIns="91425" wrap="square" tIns="45700">
-            <a:spAutoFit/>
-          </a:bodyPr>
-          <a:lstStyle/>
-          <a:p>
-            <a:pPr indent="-285750" lvl="0" marL="285750" marR="0" rtl="0" algn="l">
-              <a:lnSpc>
-                <a:spcPct val="100000"/>
-              </a:lnSpc>
-              <a:spcBef>
-                <a:spcPts val="0"/>
-              </a:spcBef>
-              <a:spcAft>
-                <a:spcPts val="0"/>
-              </a:spcAft>
-              <a:buClr>
-                <a:srgbClr val="000000"/>
-              </a:buClr>
-              <a:buSzPts val="1800"/>
-              <a:buFont typeface="Noto Sans Symbols"/>
-              <a:buChar char="⮚"/>
-            </a:pPr>
-            <a:r>
-              <a:rPr b="0" i="0" lang="en-GB" sz="1800" u="none" cap="none" strike="noStrike">
-                <a:solidFill>
-                  <a:srgbClr val="000000"/>
-                </a:solidFill>
-                <a:latin typeface="Arial"/>
-                <a:ea typeface="Arial"/>
-                <a:cs typeface="Arial"/>
-                <a:sym typeface="Arial"/>
-              </a:rPr>
-              <a:t>Manhattan has the highest price for room types with Entire home/apt ranging to nearly 222$/night, followed by Private room with 109$/night . And it’s obvious being the most expensive place to live in!</a:t>
-            </a:r>
-            <a:endParaRPr/>
-          </a:p>
-          <a:p>
-            <a:pPr indent="-171450" lvl="0" marL="285750" marR="0" rtl="0" algn="l">
-              <a:lnSpc>
-                <a:spcPct val="100000"/>
-              </a:lnSpc>
-              <a:spcBef>
-                <a:spcPts val="0"/>
-              </a:spcBef>
-              <a:spcAft>
-                <a:spcPts val="0"/>
-              </a:spcAft>
-              <a:buClr>
-                <a:srgbClr val="000000"/>
-              </a:buClr>
-              <a:buSzPts val="1800"/>
-              <a:buFont typeface="Noto Sans Symbols"/>
-              <a:buNone/>
-            </a:pPr>
-            <a:r>
-              <a:t/>
-            </a:r>
-            <a:endParaRPr b="0" i="0" sz="1800" u="none" cap="none" strike="noStrike">
-              <a:solidFill>
-                <a:srgbClr val="000000"/>
-              </a:solidFill>
-              <a:latin typeface="Arial"/>
-              <a:ea typeface="Arial"/>
-              <a:cs typeface="Arial"/>
-              <a:sym typeface="Arial"/>
-            </a:endParaRPr>
-          </a:p>
-          <a:p>
-            <a:pPr indent="-285750" lvl="0" marL="285750" marR="0" rtl="0" algn="l">
-              <a:lnSpc>
-                <a:spcPct val="100000"/>
-              </a:lnSpc>
-              <a:spcBef>
-                <a:spcPts val="0"/>
-              </a:spcBef>
-              <a:spcAft>
-                <a:spcPts val="0"/>
-              </a:spcAft>
-              <a:buClr>
-                <a:srgbClr val="000000"/>
-              </a:buClr>
-              <a:buSzPts val="1800"/>
-              <a:buFont typeface="Noto Sans Symbols"/>
-              <a:buChar char="⮚"/>
-            </a:pPr>
-            <a:r>
-              <a:rPr b="0" i="0" lang="en-GB" sz="1800" u="none" cap="none" strike="noStrike">
-                <a:solidFill>
-                  <a:srgbClr val="000000"/>
-                </a:solidFill>
-                <a:latin typeface="Arial"/>
-                <a:ea typeface="Arial"/>
-                <a:cs typeface="Arial"/>
-                <a:sym typeface="Arial"/>
-              </a:rPr>
-              <a:t>In Manhattan you opt for entire home 40% more amount then opt entire home in Brooklyn.</a:t>
-            </a:r>
-            <a:endParaRPr/>
-          </a:p>
-          <a:p>
-            <a:pPr indent="-171450" lvl="0" marL="285750" marR="0" rtl="0" algn="l">
-              <a:lnSpc>
-                <a:spcPct val="100000"/>
-              </a:lnSpc>
-              <a:spcBef>
-                <a:spcPts val="0"/>
-              </a:spcBef>
-              <a:spcAft>
-                <a:spcPts val="0"/>
-              </a:spcAft>
-              <a:buClr>
-                <a:srgbClr val="000000"/>
-              </a:buClr>
-              <a:buSzPts val="1800"/>
-              <a:buFont typeface="Noto Sans Symbols"/>
-              <a:buNone/>
-            </a:pPr>
-            <a:r>
-              <a:t/>
-            </a:r>
-            <a:endParaRPr b="0" i="0" sz="1800" u="none" cap="none" strike="noStrike">
-              <a:solidFill>
-                <a:srgbClr val="000000"/>
-              </a:solidFill>
-              <a:latin typeface="Arial"/>
-              <a:ea typeface="Arial"/>
-              <a:cs typeface="Arial"/>
-              <a:sym typeface="Arial"/>
-            </a:endParaRPr>
-          </a:p>
-        </p:txBody>
-      </p:sp>
-    </p:spTree>
-  </p:cSld>
-  <p:clrMapOvr>
-    <a:masterClrMapping/>
-  </p:clrMapOvr>
-</p:sld>
-</file>
-
-<file path=ppt/slides/slide13.xml><?xml version="1.0" encoding="utf-8"?>
-<p:sld xmlns:a="http://schemas.openxmlformats.org/drawingml/2006/main" xmlns:r="http://schemas.openxmlformats.org/officeDocument/2006/relationships" xmlns:mc="http://schemas.openxmlformats.org/markup-compatibility/2006" xmlns:mv="urn:schemas-microsoft-com:mac:vml" xmlns:p="http://schemas.openxmlformats.org/presentationml/2006/main" xmlns:c="http://schemas.openxmlformats.org/drawingml/2006/chart" xmlns:dgm="http://schemas.openxmlformats.org/drawingml/2006/diagram" xmlns:o="urn:schemas-microsoft-com:office:office" xmlns:v="urn:schemas-microsoft-com:vml" xmlns:pvml="urn:schemas-microsoft-com:office:powerpoint" xmlns:com="http://schemas.openxmlformats.org/drawingml/2006/compatibility" xmlns:p14="http://schemas.microsoft.com/office/powerpoint/2010/main" xmlns:p15="http://schemas.microsoft.com/office/powerpoint/2012/main" xmlns:ahyp="http://schemas.microsoft.com/office/drawing/2018/hyperlinkcolor">
-  <p:cSld>
-    <p:spTree>
-      <p:nvGrpSpPr>
-        <p:cNvPr id="122" name="Shape 122"/>
-        <p:cNvGrpSpPr/>
-        <p:nvPr/>
-      </p:nvGrpSpPr>
-      <p:grpSpPr>
-        <a:xfrm>
-          <a:off x="0" y="0"/>
-          <a:ext cx="0" cy="0"/>
-          <a:chOff x="0" y="0"/>
-          <a:chExt cx="0" cy="0"/>
-        </a:xfrm>
-      </p:grpSpPr>
-      <p:sp>
-        <p:nvSpPr>
-          <p:cNvPr id="123" name="Google Shape;123;p39"/>
-          <p:cNvSpPr txBox="1"/>
-          <p:nvPr/>
-        </p:nvSpPr>
-        <p:spPr>
-          <a:xfrm>
-            <a:off x="95700" y="0"/>
-            <a:ext cx="8493600" cy="738900"/>
-          </a:xfrm>
-          <a:prstGeom prst="rect">
-            <a:avLst/>
-          </a:prstGeom>
-          <a:noFill/>
-          <a:ln>
-            <a:noFill/>
-          </a:ln>
-        </p:spPr>
-        <p:txBody>
-          <a:bodyPr anchorCtr="0" anchor="t" bIns="45700" lIns="91425" spcFirstLastPara="1" rIns="91425" wrap="square" tIns="45700">
-            <a:spAutoFit/>
-          </a:bodyPr>
-          <a:lstStyle/>
-          <a:p>
-            <a:pPr indent="0" lvl="0" marL="0" marR="0" rtl="0" algn="ctr">
-              <a:lnSpc>
-                <a:spcPct val="100000"/>
-              </a:lnSpc>
-              <a:spcBef>
-                <a:spcPts val="0"/>
-              </a:spcBef>
-              <a:spcAft>
-                <a:spcPts val="0"/>
-              </a:spcAft>
-              <a:buNone/>
-            </a:pPr>
-            <a:r>
-              <a:rPr b="1" i="0" lang="en-GB" sz="2100" u="none" cap="none" strike="noStrike">
-                <a:solidFill>
-                  <a:schemeClr val="dk1"/>
-                </a:solidFill>
-                <a:latin typeface="Arial"/>
-                <a:ea typeface="Arial"/>
-                <a:cs typeface="Arial"/>
-                <a:sym typeface="Arial"/>
-              </a:rPr>
-              <a:t>Price distribution across neighborhood </a:t>
-            </a:r>
-            <a:endParaRPr b="1" i="0" sz="2100" u="none" cap="none" strike="noStrike">
-              <a:solidFill>
-                <a:schemeClr val="dk1"/>
-              </a:solidFill>
-              <a:latin typeface="Arial"/>
-              <a:ea typeface="Arial"/>
-              <a:cs typeface="Arial"/>
-              <a:sym typeface="Arial"/>
-            </a:endParaRPr>
-          </a:p>
-          <a:p>
-            <a:pPr indent="0" lvl="0" marL="0" marR="0" rtl="0" algn="ctr">
-              <a:lnSpc>
-                <a:spcPct val="100000"/>
-              </a:lnSpc>
-              <a:spcBef>
-                <a:spcPts val="0"/>
-              </a:spcBef>
-              <a:spcAft>
-                <a:spcPts val="0"/>
-              </a:spcAft>
-              <a:buNone/>
-            </a:pPr>
-            <a:r>
-              <a:rPr b="1" i="0" lang="en-GB" sz="2100" u="none" cap="none" strike="noStrike">
-                <a:solidFill>
-                  <a:schemeClr val="accent2"/>
-                </a:solidFill>
-                <a:latin typeface="Arial"/>
-                <a:ea typeface="Arial"/>
-                <a:cs typeface="Arial"/>
-                <a:sym typeface="Arial"/>
-              </a:rPr>
-              <a:t>( </a:t>
-            </a:r>
-            <a:r>
-              <a:rPr b="1" i="0" lang="en-GB" sz="1800" u="none" cap="none" strike="noStrike">
-                <a:solidFill>
-                  <a:schemeClr val="accent2"/>
-                </a:solidFill>
-                <a:latin typeface="Arial"/>
-                <a:ea typeface="Arial"/>
-                <a:cs typeface="Arial"/>
-                <a:sym typeface="Arial"/>
-              </a:rPr>
-              <a:t>which room type are most expensive and where it is located </a:t>
-            </a:r>
-            <a:r>
-              <a:rPr b="1" i="0" lang="en-GB" sz="2100" u="none" cap="none" strike="noStrike">
-                <a:solidFill>
-                  <a:schemeClr val="accent2"/>
-                </a:solidFill>
-                <a:latin typeface="Arial"/>
-                <a:ea typeface="Arial"/>
-                <a:cs typeface="Arial"/>
-                <a:sym typeface="Arial"/>
-              </a:rPr>
-              <a:t>)</a:t>
-            </a:r>
-            <a:endParaRPr/>
-          </a:p>
-        </p:txBody>
-      </p:sp>
-      <p:sp>
-        <p:nvSpPr>
-          <p:cNvPr id="124" name="Google Shape;124;p39"/>
-          <p:cNvSpPr txBox="1"/>
-          <p:nvPr/>
-        </p:nvSpPr>
-        <p:spPr>
-          <a:xfrm>
-            <a:off x="95700" y="1441624"/>
-            <a:ext cx="3253500" cy="2586000"/>
-          </a:xfrm>
-          <a:prstGeom prst="rect">
-            <a:avLst/>
-          </a:prstGeom>
-          <a:noFill/>
-          <a:ln>
-            <a:noFill/>
-          </a:ln>
-        </p:spPr>
-        <p:txBody>
-          <a:bodyPr anchorCtr="0" anchor="t" bIns="45700" lIns="91425" spcFirstLastPara="1" rIns="91425" wrap="square" tIns="45700">
-            <a:spAutoFit/>
-          </a:bodyPr>
-          <a:lstStyle/>
-          <a:p>
-            <a:pPr indent="-285750" lvl="0" marL="285750" marR="0" rtl="0" algn="l">
-              <a:lnSpc>
-                <a:spcPct val="100000"/>
-              </a:lnSpc>
-              <a:spcBef>
-                <a:spcPts val="0"/>
-              </a:spcBef>
-              <a:spcAft>
-                <a:spcPts val="0"/>
-              </a:spcAft>
-              <a:buClr>
-                <a:srgbClr val="000000"/>
-              </a:buClr>
-              <a:buSzPts val="1800"/>
-              <a:buFont typeface="Noto Sans Symbols"/>
-              <a:buChar char="⮚"/>
-            </a:pPr>
-            <a:r>
-              <a:rPr b="0" i="0" lang="en-GB" sz="1800" u="none" cap="none" strike="noStrike">
-                <a:solidFill>
-                  <a:srgbClr val="000000"/>
-                </a:solidFill>
-                <a:latin typeface="Arial"/>
-                <a:ea typeface="Arial"/>
-                <a:cs typeface="Arial"/>
-                <a:sym typeface="Arial"/>
-              </a:rPr>
-              <a:t>Most expensive neighborhood is fort Wadsworth followed by Woodrow then </a:t>
-            </a:r>
-            <a:r>
-              <a:rPr lang="en-GB" sz="1800"/>
-              <a:t>Tribeca</a:t>
-            </a:r>
-            <a:r>
-              <a:rPr b="0" i="0" lang="en-GB" sz="1800" u="none" cap="none" strike="noStrike">
-                <a:solidFill>
-                  <a:srgbClr val="000000"/>
-                </a:solidFill>
-                <a:latin typeface="Arial"/>
-                <a:ea typeface="Arial"/>
-                <a:cs typeface="Arial"/>
-                <a:sym typeface="Arial"/>
-              </a:rPr>
-              <a:t>.</a:t>
-            </a:r>
-            <a:endParaRPr/>
-          </a:p>
-          <a:p>
-            <a:pPr indent="-171450" lvl="0" marL="285750" marR="0" rtl="0" algn="l">
-              <a:lnSpc>
-                <a:spcPct val="100000"/>
-              </a:lnSpc>
-              <a:spcBef>
-                <a:spcPts val="0"/>
-              </a:spcBef>
-              <a:spcAft>
-                <a:spcPts val="0"/>
-              </a:spcAft>
-              <a:buClr>
-                <a:srgbClr val="000000"/>
-              </a:buClr>
-              <a:buSzPts val="1800"/>
-              <a:buFont typeface="Noto Sans Symbols"/>
-              <a:buNone/>
-            </a:pPr>
-            <a:r>
-              <a:t/>
-            </a:r>
-            <a:endParaRPr b="0" i="0" sz="1800" u="none" cap="none" strike="noStrike">
-              <a:solidFill>
-                <a:srgbClr val="000000"/>
-              </a:solidFill>
-              <a:latin typeface="Arial"/>
-              <a:ea typeface="Arial"/>
-              <a:cs typeface="Arial"/>
-              <a:sym typeface="Arial"/>
-            </a:endParaRPr>
-          </a:p>
-          <a:p>
-            <a:pPr indent="-285750" lvl="0" marL="285750" marR="0" rtl="0" algn="l">
-              <a:lnSpc>
-                <a:spcPct val="100000"/>
-              </a:lnSpc>
-              <a:spcBef>
-                <a:spcPts val="0"/>
-              </a:spcBef>
-              <a:spcAft>
-                <a:spcPts val="0"/>
-              </a:spcAft>
-              <a:buClr>
-                <a:srgbClr val="000000"/>
-              </a:buClr>
-              <a:buSzPts val="1800"/>
-              <a:buFont typeface="Noto Sans Symbols"/>
-              <a:buChar char="⮚"/>
-            </a:pPr>
-            <a:r>
-              <a:rPr b="0" i="0" lang="en-GB" sz="1800" u="none" cap="none" strike="noStrike">
-                <a:solidFill>
-                  <a:srgbClr val="000000"/>
-                </a:solidFill>
-                <a:latin typeface="Arial"/>
-                <a:ea typeface="Arial"/>
-                <a:cs typeface="Arial"/>
-                <a:sym typeface="Arial"/>
-              </a:rPr>
-              <a:t>Most cheapest neighborhood is hunts point followed by bull's head then Soundview.</a:t>
-            </a:r>
-            <a:endParaRPr/>
-          </a:p>
-        </p:txBody>
-      </p:sp>
-      <p:pic>
-        <p:nvPicPr>
-          <p:cNvPr id="125" name="Google Shape;125;p39"/>
-          <p:cNvPicPr preferRelativeResize="0"/>
-          <p:nvPr/>
-        </p:nvPicPr>
-        <p:blipFill rotWithShape="1">
-          <a:blip r:embed="rId3">
-            <a:alphaModFix/>
-          </a:blip>
-          <a:srcRect b="0" l="0" r="0" t="0"/>
-          <a:stretch/>
-        </p:blipFill>
-        <p:spPr>
-          <a:xfrm>
-            <a:off x="3090649" y="1065651"/>
-            <a:ext cx="5957657" cy="3607622"/>
           </a:xfrm>
           <a:prstGeom prst="rect">
             <a:avLst/>
@@ -11154,14 +11085,14 @@
       </p:grpSpPr>
       <p:sp>
         <p:nvSpPr>
-          <p:cNvPr id="130" name="Google Shape;130;p40"/>
+          <p:cNvPr id="130" name="Google Shape;130;p39"/>
           <p:cNvSpPr txBox="1"/>
           <p:nvPr/>
         </p:nvSpPr>
         <p:spPr>
           <a:xfrm>
-            <a:off x="95697" y="0"/>
-            <a:ext cx="3500700" cy="2308800"/>
+            <a:off x="95700" y="0"/>
+            <a:ext cx="8493600" cy="738900"/>
           </a:xfrm>
           <a:prstGeom prst="rect">
             <a:avLst/>
@@ -11187,6 +11118,11 @@
               <a:spcAft>
                 <a:spcPts val="0"/>
               </a:spcAft>
+              <a:buClr>
+                <a:srgbClr val="000000"/>
+              </a:buClr>
+              <a:buSzPts val="2100"/>
+              <a:buFont typeface="Arial"/>
               <a:buNone/>
             </a:pPr>
             <a:r>
@@ -11199,7 +11135,7 @@
                 <a:cs typeface="Arial"/>
                 <a:sym typeface="Arial"/>
               </a:rPr>
-              <a:t>Popular neighborhood by review</a:t>
+              <a:t>Price distribution across neighborhood </a:t>
             </a:r>
             <a:endParaRPr b="1" i="0" sz="2100" u="none" cap="none" strike="noStrike">
               <a:solidFill>
@@ -11222,6 +11158,11 @@
               <a:spcAft>
                 <a:spcPts val="0"/>
               </a:spcAft>
+              <a:buClr>
+                <a:srgbClr val="000000"/>
+              </a:buClr>
+              <a:buSzPts val="2100"/>
+              <a:buFont typeface="Arial"/>
               <a:buNone/>
             </a:pPr>
             <a:r>
@@ -11246,62 +11187,21 @@
                 <a:cs typeface="Arial"/>
                 <a:sym typeface="Arial"/>
               </a:rPr>
-              <a:t>which room type are most  and where it is located </a:t>
-            </a:r>
-            <a:r>
-              <a:rPr b="1" lang="en-GB" sz="2100">
+              <a:t>which room type are most expensive and where it is located </a:t>
+            </a:r>
+            <a:r>
+              <a:rPr b="1" i="0" lang="en-GB" sz="2100" u="none" cap="none" strike="noStrike">
                 <a:solidFill>
                   <a:schemeClr val="accent2"/>
                 </a:solidFill>
+                <a:latin typeface="Arial"/>
+                <a:ea typeface="Arial"/>
+                <a:cs typeface="Arial"/>
+                <a:sym typeface="Arial"/>
               </a:rPr>
               <a:t>)</a:t>
             </a:r>
-            <a:endParaRPr/>
-          </a:p>
-          <a:p>
-            <a:pPr indent="0" lvl="0" marL="0" marR="0" rtl="0" algn="l">
-              <a:lnSpc>
-                <a:spcPct val="100000"/>
-              </a:lnSpc>
-              <a:spcBef>
-                <a:spcPts val="0"/>
-              </a:spcBef>
-              <a:spcAft>
-                <a:spcPts val="0"/>
-              </a:spcAft>
-              <a:buNone/>
-            </a:pPr>
-            <a:r>
-              <a:rPr b="1" i="0" lang="en-GB" sz="2000" u="none" cap="none" strike="noStrike">
-                <a:solidFill>
-                  <a:srgbClr val="000000"/>
-                </a:solidFill>
-                <a:latin typeface="Arial"/>
-                <a:ea typeface="Arial"/>
-                <a:cs typeface="Arial"/>
-                <a:sym typeface="Arial"/>
-              </a:rPr>
-              <a:t> </a:t>
-            </a:r>
-            <a:endParaRPr/>
-          </a:p>
-          <a:p>
-            <a:pPr indent="0" lvl="0" marL="0" marR="0" rtl="0" algn="l">
-              <a:lnSpc>
-                <a:spcPct val="100000"/>
-              </a:lnSpc>
-              <a:spcBef>
-                <a:spcPts val="0"/>
-              </a:spcBef>
-              <a:spcAft>
-                <a:spcPts val="0"/>
-              </a:spcAft>
-              <a:buNone/>
-            </a:pPr>
-            <a:r>
-              <a:t/>
-            </a:r>
-            <a:endParaRPr b="1" i="0" sz="2000" u="none" cap="none" strike="noStrike">
+            <a:endParaRPr b="0" i="0" sz="1400" u="none" cap="none" strike="noStrike">
               <a:solidFill>
                 <a:srgbClr val="000000"/>
               </a:solidFill>
@@ -11311,45 +11211,18 @@
               <a:sym typeface="Arial"/>
             </a:endParaRPr>
           </a:p>
-          <a:p>
-            <a:pPr indent="0" lvl="0" marL="0" marR="0" rtl="0" algn="l">
-              <a:lnSpc>
-                <a:spcPct val="100000"/>
-              </a:lnSpc>
-              <a:spcBef>
-                <a:spcPts val="0"/>
-              </a:spcBef>
-              <a:spcAft>
-                <a:spcPts val="0"/>
-              </a:spcAft>
-              <a:buNone/>
-            </a:pPr>
-            <a:r>
-              <a:rPr b="0" i="0" lang="en-GB" sz="2000" u="none" cap="none" strike="noStrike">
-                <a:solidFill>
-                  <a:srgbClr val="000000"/>
-                </a:solidFill>
-                <a:latin typeface="Arial"/>
-                <a:ea typeface="Arial"/>
-                <a:cs typeface="Arial"/>
-                <a:sym typeface="Arial"/>
-              </a:rPr>
-              <a:t> </a:t>
-            </a:r>
-            <a:endParaRPr/>
-          </a:p>
         </p:txBody>
       </p:sp>
       <p:sp>
         <p:nvSpPr>
-          <p:cNvPr id="131" name="Google Shape;131;p40"/>
+          <p:cNvPr id="131" name="Google Shape;131;p39"/>
           <p:cNvSpPr txBox="1"/>
           <p:nvPr/>
         </p:nvSpPr>
         <p:spPr>
           <a:xfrm>
-            <a:off x="95700" y="1625849"/>
-            <a:ext cx="3253500" cy="1754700"/>
+            <a:off x="95700" y="1441624"/>
+            <a:ext cx="3253500" cy="2586000"/>
           </a:xfrm>
           <a:prstGeom prst="rect">
             <a:avLst/>
@@ -11379,7 +11252,7 @@
                 <a:srgbClr val="000000"/>
               </a:buClr>
               <a:buSzPts val="1800"/>
-              <a:buFont typeface="Noto Sans Symbols"/>
+              <a:buFont typeface="Noto Sans"/>
               <a:buChar char="⮚"/>
             </a:pPr>
             <a:r>
@@ -11392,15 +11265,94 @@
                 <a:cs typeface="Arial"/>
                 <a:sym typeface="Arial"/>
               </a:rPr>
-              <a:t>The most review neighborhood is silver lake with average reviews of 118 per month, followed by East Elmhurst with average review of 83</a:t>
-            </a:r>
-            <a:endParaRPr/>
+              <a:t>Most expensive neighborhood is fort Wadsworth followed by Woodrow then Tribeca.</a:t>
+            </a:r>
+            <a:endParaRPr b="0" i="0" sz="1400" u="none" cap="none" strike="noStrike">
+              <a:solidFill>
+                <a:srgbClr val="000000"/>
+              </a:solidFill>
+              <a:latin typeface="Arial"/>
+              <a:ea typeface="Arial"/>
+              <a:cs typeface="Arial"/>
+              <a:sym typeface="Arial"/>
+            </a:endParaRPr>
+          </a:p>
+          <a:p>
+            <a:pPr indent="-171450" lvl="0" marL="285750" marR="0" rtl="0" algn="l">
+              <a:lnSpc>
+                <a:spcPct val="100000"/>
+              </a:lnSpc>
+              <a:spcBef>
+                <a:spcPts val="0"/>
+              </a:spcBef>
+              <a:spcAft>
+                <a:spcPts val="0"/>
+              </a:spcAft>
+              <a:buClr>
+                <a:srgbClr val="000000"/>
+              </a:buClr>
+              <a:buSzPts val="1800"/>
+              <a:buFont typeface="Noto Sans"/>
+              <a:buNone/>
+            </a:pPr>
+            <a:r>
+              <a:t/>
+            </a:r>
+            <a:endParaRPr b="0" i="0" sz="1800" u="none" cap="none" strike="noStrike">
+              <a:solidFill>
+                <a:srgbClr val="000000"/>
+              </a:solidFill>
+              <a:latin typeface="Arial"/>
+              <a:ea typeface="Arial"/>
+              <a:cs typeface="Arial"/>
+              <a:sym typeface="Arial"/>
+            </a:endParaRPr>
+          </a:p>
+          <a:p>
+            <a:pPr indent="-285750" lvl="0" marL="285750" marR="0" rtl="0" algn="l">
+              <a:lnSpc>
+                <a:spcPct val="100000"/>
+              </a:lnSpc>
+              <a:spcBef>
+                <a:spcPts val="0"/>
+              </a:spcBef>
+              <a:spcAft>
+                <a:spcPts val="0"/>
+              </a:spcAft>
+              <a:buClr>
+                <a:srgbClr val="000000"/>
+              </a:buClr>
+              <a:buSzPts val="1800"/>
+              <a:buFont typeface="Noto Sans"/>
+              <a:buChar char="⮚"/>
+            </a:pPr>
+            <a:r>
+              <a:rPr b="0" i="0" lang="en-GB" sz="1800" u="none" cap="none" strike="noStrike">
+                <a:solidFill>
+                  <a:srgbClr val="000000"/>
+                </a:solidFill>
+                <a:latin typeface="Arial"/>
+                <a:ea typeface="Arial"/>
+                <a:cs typeface="Arial"/>
+                <a:sym typeface="Arial"/>
+              </a:rPr>
+              <a:t>Most cheapest neighborhood is hunts point followed by bull's head then Soundview.</a:t>
+            </a:r>
+            <a:endParaRPr b="0" i="0" sz="1400" u="none" cap="none" strike="noStrike">
+              <a:solidFill>
+                <a:srgbClr val="000000"/>
+              </a:solidFill>
+              <a:latin typeface="Arial"/>
+              <a:ea typeface="Arial"/>
+              <a:cs typeface="Arial"/>
+              <a:sym typeface="Arial"/>
+            </a:endParaRPr>
           </a:p>
         </p:txBody>
       </p:sp>
       <p:pic>
         <p:nvPicPr>
-          <p:cNvPr id="132" name="Google Shape;132;p40"/>
+          <p:cNvPr id="132" name="Google Shape;132;p39"/>
           <p:cNvPicPr preferRelativeResize="0"/>
           <p:nvPr/>
         </p:nvPicPr>
@@ -11413,8 +11365,8 @@
         </p:blipFill>
         <p:spPr>
           <a:xfrm>
-            <a:off x="4008000" y="391800"/>
-            <a:ext cx="5030350" cy="4751700"/>
+            <a:off x="3090649" y="1065651"/>
+            <a:ext cx="5957657" cy="3607622"/>
           </a:xfrm>
           <a:prstGeom prst="rect">
             <a:avLst/>
@@ -11452,14 +11404,14 @@
       </p:grpSpPr>
       <p:sp>
         <p:nvSpPr>
-          <p:cNvPr id="137" name="Google Shape;137;p41"/>
+          <p:cNvPr id="137" name="Google Shape;137;p40"/>
           <p:cNvSpPr txBox="1"/>
           <p:nvPr/>
         </p:nvSpPr>
         <p:spPr>
           <a:xfrm>
-            <a:off x="95694" y="0"/>
-            <a:ext cx="8070000" cy="738900"/>
+            <a:off x="95697" y="0"/>
+            <a:ext cx="3500700" cy="2308800"/>
           </a:xfrm>
           <a:prstGeom prst="rect">
             <a:avLst/>
@@ -11485,6 +11437,11 @@
               <a:spcAft>
                 <a:spcPts val="0"/>
               </a:spcAft>
+              <a:buClr>
+                <a:srgbClr val="000000"/>
+              </a:buClr>
+              <a:buSzPts val="2100"/>
+              <a:buFont typeface="Arial"/>
               <a:buNone/>
             </a:pPr>
             <a:r>
@@ -11497,7 +11454,7 @@
                 <a:cs typeface="Arial"/>
                 <a:sym typeface="Arial"/>
               </a:rPr>
-              <a:t>Preferred room types </a:t>
+              <a:t>Popular neighborhood by review</a:t>
             </a:r>
             <a:endParaRPr b="1" i="0" sz="2100" u="none" cap="none" strike="noStrike">
               <a:solidFill>
@@ -11520,6 +11477,11 @@
               <a:spcAft>
                 <a:spcPts val="0"/>
               </a:spcAft>
+              <a:buClr>
+                <a:srgbClr val="000000"/>
+              </a:buClr>
+              <a:buSzPts val="2100"/>
+              <a:buFont typeface="Arial"/>
               <a:buNone/>
             </a:pPr>
             <a:r>
@@ -11544,7 +11506,7 @@
                 <a:cs typeface="Arial"/>
                 <a:sym typeface="Arial"/>
               </a:rPr>
-              <a:t>which room type people are preferred to stay longer </a:t>
+              <a:t>which room type are most  and where it is located </a:t>
             </a:r>
             <a:r>
               <a:rPr b="1" i="0" lang="en-GB" sz="2100" u="none" cap="none" strike="noStrike">
@@ -11558,47 +11520,139 @@
               </a:rPr>
               <a:t>)</a:t>
             </a:r>
-            <a:endParaRPr/>
+            <a:endParaRPr b="0" i="0" sz="1400" u="none" cap="none" strike="noStrike">
+              <a:solidFill>
+                <a:srgbClr val="000000"/>
+              </a:solidFill>
+              <a:latin typeface="Arial"/>
+              <a:ea typeface="Arial"/>
+              <a:cs typeface="Arial"/>
+              <a:sym typeface="Arial"/>
+            </a:endParaRPr>
+          </a:p>
+          <a:p>
+            <a:pPr indent="0" lvl="0" marL="0" marR="0" rtl="0" algn="l">
+              <a:lnSpc>
+                <a:spcPct val="100000"/>
+              </a:lnSpc>
+              <a:spcBef>
+                <a:spcPts val="0"/>
+              </a:spcBef>
+              <a:spcAft>
+                <a:spcPts val="0"/>
+              </a:spcAft>
+              <a:buClr>
+                <a:srgbClr val="000000"/>
+              </a:buClr>
+              <a:buSzPts val="2000"/>
+              <a:buFont typeface="Arial"/>
+              <a:buNone/>
+            </a:pPr>
+            <a:r>
+              <a:rPr b="1" i="0" lang="en-GB" sz="2000" u="none" cap="none" strike="noStrike">
+                <a:solidFill>
+                  <a:srgbClr val="000000"/>
+                </a:solidFill>
+                <a:latin typeface="Arial"/>
+                <a:ea typeface="Arial"/>
+                <a:cs typeface="Arial"/>
+                <a:sym typeface="Arial"/>
+              </a:rPr>
+              <a:t> </a:t>
+            </a:r>
+            <a:endParaRPr b="0" i="0" sz="1400" u="none" cap="none" strike="noStrike">
+              <a:solidFill>
+                <a:srgbClr val="000000"/>
+              </a:solidFill>
+              <a:latin typeface="Arial"/>
+              <a:ea typeface="Arial"/>
+              <a:cs typeface="Arial"/>
+              <a:sym typeface="Arial"/>
+            </a:endParaRPr>
+          </a:p>
+          <a:p>
+            <a:pPr indent="0" lvl="0" marL="0" marR="0" rtl="0" algn="l">
+              <a:lnSpc>
+                <a:spcPct val="100000"/>
+              </a:lnSpc>
+              <a:spcBef>
+                <a:spcPts val="0"/>
+              </a:spcBef>
+              <a:spcAft>
+                <a:spcPts val="0"/>
+              </a:spcAft>
+              <a:buClr>
+                <a:srgbClr val="000000"/>
+              </a:buClr>
+              <a:buSzPts val="2000"/>
+              <a:buFont typeface="Arial"/>
+              <a:buNone/>
+            </a:pPr>
+            <a:r>
+              <a:t/>
+            </a:r>
+            <a:endParaRPr b="1" i="0" sz="2000" u="none" cap="none" strike="noStrike">
+              <a:solidFill>
+                <a:srgbClr val="000000"/>
+              </a:solidFill>
+              <a:latin typeface="Arial"/>
+              <a:ea typeface="Arial"/>
+              <a:cs typeface="Arial"/>
+              <a:sym typeface="Arial"/>
+            </a:endParaRPr>
+          </a:p>
+          <a:p>
+            <a:pPr indent="0" lvl="0" marL="0" marR="0" rtl="0" algn="l">
+              <a:lnSpc>
+                <a:spcPct val="100000"/>
+              </a:lnSpc>
+              <a:spcBef>
+                <a:spcPts val="0"/>
+              </a:spcBef>
+              <a:spcAft>
+                <a:spcPts val="0"/>
+              </a:spcAft>
+              <a:buClr>
+                <a:srgbClr val="000000"/>
+              </a:buClr>
+              <a:buSzPts val="2000"/>
+              <a:buFont typeface="Arial"/>
+              <a:buNone/>
+            </a:pPr>
+            <a:r>
+              <a:rPr b="0" i="0" lang="en-GB" sz="2000" u="none" cap="none" strike="noStrike">
+                <a:solidFill>
+                  <a:srgbClr val="000000"/>
+                </a:solidFill>
+                <a:latin typeface="Arial"/>
+                <a:ea typeface="Arial"/>
+                <a:cs typeface="Arial"/>
+                <a:sym typeface="Arial"/>
+              </a:rPr>
+              <a:t> </a:t>
+            </a:r>
+            <a:endParaRPr b="0" i="0" sz="1400" u="none" cap="none" strike="noStrike">
+              <a:solidFill>
+                <a:srgbClr val="000000"/>
+              </a:solidFill>
+              <a:latin typeface="Arial"/>
+              <a:ea typeface="Arial"/>
+              <a:cs typeface="Arial"/>
+              <a:sym typeface="Arial"/>
+            </a:endParaRPr>
           </a:p>
         </p:txBody>
       </p:sp>
-      <p:pic>
-        <p:nvPicPr>
-          <p:cNvPr id="138" name="Google Shape;138;p41"/>
-          <p:cNvPicPr preferRelativeResize="0"/>
-          <p:nvPr/>
-        </p:nvPicPr>
-        <p:blipFill rotWithShape="1">
-          <a:blip r:embed="rId3">
-            <a:alphaModFix/>
-          </a:blip>
-          <a:srcRect b="0" l="0" r="0" t="0"/>
-          <a:stretch/>
-        </p:blipFill>
-        <p:spPr>
-          <a:xfrm>
-            <a:off x="4408206" y="738664"/>
-            <a:ext cx="4640100" cy="4048714"/>
-          </a:xfrm>
-          <a:prstGeom prst="rect">
-            <a:avLst/>
-          </a:prstGeom>
-          <a:noFill/>
-          <a:ln>
-            <a:noFill/>
-          </a:ln>
-        </p:spPr>
-      </p:pic>
       <p:sp>
         <p:nvSpPr>
-          <p:cNvPr id="139" name="Google Shape;139;p41"/>
+          <p:cNvPr id="138" name="Google Shape;138;p40"/>
           <p:cNvSpPr txBox="1"/>
           <p:nvPr/>
         </p:nvSpPr>
         <p:spPr>
           <a:xfrm>
-            <a:off x="233916" y="1279088"/>
-            <a:ext cx="3253563" cy="2862322"/>
+            <a:off x="95700" y="1625849"/>
+            <a:ext cx="3253500" cy="1754700"/>
           </a:xfrm>
           <a:prstGeom prst="rect">
             <a:avLst/>
@@ -11628,7 +11682,7 @@
                 <a:srgbClr val="000000"/>
               </a:buClr>
               <a:buSzPts val="1800"/>
-              <a:buFont typeface="Noto Sans Symbols"/>
+              <a:buFont typeface="Noto Sans"/>
               <a:buChar char="⮚"/>
             </a:pPr>
             <a:r>
@@ -11641,32 +11695,9 @@
                 <a:cs typeface="Arial"/>
                 <a:sym typeface="Arial"/>
               </a:rPr>
-              <a:t>The demand of entire home and private room is more high and people also choose entire home and private room.</a:t>
-            </a:r>
-            <a:endParaRPr/>
-          </a:p>
-          <a:p>
-            <a:pPr indent="-171450" lvl="0" marL="285750" marR="0" rtl="0" algn="l">
-              <a:lnSpc>
-                <a:spcPct val="100000"/>
-              </a:lnSpc>
-              <a:spcBef>
-                <a:spcPts val="0"/>
-              </a:spcBef>
-              <a:spcAft>
-                <a:spcPts val="0"/>
-              </a:spcAft>
-              <a:buClr>
-                <a:srgbClr val="000000"/>
-              </a:buClr>
-              <a:buSzPts val="1800"/>
-              <a:buFont typeface="Noto Sans Symbols"/>
-              <a:buNone/>
-            </a:pPr>
-            <a:r>
-              <a:t/>
-            </a:r>
-            <a:endParaRPr b="0" i="0" sz="1800" u="none" cap="none" strike="noStrike">
+              <a:t>The most review neighborhood is silver lake with average reviews of 118 per month, followed by East Elmhurst with average review of 83</a:t>
+            </a:r>
+            <a:endParaRPr b="0" i="0" sz="1400" u="none" cap="none" strike="noStrike">
               <a:solidFill>
                 <a:srgbClr val="000000"/>
               </a:solidFill>
@@ -11676,40 +11707,35 @@
               <a:sym typeface="Arial"/>
             </a:endParaRPr>
           </a:p>
-          <a:p>
-            <a:pPr indent="-285750" lvl="0" marL="285750" marR="0" rtl="0" algn="l">
-              <a:lnSpc>
-                <a:spcPct val="100000"/>
-              </a:lnSpc>
-              <a:spcBef>
-                <a:spcPts val="0"/>
-              </a:spcBef>
-              <a:spcAft>
-                <a:spcPts val="0"/>
-              </a:spcAft>
-              <a:buClr>
-                <a:srgbClr val="000000"/>
-              </a:buClr>
-              <a:buSzPts val="1800"/>
-              <a:buFont typeface="Noto Sans Symbols"/>
-              <a:buChar char="⮚"/>
-            </a:pPr>
-            <a:r>
-              <a:rPr b="0" i="0" lang="en-GB" sz="1800" u="none" cap="none" strike="noStrike">
-                <a:solidFill>
-                  <a:srgbClr val="000000"/>
-                </a:solidFill>
-                <a:latin typeface="Arial"/>
-                <a:ea typeface="Arial"/>
-                <a:cs typeface="Arial"/>
-                <a:sym typeface="Arial"/>
-              </a:rPr>
-              <a:t>As per the dataset 97.7% of them are entire home or private room and only 2.4% of them are share room.</a:t>
-            </a:r>
-            <a:endParaRPr/>
-          </a:p>
         </p:txBody>
       </p:sp>
+      <p:pic>
+        <p:nvPicPr>
+          <p:cNvPr id="139" name="Google Shape;139;p40"/>
+          <p:cNvPicPr preferRelativeResize="0"/>
+          <p:nvPr/>
+        </p:nvPicPr>
+        <p:blipFill rotWithShape="1">
+          <a:blip r:embed="rId3">
+            <a:alphaModFix/>
+          </a:blip>
+          <a:srcRect b="0" l="0" r="0" t="0"/>
+          <a:stretch/>
+        </p:blipFill>
+        <p:spPr>
+          <a:xfrm>
+            <a:off x="4008000" y="391800"/>
+            <a:ext cx="5030350" cy="4751700"/>
+          </a:xfrm>
+          <a:prstGeom prst="rect">
+            <a:avLst/>
+          </a:prstGeom>
+          <a:noFill/>
+          <a:ln>
+            <a:noFill/>
+          </a:ln>
+        </p:spPr>
+      </p:pic>
     </p:spTree>
   </p:cSld>
   <p:clrMapOvr>
@@ -11737,7 +11763,7 @@
       </p:grpSpPr>
       <p:sp>
         <p:nvSpPr>
-          <p:cNvPr id="144" name="Google Shape;144;p42"/>
+          <p:cNvPr id="144" name="Google Shape;144;p41"/>
           <p:cNvSpPr txBox="1"/>
           <p:nvPr/>
         </p:nvSpPr>
@@ -11770,6 +11796,11 @@
               <a:spcAft>
                 <a:spcPts val="0"/>
               </a:spcAft>
+              <a:buClr>
+                <a:srgbClr val="000000"/>
+              </a:buClr>
+              <a:buSzPts val="2100"/>
+              <a:buFont typeface="Arial"/>
               <a:buNone/>
             </a:pPr>
             <a:r>
@@ -11805,6 +11836,11 @@
               <a:spcAft>
                 <a:spcPts val="0"/>
               </a:spcAft>
+              <a:buClr>
+                <a:srgbClr val="000000"/>
+              </a:buClr>
+              <a:buSzPts val="2100"/>
+              <a:buFont typeface="Arial"/>
               <a:buNone/>
             </a:pPr>
             <a:r>
@@ -11829,7 +11865,7 @@
                 <a:cs typeface="Arial"/>
                 <a:sym typeface="Arial"/>
               </a:rPr>
-              <a:t>Location </a:t>
+              <a:t>which room type people are preferred to stay longer </a:t>
             </a:r>
             <a:r>
               <a:rPr b="1" i="0" lang="en-GB" sz="2100" u="none" cap="none" strike="noStrike">
@@ -11843,13 +11879,21 @@
               </a:rPr>
               <a:t>)</a:t>
             </a:r>
-            <a:endParaRPr/>
+            <a:endParaRPr b="0" i="0" sz="1400" u="none" cap="none" strike="noStrike">
+              <a:solidFill>
+                <a:srgbClr val="000000"/>
+              </a:solidFill>
+              <a:latin typeface="Arial"/>
+              <a:ea typeface="Arial"/>
+              <a:cs typeface="Arial"/>
+              <a:sym typeface="Arial"/>
+            </a:endParaRPr>
           </a:p>
         </p:txBody>
       </p:sp>
       <p:pic>
         <p:nvPicPr>
-          <p:cNvPr id="145" name="Google Shape;145;p42"/>
+          <p:cNvPr id="145" name="Google Shape;145;p41"/>
           <p:cNvPicPr preferRelativeResize="0"/>
           <p:nvPr/>
         </p:nvPicPr>
@@ -11862,8 +11906,8 @@
         </p:blipFill>
         <p:spPr>
           <a:xfrm>
-            <a:off x="3771150" y="869500"/>
-            <a:ext cx="5258175" cy="4153450"/>
+            <a:off x="4408206" y="738664"/>
+            <a:ext cx="4640100" cy="4048714"/>
           </a:xfrm>
           <a:prstGeom prst="rect">
             <a:avLst/>
@@ -11876,14 +11920,14 @@
       </p:pic>
       <p:sp>
         <p:nvSpPr>
-          <p:cNvPr id="146" name="Google Shape;146;p42"/>
+          <p:cNvPr id="146" name="Google Shape;146;p41"/>
           <p:cNvSpPr txBox="1"/>
           <p:nvPr/>
         </p:nvSpPr>
         <p:spPr>
           <a:xfrm>
-            <a:off x="95694" y="1310986"/>
-            <a:ext cx="3253563" cy="2308324"/>
+            <a:off x="233916" y="1279088"/>
+            <a:ext cx="3253563" cy="2862322"/>
           </a:xfrm>
           <a:prstGeom prst="rect">
             <a:avLst/>
@@ -11913,7 +11957,7 @@
                 <a:srgbClr val="000000"/>
               </a:buClr>
               <a:buSzPts val="1800"/>
-              <a:buFont typeface="Noto Sans Symbols"/>
+              <a:buFont typeface="Noto Sans"/>
               <a:buChar char="⮚"/>
             </a:pPr>
             <a:r>
@@ -11926,9 +11970,17 @@
                 <a:cs typeface="Arial"/>
                 <a:sym typeface="Arial"/>
               </a:rPr>
-              <a:t>The demand of entire home is more in Manhattan followed by Brooklyn and the price is also high.</a:t>
-            </a:r>
-            <a:endParaRPr/>
+              <a:t>The demand of entire home and private room is more high and people also choose entire home and private room.</a:t>
+            </a:r>
+            <a:endParaRPr b="0" i="0" sz="1400" u="none" cap="none" strike="noStrike">
+              <a:solidFill>
+                <a:srgbClr val="000000"/>
+              </a:solidFill>
+              <a:latin typeface="Arial"/>
+              <a:ea typeface="Arial"/>
+              <a:cs typeface="Arial"/>
+              <a:sym typeface="Arial"/>
+            </a:endParaRPr>
           </a:p>
           <a:p>
             <a:pPr indent="-171450" lvl="0" marL="285750" marR="0" rtl="0" algn="l">
@@ -11945,7 +11997,7 @@
                 <a:srgbClr val="000000"/>
               </a:buClr>
               <a:buSzPts val="1800"/>
-              <a:buFont typeface="Noto Sans Symbols"/>
+              <a:buFont typeface="Noto Sans"/>
               <a:buNone/>
             </a:pPr>
             <a:r>
@@ -11976,7 +12028,7 @@
                 <a:srgbClr val="000000"/>
               </a:buClr>
               <a:buSzPts val="1800"/>
-              <a:buFont typeface="Noto Sans Symbols"/>
+              <a:buFont typeface="Noto Sans"/>
               <a:buChar char="⮚"/>
             </a:pPr>
             <a:r>
@@ -11989,9 +12041,17 @@
                 <a:cs typeface="Arial"/>
                 <a:sym typeface="Arial"/>
               </a:rPr>
-              <a:t>Demand of private room is more in Brooklyn followed by Manhattan.</a:t>
-            </a:r>
-            <a:endParaRPr/>
+              <a:t>As per the dataset 97.7% of them are entire home or private room and only 2.4% of them are share room.</a:t>
+            </a:r>
+            <a:endParaRPr b="0" i="0" sz="1400" u="none" cap="none" strike="noStrike">
+              <a:solidFill>
+                <a:srgbClr val="000000"/>
+              </a:solidFill>
+              <a:latin typeface="Arial"/>
+              <a:ea typeface="Arial"/>
+              <a:cs typeface="Arial"/>
+              <a:sym typeface="Arial"/>
+            </a:endParaRPr>
           </a:p>
         </p:txBody>
       </p:sp>
@@ -12020,109 +12080,16 @@
           <a:chExt cx="0" cy="0"/>
         </a:xfrm>
       </p:grpSpPr>
-      <p:pic>
-        <p:nvPicPr>
-          <p:cNvPr id="151" name="Google Shape;151;p5"/>
-          <p:cNvPicPr preferRelativeResize="0"/>
-          <p:nvPr/>
-        </p:nvPicPr>
-        <p:blipFill rotWithShape="1">
-          <a:blip r:embed="rId3">
-            <a:alphaModFix/>
-          </a:blip>
-          <a:srcRect b="0" l="0" r="0" t="0"/>
-          <a:stretch/>
-        </p:blipFill>
-        <p:spPr>
-          <a:xfrm>
-            <a:off x="2134077" y="584183"/>
-            <a:ext cx="6932429" cy="4245375"/>
-          </a:xfrm>
-          <a:prstGeom prst="rect">
-            <a:avLst/>
-          </a:prstGeom>
-          <a:noFill/>
-          <a:ln>
-            <a:noFill/>
-          </a:ln>
-        </p:spPr>
-      </p:pic>
       <p:sp>
         <p:nvSpPr>
-          <p:cNvPr id="152" name="Google Shape;152;p5"/>
+          <p:cNvPr id="151" name="Google Shape;151;p42"/>
           <p:cNvSpPr txBox="1"/>
           <p:nvPr/>
         </p:nvSpPr>
         <p:spPr>
           <a:xfrm>
-            <a:off x="143550" y="1185425"/>
-            <a:ext cx="1845600" cy="2862900"/>
-          </a:xfrm>
-          <a:prstGeom prst="rect">
-            <a:avLst/>
-          </a:prstGeom>
-          <a:noFill/>
-          <a:ln>
-            <a:noFill/>
-          </a:ln>
-        </p:spPr>
-        <p:txBody>
-          <a:bodyPr anchorCtr="0" anchor="t" bIns="45700" lIns="91425" spcFirstLastPara="1" rIns="91425" wrap="square" tIns="45700">
-            <a:spAutoFit/>
-          </a:bodyPr>
-          <a:lstStyle/>
-          <a:p>
-            <a:pPr indent="0" lvl="0" marL="0" marR="0" rtl="0" algn="l">
-              <a:lnSpc>
-                <a:spcPct val="100000"/>
-              </a:lnSpc>
-              <a:spcBef>
-                <a:spcPts val="0"/>
-              </a:spcBef>
-              <a:spcAft>
-                <a:spcPts val="0"/>
-              </a:spcAft>
-              <a:buClr>
-                <a:srgbClr val="000000"/>
-              </a:buClr>
-              <a:buSzPts val="1400"/>
-              <a:buFont typeface="Arial"/>
-              <a:buNone/>
-            </a:pPr>
-            <a:r>
-              <a:rPr b="1" i="0" lang="en-GB" sz="1800" u="none" cap="none" strike="noStrike">
-                <a:solidFill>
-                  <a:schemeClr val="accent2"/>
-                </a:solidFill>
-                <a:latin typeface="Montserrat"/>
-                <a:ea typeface="Montserrat"/>
-                <a:cs typeface="Montserrat"/>
-                <a:sym typeface="Montserrat"/>
-              </a:rPr>
-              <a:t>All the features are less correlated with price, regression taking price as target, will be less accurate</a:t>
-            </a:r>
-            <a:endParaRPr b="1" i="0" sz="1800" u="none" cap="none" strike="noStrike">
-              <a:solidFill>
-                <a:schemeClr val="accent2"/>
-              </a:solidFill>
-              <a:latin typeface="Arial"/>
-              <a:ea typeface="Arial"/>
-              <a:cs typeface="Arial"/>
-              <a:sym typeface="Arial"/>
-            </a:endParaRPr>
-          </a:p>
-        </p:txBody>
-      </p:sp>
-      <p:sp>
-        <p:nvSpPr>
-          <p:cNvPr id="153" name="Google Shape;153;p5"/>
-          <p:cNvSpPr txBox="1"/>
-          <p:nvPr/>
-        </p:nvSpPr>
-        <p:spPr>
-          <a:xfrm>
-            <a:off x="143553" y="139850"/>
-            <a:ext cx="4377000" cy="708000"/>
+            <a:off x="95694" y="0"/>
+            <a:ext cx="8070000" cy="738900"/>
           </a:xfrm>
           <a:prstGeom prst="rect">
             <a:avLst/>
@@ -12148,10 +12115,15 @@
               <a:spcAft>
                 <a:spcPts val="0"/>
               </a:spcAft>
+              <a:buClr>
+                <a:srgbClr val="000000"/>
+              </a:buClr>
+              <a:buSzPts val="2100"/>
+              <a:buFont typeface="Arial"/>
               <a:buNone/>
             </a:pPr>
             <a:r>
-              <a:rPr b="1" i="0" lang="en-GB" sz="2000" u="none" cap="none" strike="noStrike">
+              <a:rPr b="1" i="0" lang="en-GB" sz="2100" u="none" cap="none" strike="noStrike">
                 <a:solidFill>
                   <a:schemeClr val="dk1"/>
                 </a:solidFill>
@@ -12160,9 +12132,17 @@
                 <a:cs typeface="Arial"/>
                 <a:sym typeface="Arial"/>
               </a:rPr>
-              <a:t>Correlation Matrix :-</a:t>
-            </a:r>
-            <a:endParaRPr/>
+              <a:t>Preferred room types </a:t>
+            </a:r>
+            <a:endParaRPr b="1" i="0" sz="2100" u="none" cap="none" strike="noStrike">
+              <a:solidFill>
+                <a:schemeClr val="dk1"/>
+              </a:solidFill>
+              <a:latin typeface="Arial"/>
+              <a:ea typeface="Arial"/>
+              <a:cs typeface="Arial"/>
+              <a:sym typeface="Arial"/>
+            </a:endParaRPr>
           </a:p>
           <a:p>
             <a:pPr indent="0" lvl="0" marL="0" marR="0" rtl="0" algn="ctr">
@@ -12175,14 +12155,216 @@
               <a:spcAft>
                 <a:spcPts val="0"/>
               </a:spcAft>
+              <a:buClr>
+                <a:srgbClr val="000000"/>
+              </a:buClr>
+              <a:buSzPts val="2100"/>
+              <a:buFont typeface="Arial"/>
               <a:buNone/>
             </a:pPr>
             <a:r>
+              <a:rPr b="1" i="0" lang="en-GB" sz="2100" u="none" cap="none" strike="noStrike">
+                <a:solidFill>
+                  <a:schemeClr val="accent2"/>
+                </a:solidFill>
+                <a:latin typeface="Arial"/>
+                <a:ea typeface="Arial"/>
+                <a:cs typeface="Arial"/>
+                <a:sym typeface="Arial"/>
+              </a:rPr>
+              <a:t>( </a:t>
+            </a:r>
+            <a:r>
+              <a:rPr b="1" i="0" lang="en-GB" sz="1800" u="none" cap="none" strike="noStrike">
+                <a:solidFill>
+                  <a:schemeClr val="accent2"/>
+                </a:solidFill>
+                <a:latin typeface="Arial"/>
+                <a:ea typeface="Arial"/>
+                <a:cs typeface="Arial"/>
+                <a:sym typeface="Arial"/>
+              </a:rPr>
+              <a:t>Location </a:t>
+            </a:r>
+            <a:r>
+              <a:rPr b="1" i="0" lang="en-GB" sz="2100" u="none" cap="none" strike="noStrike">
+                <a:solidFill>
+                  <a:schemeClr val="accent2"/>
+                </a:solidFill>
+                <a:latin typeface="Arial"/>
+                <a:ea typeface="Arial"/>
+                <a:cs typeface="Arial"/>
+                <a:sym typeface="Arial"/>
+              </a:rPr>
+              <a:t>)</a:t>
+            </a:r>
+            <a:endParaRPr b="0" i="0" sz="1400" u="none" cap="none" strike="noStrike">
+              <a:solidFill>
+                <a:srgbClr val="000000"/>
+              </a:solidFill>
+              <a:latin typeface="Arial"/>
+              <a:ea typeface="Arial"/>
+              <a:cs typeface="Arial"/>
+              <a:sym typeface="Arial"/>
+            </a:endParaRPr>
+          </a:p>
+        </p:txBody>
+      </p:sp>
+      <p:pic>
+        <p:nvPicPr>
+          <p:cNvPr id="152" name="Google Shape;152;p42"/>
+          <p:cNvPicPr preferRelativeResize="0"/>
+          <p:nvPr/>
+        </p:nvPicPr>
+        <p:blipFill rotWithShape="1">
+          <a:blip r:embed="rId3">
+            <a:alphaModFix/>
+          </a:blip>
+          <a:srcRect b="0" l="0" r="0" t="0"/>
+          <a:stretch/>
+        </p:blipFill>
+        <p:spPr>
+          <a:xfrm>
+            <a:off x="3771150" y="869500"/>
+            <a:ext cx="5258175" cy="4153450"/>
+          </a:xfrm>
+          <a:prstGeom prst="rect">
+            <a:avLst/>
+          </a:prstGeom>
+          <a:noFill/>
+          <a:ln>
+            <a:noFill/>
+          </a:ln>
+        </p:spPr>
+      </p:pic>
+      <p:sp>
+        <p:nvSpPr>
+          <p:cNvPr id="153" name="Google Shape;153;p42"/>
+          <p:cNvSpPr txBox="1"/>
+          <p:nvPr/>
+        </p:nvSpPr>
+        <p:spPr>
+          <a:xfrm>
+            <a:off x="95694" y="1310986"/>
+            <a:ext cx="3253563" cy="2308324"/>
+          </a:xfrm>
+          <a:prstGeom prst="rect">
+            <a:avLst/>
+          </a:prstGeom>
+          <a:noFill/>
+          <a:ln>
+            <a:noFill/>
+          </a:ln>
+        </p:spPr>
+        <p:txBody>
+          <a:bodyPr anchorCtr="0" anchor="t" bIns="45700" lIns="91425" spcFirstLastPara="1" rIns="91425" wrap="square" tIns="45700">
+            <a:spAutoFit/>
+          </a:bodyPr>
+          <a:lstStyle/>
+          <a:p>
+            <a:pPr indent="-285750" lvl="0" marL="285750" marR="0" rtl="0" algn="l">
+              <a:lnSpc>
+                <a:spcPct val="100000"/>
+              </a:lnSpc>
+              <a:spcBef>
+                <a:spcPts val="0"/>
+              </a:spcBef>
+              <a:spcAft>
+                <a:spcPts val="0"/>
+              </a:spcAft>
+              <a:buClr>
+                <a:srgbClr val="000000"/>
+              </a:buClr>
+              <a:buSzPts val="1800"/>
+              <a:buFont typeface="Noto Sans"/>
+              <a:buChar char="⮚"/>
+            </a:pPr>
+            <a:r>
+              <a:rPr b="0" i="0" lang="en-GB" sz="1800" u="none" cap="none" strike="noStrike">
+                <a:solidFill>
+                  <a:srgbClr val="000000"/>
+                </a:solidFill>
+                <a:latin typeface="Arial"/>
+                <a:ea typeface="Arial"/>
+                <a:cs typeface="Arial"/>
+                <a:sym typeface="Arial"/>
+              </a:rPr>
+              <a:t>The demand of entire home is more in Manhattan followed by Brooklyn and the price is also high.</a:t>
+            </a:r>
+            <a:endParaRPr b="0" i="0" sz="1400" u="none" cap="none" strike="noStrike">
+              <a:solidFill>
+                <a:srgbClr val="000000"/>
+              </a:solidFill>
+              <a:latin typeface="Arial"/>
+              <a:ea typeface="Arial"/>
+              <a:cs typeface="Arial"/>
+              <a:sym typeface="Arial"/>
+            </a:endParaRPr>
+          </a:p>
+          <a:p>
+            <a:pPr indent="-171450" lvl="0" marL="285750" marR="0" rtl="0" algn="l">
+              <a:lnSpc>
+                <a:spcPct val="100000"/>
+              </a:lnSpc>
+              <a:spcBef>
+                <a:spcPts val="0"/>
+              </a:spcBef>
+              <a:spcAft>
+                <a:spcPts val="0"/>
+              </a:spcAft>
+              <a:buClr>
+                <a:srgbClr val="000000"/>
+              </a:buClr>
+              <a:buSzPts val="1800"/>
+              <a:buFont typeface="Noto Sans"/>
+              <a:buNone/>
+            </a:pPr>
+            <a:r>
               <a:t/>
             </a:r>
-            <a:endParaRPr b="1" i="0" sz="2000" u="none" cap="none" strike="noStrike">
+            <a:endParaRPr b="0" i="0" sz="1800" u="none" cap="none" strike="noStrike">
               <a:solidFill>
-                <a:schemeClr val="dk1"/>
+                <a:srgbClr val="000000"/>
+              </a:solidFill>
+              <a:latin typeface="Arial"/>
+              <a:ea typeface="Arial"/>
+              <a:cs typeface="Arial"/>
+              <a:sym typeface="Arial"/>
+            </a:endParaRPr>
+          </a:p>
+          <a:p>
+            <a:pPr indent="-285750" lvl="0" marL="285750" marR="0" rtl="0" algn="l">
+              <a:lnSpc>
+                <a:spcPct val="100000"/>
+              </a:lnSpc>
+              <a:spcBef>
+                <a:spcPts val="0"/>
+              </a:spcBef>
+              <a:spcAft>
+                <a:spcPts val="0"/>
+              </a:spcAft>
+              <a:buClr>
+                <a:srgbClr val="000000"/>
+              </a:buClr>
+              <a:buSzPts val="1800"/>
+              <a:buFont typeface="Noto Sans"/>
+              <a:buChar char="⮚"/>
+            </a:pPr>
+            <a:r>
+              <a:rPr b="0" i="0" lang="en-GB" sz="1800" u="none" cap="none" strike="noStrike">
+                <a:solidFill>
+                  <a:srgbClr val="000000"/>
+                </a:solidFill>
+                <a:latin typeface="Arial"/>
+                <a:ea typeface="Arial"/>
+                <a:cs typeface="Arial"/>
+                <a:sym typeface="Arial"/>
+              </a:rPr>
+              <a:t>Demand of private room is more in Brooklyn followed by Manhattan.</a:t>
+            </a:r>
+            <a:endParaRPr b="0" i="0" sz="1400" u="none" cap="none" strike="noStrike">
+              <a:solidFill>
+                <a:srgbClr val="000000"/>
               </a:solidFill>
               <a:latin typeface="Arial"/>
               <a:ea typeface="Arial"/>
@@ -12217,16 +12399,109 @@
           <a:chExt cx="0" cy="0"/>
         </a:xfrm>
       </p:grpSpPr>
+      <p:pic>
+        <p:nvPicPr>
+          <p:cNvPr id="158" name="Google Shape;158;p5"/>
+          <p:cNvPicPr preferRelativeResize="0"/>
+          <p:nvPr/>
+        </p:nvPicPr>
+        <p:blipFill rotWithShape="1">
+          <a:blip r:embed="rId3">
+            <a:alphaModFix/>
+          </a:blip>
+          <a:srcRect b="0" l="0" r="0" t="0"/>
+          <a:stretch/>
+        </p:blipFill>
+        <p:spPr>
+          <a:xfrm>
+            <a:off x="2134077" y="584183"/>
+            <a:ext cx="6932429" cy="4245375"/>
+          </a:xfrm>
+          <a:prstGeom prst="rect">
+            <a:avLst/>
+          </a:prstGeom>
+          <a:noFill/>
+          <a:ln>
+            <a:noFill/>
+          </a:ln>
+        </p:spPr>
+      </p:pic>
       <p:sp>
         <p:nvSpPr>
-          <p:cNvPr id="158" name="Google Shape;158;p16"/>
+          <p:cNvPr id="159" name="Google Shape;159;p5"/>
           <p:cNvSpPr txBox="1"/>
           <p:nvPr/>
         </p:nvSpPr>
         <p:spPr>
           <a:xfrm>
-            <a:off x="130600" y="0"/>
-            <a:ext cx="8408400" cy="954300"/>
+            <a:off x="143550" y="1185425"/>
+            <a:ext cx="1845600" cy="2862900"/>
+          </a:xfrm>
+          <a:prstGeom prst="rect">
+            <a:avLst/>
+          </a:prstGeom>
+          <a:noFill/>
+          <a:ln>
+            <a:noFill/>
+          </a:ln>
+        </p:spPr>
+        <p:txBody>
+          <a:bodyPr anchorCtr="0" anchor="t" bIns="45700" lIns="91425" spcFirstLastPara="1" rIns="91425" wrap="square" tIns="45700">
+            <a:spAutoFit/>
+          </a:bodyPr>
+          <a:lstStyle/>
+          <a:p>
+            <a:pPr indent="0" lvl="0" marL="0" marR="0" rtl="0" algn="l">
+              <a:lnSpc>
+                <a:spcPct val="100000"/>
+              </a:lnSpc>
+              <a:spcBef>
+                <a:spcPts val="0"/>
+              </a:spcBef>
+              <a:spcAft>
+                <a:spcPts val="0"/>
+              </a:spcAft>
+              <a:buClr>
+                <a:srgbClr val="000000"/>
+              </a:buClr>
+              <a:buSzPts val="1400"/>
+              <a:buFont typeface="Arial"/>
+              <a:buNone/>
+            </a:pPr>
+            <a:r>
+              <a:rPr b="1" i="0" lang="en-GB" sz="1800" u="none" cap="none" strike="noStrike">
+                <a:solidFill>
+                  <a:schemeClr val="accent2"/>
+                </a:solidFill>
+                <a:latin typeface="Montserrat"/>
+                <a:ea typeface="Montserrat"/>
+                <a:cs typeface="Montserrat"/>
+                <a:sym typeface="Montserrat"/>
+              </a:rPr>
+              <a:t>All the features are less correlated with price, regression taking price as target, will be less accurate</a:t>
+            </a:r>
+            <a:endParaRPr b="1" i="0" sz="1800" u="none" cap="none" strike="noStrike">
+              <a:solidFill>
+                <a:schemeClr val="accent2"/>
+              </a:solidFill>
+              <a:latin typeface="Arial"/>
+              <a:ea typeface="Arial"/>
+              <a:cs typeface="Arial"/>
+              <a:sym typeface="Arial"/>
+            </a:endParaRPr>
+          </a:p>
+        </p:txBody>
+      </p:sp>
+      <p:sp>
+        <p:nvSpPr>
+          <p:cNvPr id="160" name="Google Shape;160;p5"/>
+          <p:cNvSpPr txBox="1"/>
+          <p:nvPr/>
+        </p:nvSpPr>
+        <p:spPr>
+          <a:xfrm>
+            <a:off x="143553" y="139850"/>
+            <a:ext cx="4377000" cy="708000"/>
           </a:xfrm>
           <a:prstGeom prst="rect">
             <a:avLst/>
@@ -12255,286 +12530,65 @@
               <a:buClr>
                 <a:srgbClr val="000000"/>
               </a:buClr>
-              <a:buSzPts val="2800"/>
+              <a:buSzPts val="2000"/>
               <a:buFont typeface="Arial"/>
               <a:buNone/>
             </a:pPr>
             <a:r>
-              <a:rPr b="1" i="0" lang="en-GB" sz="2800" u="none" cap="none" strike="noStrike">
+              <a:rPr b="1" i="0" lang="en-GB" sz="2000" u="none" cap="none" strike="noStrike">
                 <a:solidFill>
                   <a:schemeClr val="dk1"/>
                 </a:solidFill>
-                <a:latin typeface="Arial Rounded"/>
-                <a:ea typeface="Arial Rounded"/>
-                <a:cs typeface="Arial Rounded"/>
-                <a:sym typeface="Arial Rounded"/>
+                <a:latin typeface="Arial"/>
+                <a:ea typeface="Arial"/>
+                <a:cs typeface="Arial"/>
+                <a:sym typeface="Arial"/>
               </a:rPr>
-              <a:t>Limitations</a:t>
-            </a:r>
-            <a:endParaRPr/>
+              <a:t>Correlation Matrix :-</a:t>
+            </a:r>
+            <a:endParaRPr b="0" i="0" sz="1400" u="none" cap="none" strike="noStrike">
+              <a:solidFill>
+                <a:srgbClr val="000000"/>
+              </a:solidFill>
+              <a:latin typeface="Arial"/>
+              <a:ea typeface="Arial"/>
+              <a:cs typeface="Arial"/>
+              <a:sym typeface="Arial"/>
+            </a:endParaRPr>
           </a:p>
           <a:p>
-            <a:pPr indent="0" lvl="0" marL="0" marR="0" rtl="0" algn="l">
-              <a:lnSpc>
-                <a:spcPct val="100000"/>
-              </a:lnSpc>
-              <a:spcBef>
-                <a:spcPts val="0"/>
-              </a:spcBef>
-              <a:spcAft>
-                <a:spcPts val="0"/>
-              </a:spcAft>
-              <a:buClr>
-                <a:srgbClr val="000000"/>
-              </a:buClr>
-              <a:buSzPts val="2800"/>
+            <a:pPr indent="0" lvl="0" marL="0" marR="0" rtl="0" algn="ctr">
+              <a:lnSpc>
+                <a:spcPct val="100000"/>
+              </a:lnSpc>
+              <a:spcBef>
+                <a:spcPts val="0"/>
+              </a:spcBef>
+              <a:spcAft>
+                <a:spcPts val="0"/>
+              </a:spcAft>
+              <a:buClr>
+                <a:srgbClr val="000000"/>
+              </a:buClr>
+              <a:buSzPts val="2000"/>
               <a:buFont typeface="Arial"/>
               <a:buNone/>
             </a:pPr>
             <a:r>
-              <a:rPr b="1" i="0" lang="en-GB" sz="2800" u="none" cap="none" strike="noStrike">
-                <a:solidFill>
-                  <a:schemeClr val="dk1"/>
-                </a:solidFill>
-                <a:latin typeface="Arial Rounded"/>
-                <a:ea typeface="Arial Rounded"/>
-                <a:cs typeface="Arial Rounded"/>
-                <a:sym typeface="Arial Rounded"/>
-              </a:rPr>
-              <a:t> </a:t>
-            </a:r>
-            <a:endParaRPr b="1" i="0" sz="2800" u="none" cap="none" strike="noStrike">
+              <a:t/>
+            </a:r>
+            <a:endParaRPr b="1" i="0" sz="2000" u="none" cap="none" strike="noStrike">
               <a:solidFill>
                 <a:schemeClr val="dk1"/>
               </a:solidFill>
-              <a:latin typeface="Arial Rounded"/>
-              <a:ea typeface="Arial Rounded"/>
-              <a:cs typeface="Arial Rounded"/>
-              <a:sym typeface="Arial Rounded"/>
+              <a:latin typeface="Arial"/>
+              <a:ea typeface="Arial"/>
+              <a:cs typeface="Arial"/>
+              <a:sym typeface="Arial"/>
             </a:endParaRPr>
           </a:p>
         </p:txBody>
       </p:sp>
-      <p:sp>
-        <p:nvSpPr>
-          <p:cNvPr id="159" name="Google Shape;159;p16"/>
-          <p:cNvSpPr txBox="1"/>
-          <p:nvPr/>
-        </p:nvSpPr>
-        <p:spPr>
-          <a:xfrm>
-            <a:off x="3268675" y="893225"/>
-            <a:ext cx="5389500" cy="3971100"/>
-          </a:xfrm>
-          <a:prstGeom prst="rect">
-            <a:avLst/>
-          </a:prstGeom>
-          <a:noFill/>
-          <a:ln>
-            <a:noFill/>
-          </a:ln>
-        </p:spPr>
-        <p:txBody>
-          <a:bodyPr anchorCtr="0" anchor="t" bIns="45700" lIns="91425" spcFirstLastPara="1" rIns="91425" wrap="square" tIns="45700">
-            <a:spAutoFit/>
-          </a:bodyPr>
-          <a:lstStyle/>
-          <a:p>
-            <a:pPr indent="-292100" lvl="0" marL="285750" marR="0" rtl="0" algn="l">
-              <a:lnSpc>
-                <a:spcPct val="100000"/>
-              </a:lnSpc>
-              <a:spcBef>
-                <a:spcPts val="0"/>
-              </a:spcBef>
-              <a:spcAft>
-                <a:spcPts val="0"/>
-              </a:spcAft>
-              <a:buClr>
-                <a:srgbClr val="000000"/>
-              </a:buClr>
-              <a:buSzPts val="1800"/>
-              <a:buFont typeface="Noto Sans Symbols"/>
-              <a:buChar char="❖"/>
-            </a:pPr>
-            <a:r>
-              <a:rPr b="0" i="0" lang="en-GB" sz="1800" u="none" cap="none" strike="noStrike">
-                <a:solidFill>
-                  <a:schemeClr val="accent2"/>
-                </a:solidFill>
-                <a:latin typeface="Montserrat"/>
-                <a:ea typeface="Montserrat"/>
-                <a:cs typeface="Montserrat"/>
-                <a:sym typeface="Montserrat"/>
-              </a:rPr>
-              <a:t>Dataset features in terms of modern world, are of very poor quality in deciding the valuation of a property</a:t>
-            </a:r>
-            <a:endParaRPr sz="1800">
-              <a:solidFill>
-                <a:schemeClr val="accent2"/>
-              </a:solidFill>
-              <a:latin typeface="Montserrat"/>
-              <a:ea typeface="Montserrat"/>
-              <a:cs typeface="Montserrat"/>
-              <a:sym typeface="Montserrat"/>
-            </a:endParaRPr>
-          </a:p>
-          <a:p>
-            <a:pPr indent="-292100" lvl="0" marL="285750" marR="0" rtl="0" algn="l">
-              <a:lnSpc>
-                <a:spcPct val="100000"/>
-              </a:lnSpc>
-              <a:spcBef>
-                <a:spcPts val="0"/>
-              </a:spcBef>
-              <a:spcAft>
-                <a:spcPts val="0"/>
-              </a:spcAft>
-              <a:buClr>
-                <a:srgbClr val="000000"/>
-              </a:buClr>
-              <a:buSzPts val="1800"/>
-              <a:buFont typeface="Noto Sans Symbols"/>
-              <a:buChar char="❖"/>
-            </a:pPr>
-            <a:r>
-              <a:rPr lang="en-GB" sz="1800">
-                <a:solidFill>
-                  <a:schemeClr val="accent2"/>
-                </a:solidFill>
-                <a:latin typeface="Montserrat"/>
-                <a:ea typeface="Montserrat"/>
-                <a:cs typeface="Montserrat"/>
-                <a:sym typeface="Montserrat"/>
-              </a:rPr>
-              <a:t>User ratings of hosts aren’t available, it would’ve been better to rank our hosts based on user  satisfaction and ratings. Normally a low rated property tends to lower their price.</a:t>
-            </a:r>
-            <a:endParaRPr sz="1800">
-              <a:solidFill>
-                <a:schemeClr val="accent2"/>
-              </a:solidFill>
-              <a:latin typeface="Montserrat"/>
-              <a:ea typeface="Montserrat"/>
-              <a:cs typeface="Montserrat"/>
-              <a:sym typeface="Montserrat"/>
-            </a:endParaRPr>
-          </a:p>
-          <a:p>
-            <a:pPr indent="-292100" lvl="0" marL="285750" marR="0" rtl="0" algn="l">
-              <a:lnSpc>
-                <a:spcPct val="100000"/>
-              </a:lnSpc>
-              <a:spcBef>
-                <a:spcPts val="0"/>
-              </a:spcBef>
-              <a:spcAft>
-                <a:spcPts val="0"/>
-              </a:spcAft>
-              <a:buClr>
-                <a:srgbClr val="000000"/>
-              </a:buClr>
-              <a:buSzPts val="1800"/>
-              <a:buFont typeface="Noto Sans Symbols"/>
-              <a:buChar char="❖"/>
-            </a:pPr>
-            <a:r>
-              <a:rPr lang="en-GB" sz="1800">
-                <a:solidFill>
-                  <a:schemeClr val="accent2"/>
-                </a:solidFill>
-                <a:latin typeface="Montserrat"/>
-                <a:ea typeface="Montserrat"/>
-                <a:cs typeface="Montserrat"/>
-                <a:sym typeface="Montserrat"/>
-              </a:rPr>
-              <a:t>In order to have a better analysis regarding the quality of the properties, it would be interesting if we had an analysis of sentiments with property valuations.</a:t>
-            </a:r>
-            <a:endParaRPr sz="1800">
-              <a:solidFill>
-                <a:schemeClr val="accent2"/>
-              </a:solidFill>
-              <a:latin typeface="Montserrat"/>
-              <a:ea typeface="Montserrat"/>
-              <a:cs typeface="Montserrat"/>
-              <a:sym typeface="Montserrat"/>
-            </a:endParaRPr>
-          </a:p>
-          <a:p>
-            <a:pPr indent="-292100" lvl="0" marL="285750" marR="0" rtl="0" algn="l">
-              <a:lnSpc>
-                <a:spcPct val="100000"/>
-              </a:lnSpc>
-              <a:spcBef>
-                <a:spcPts val="0"/>
-              </a:spcBef>
-              <a:spcAft>
-                <a:spcPts val="0"/>
-              </a:spcAft>
-              <a:buClr>
-                <a:srgbClr val="000000"/>
-              </a:buClr>
-              <a:buSzPts val="1800"/>
-              <a:buFont typeface="Noto Sans Symbols"/>
-              <a:buChar char="❖"/>
-            </a:pPr>
-            <a:r>
-              <a:rPr lang="en-GB" sz="1800">
-                <a:solidFill>
-                  <a:schemeClr val="accent2"/>
-                </a:solidFill>
-                <a:latin typeface="Montserrat"/>
-                <a:ea typeface="Montserrat"/>
-                <a:cs typeface="Montserrat"/>
-                <a:sym typeface="Montserrat"/>
-              </a:rPr>
-              <a:t>The exact number of guests count also missing</a:t>
-            </a:r>
-            <a:endParaRPr sz="1800">
-              <a:solidFill>
-                <a:schemeClr val="accent2"/>
-              </a:solidFill>
-              <a:latin typeface="Montserrat"/>
-              <a:ea typeface="Montserrat"/>
-              <a:cs typeface="Montserrat"/>
-              <a:sym typeface="Montserrat"/>
-            </a:endParaRPr>
-          </a:p>
-        </p:txBody>
-      </p:sp>
-      <p:pic>
-        <p:nvPicPr>
-          <p:cNvPr id="160" name="Google Shape;160;p16"/>
-          <p:cNvPicPr preferRelativeResize="0"/>
-          <p:nvPr/>
-        </p:nvPicPr>
-        <p:blipFill rotWithShape="1">
-          <a:blip r:embed="rId3">
-            <a:alphaModFix amt="70000"/>
-          </a:blip>
-          <a:srcRect b="0" l="0" r="0" t="0"/>
-          <a:stretch/>
-        </p:blipFill>
-        <p:spPr>
-          <a:xfrm>
-            <a:off x="321475" y="1692575"/>
-            <a:ext cx="2642076" cy="2144949"/>
-          </a:xfrm>
-          <a:prstGeom prst="rect">
-            <a:avLst/>
-          </a:prstGeom>
-          <a:noFill/>
-          <a:ln>
-            <a:noFill/>
-          </a:ln>
-          <a:effectLst>
-            <a:outerShdw blurRad="292100" rotWithShape="0" algn="tl" dir="2700000" dist="139700">
-              <a:srgbClr val="333333">
-                <a:alpha val="64705"/>
-              </a:srgbClr>
-            </a:outerShdw>
-          </a:effectLst>
-        </p:spPr>
-      </p:pic>
     </p:spTree>
   </p:cSld>
   <p:clrMapOvr>
@@ -12562,14 +12616,14 @@
       </p:grpSpPr>
       <p:sp>
         <p:nvSpPr>
-          <p:cNvPr id="165" name="Google Shape;165;p17"/>
+          <p:cNvPr id="165" name="Google Shape;165;p16"/>
           <p:cNvSpPr txBox="1"/>
           <p:nvPr/>
         </p:nvSpPr>
         <p:spPr>
           <a:xfrm>
-            <a:off x="472149" y="76150"/>
-            <a:ext cx="8056800" cy="523200"/>
+            <a:off x="130600" y="0"/>
+            <a:ext cx="8408400" cy="954300"/>
           </a:xfrm>
           <a:prstGeom prst="rect">
             <a:avLst/>
@@ -12605,18 +12659,58 @@
             <a:r>
               <a:rPr b="1" i="0" lang="en-GB" sz="2800" u="none" cap="none" strike="noStrike">
                 <a:solidFill>
-                  <a:srgbClr val="363636"/>
+                  <a:schemeClr val="dk1"/>
                 </a:solidFill>
                 <a:latin typeface="Arial Rounded"/>
                 <a:ea typeface="Arial Rounded"/>
                 <a:cs typeface="Arial Rounded"/>
                 <a:sym typeface="Arial Rounded"/>
               </a:rPr>
-              <a:t>Scope of Improvement</a:t>
+              <a:t>Limitations</a:t>
+            </a:r>
+            <a:endParaRPr b="0" i="0" sz="1400" u="none" cap="none" strike="noStrike">
+              <a:solidFill>
+                <a:srgbClr val="000000"/>
+              </a:solidFill>
+              <a:latin typeface="Arial"/>
+              <a:ea typeface="Arial"/>
+              <a:cs typeface="Arial"/>
+              <a:sym typeface="Arial"/>
+            </a:endParaRPr>
+          </a:p>
+          <a:p>
+            <a:pPr indent="0" lvl="0" marL="0" marR="0" rtl="0" algn="l">
+              <a:lnSpc>
+                <a:spcPct val="100000"/>
+              </a:lnSpc>
+              <a:spcBef>
+                <a:spcPts val="0"/>
+              </a:spcBef>
+              <a:spcAft>
+                <a:spcPts val="0"/>
+              </a:spcAft>
+              <a:buClr>
+                <a:srgbClr val="000000"/>
+              </a:buClr>
+              <a:buSzPts val="2800"/>
+              <a:buFont typeface="Arial"/>
+              <a:buNone/>
+            </a:pPr>
+            <a:r>
+              <a:rPr b="1" i="0" lang="en-GB" sz="2800" u="none" cap="none" strike="noStrike">
+                <a:solidFill>
+                  <a:schemeClr val="dk1"/>
+                </a:solidFill>
+                <a:latin typeface="Arial Rounded"/>
+                <a:ea typeface="Arial Rounded"/>
+                <a:cs typeface="Arial Rounded"/>
+                <a:sym typeface="Arial Rounded"/>
+              </a:rPr>
+              <a:t> </a:t>
             </a:r>
             <a:endParaRPr b="1" i="0" sz="2800" u="none" cap="none" strike="noStrike">
               <a:solidFill>
-                <a:srgbClr val="363636"/>
+                <a:schemeClr val="dk1"/>
               </a:solidFill>
               <a:latin typeface="Arial Rounded"/>
               <a:ea typeface="Arial Rounded"/>
@@ -12628,13 +12722,13 @@
       </p:sp>
       <p:sp>
         <p:nvSpPr>
-          <p:cNvPr id="166" name="Google Shape;166;p17"/>
+          <p:cNvPr id="166" name="Google Shape;166;p16"/>
           <p:cNvSpPr txBox="1"/>
           <p:nvPr/>
         </p:nvSpPr>
         <p:spPr>
           <a:xfrm>
-            <a:off x="3208425" y="800275"/>
+            <a:off x="3268675" y="893225"/>
             <a:ext cx="5389500" cy="3694200"/>
           </a:xfrm>
           <a:prstGeom prst="rect">
@@ -12651,7 +12745,7 @@
           </a:bodyPr>
           <a:lstStyle/>
           <a:p>
-            <a:pPr indent="-292100" lvl="0" marL="285750" marR="0" rtl="0" algn="l">
+            <a:pPr indent="-285750" lvl="0" marL="285750" marR="0" rtl="0" algn="l">
               <a:lnSpc>
                 <a:spcPct val="100000"/>
               </a:lnSpc>
@@ -12665,130 +12759,165 @@
                 <a:srgbClr val="000000"/>
               </a:buClr>
               <a:buSzPts val="1800"/>
-              <a:buFont typeface="Noto Sans Symbols"/>
-              <a:buChar char="★"/>
+              <a:buChar char="❖"/>
             </a:pPr>
             <a:r>
-              <a:rPr b="0" i="0" lang="en-GB" sz="1800" u="none" cap="none" strike="noStrike">
+              <a:rPr i="0" lang="en-GB" sz="1800" u="none" cap="none" strike="noStrike">
                 <a:solidFill>
                   <a:schemeClr val="accent2"/>
                 </a:solidFill>
-                <a:latin typeface="Montserrat"/>
-                <a:ea typeface="Montserrat"/>
-                <a:cs typeface="Montserrat"/>
-                <a:sym typeface="Montserrat"/>
               </a:rPr>
-              <a:t>As dataset has less number of features to decide a property, more features can be added like bedroom, bathroom, property age (it might be one of the most important one),  tax rate, distance to nearest airport, hospital, metro station or schools etc.</a:t>
+              <a:t>Dataset features in terms of modern world, are of very poor quality in deciding the valuation of a property</a:t>
+            </a:r>
+            <a:endParaRPr i="0" sz="1800" u="none" cap="none" strike="noStrike">
+              <a:solidFill>
+                <a:schemeClr val="accent2"/>
+              </a:solidFill>
+            </a:endParaRPr>
+          </a:p>
+          <a:p>
+            <a:pPr indent="-285750" lvl="0" marL="285750" marR="0" rtl="0" algn="l">
+              <a:lnSpc>
+                <a:spcPct val="100000"/>
+              </a:lnSpc>
+              <a:spcBef>
+                <a:spcPts val="0"/>
+              </a:spcBef>
+              <a:spcAft>
+                <a:spcPts val="0"/>
+              </a:spcAft>
+              <a:buClr>
+                <a:srgbClr val="000000"/>
+              </a:buClr>
+              <a:buSzPts val="1800"/>
+              <a:buChar char="❖"/>
+            </a:pPr>
+            <a:r>
+              <a:rPr i="0" lang="en-GB" sz="1800" u="none" cap="none" strike="noStrike">
+                <a:solidFill>
+                  <a:schemeClr val="accent2"/>
+                </a:solidFill>
+              </a:rPr>
+              <a:t>User ratings of hosts aren’t available, it would’ve been better to rank our hosts based on user  satisfaction and ratings. Normally a low rated property tends to lower their price.</a:t>
+            </a:r>
+            <a:endParaRPr i="0" sz="1800" u="none" cap="none" strike="noStrike">
+              <a:solidFill>
+                <a:schemeClr val="accent2"/>
+              </a:solidFill>
+            </a:endParaRPr>
+          </a:p>
+          <a:p>
+            <a:pPr indent="-285750" lvl="0" marL="285750" marR="0" rtl="0" algn="l">
+              <a:lnSpc>
+                <a:spcPct val="100000"/>
+              </a:lnSpc>
+              <a:spcBef>
+                <a:spcPts val="0"/>
+              </a:spcBef>
+              <a:spcAft>
+                <a:spcPts val="0"/>
+              </a:spcAft>
+              <a:buClr>
+                <a:srgbClr val="000000"/>
+              </a:buClr>
+              <a:buSzPts val="1800"/>
+              <a:buChar char="❖"/>
+            </a:pPr>
+            <a:r>
+              <a:rPr i="0" lang="en-GB" sz="1800" u="none" cap="none" strike="noStrike">
+                <a:solidFill>
+                  <a:schemeClr val="accent2"/>
+                </a:solidFill>
+              </a:rPr>
+              <a:t>In order to have a better analysis regarding the quality of the properties, it would be interesting if we had an analysis of sentiments with property valuations.</a:t>
+            </a:r>
+            <a:endParaRPr i="0" sz="1800" u="none" cap="none" strike="noStrike">
+              <a:solidFill>
+                <a:schemeClr val="accent2"/>
+              </a:solidFill>
+            </a:endParaRPr>
+          </a:p>
+          <a:p>
+            <a:pPr indent="-285750" lvl="0" marL="285750" marR="0" rtl="0" algn="l">
+              <a:lnSpc>
+                <a:spcPct val="100000"/>
+              </a:lnSpc>
+              <a:spcBef>
+                <a:spcPts val="0"/>
+              </a:spcBef>
+              <a:spcAft>
+                <a:spcPts val="0"/>
+              </a:spcAft>
+              <a:buClr>
+                <a:srgbClr val="000000"/>
+              </a:buClr>
+              <a:buSzPts val="1800"/>
+              <a:buChar char="❖"/>
+            </a:pPr>
+            <a:r>
+              <a:rPr i="0" lang="en-GB" sz="1800" u="none" cap="none" strike="noStrike">
+                <a:solidFill>
+                  <a:schemeClr val="accent2"/>
+                </a:solidFill>
+              </a:rPr>
+              <a:t>The exact number of guests count also missing</a:t>
+            </a:r>
+            <a:endParaRPr i="0" sz="1800" u="none" cap="none" strike="noStrike">
+              <a:solidFill>
+                <a:schemeClr val="accent2"/>
+              </a:solidFill>
+            </a:endParaRPr>
+          </a:p>
+          <a:p>
+            <a:pPr indent="-285750" lvl="0" marL="285750" marR="0" rtl="0" algn="l">
+              <a:lnSpc>
+                <a:spcPct val="100000"/>
+              </a:lnSpc>
+              <a:spcBef>
+                <a:spcPts val="0"/>
+              </a:spcBef>
+              <a:spcAft>
+                <a:spcPts val="0"/>
+              </a:spcAft>
+              <a:buClr>
+                <a:schemeClr val="accent2"/>
+              </a:buClr>
+              <a:buSzPts val="1800"/>
+              <a:buChar char="❖"/>
+            </a:pPr>
+            <a:r>
+              <a:rPr lang="en-GB" sz="1800">
+                <a:highlight>
+                  <a:srgbClr val="FFFFFF"/>
+                </a:highlight>
+              </a:rPr>
+              <a:t>Here we can see that there is minimum price $0.</a:t>
             </a:r>
             <a:endParaRPr sz="1800">
               <a:solidFill>
                 <a:schemeClr val="accent2"/>
               </a:solidFill>
-              <a:latin typeface="Montserrat"/>
-              <a:ea typeface="Montserrat"/>
-              <a:cs typeface="Montserrat"/>
-              <a:sym typeface="Montserrat"/>
-            </a:endParaRPr>
-          </a:p>
-          <a:p>
-            <a:pPr indent="-292100" lvl="0" marL="285750" marR="0" rtl="0" algn="l">
-              <a:lnSpc>
-                <a:spcPct val="100000"/>
-              </a:lnSpc>
-              <a:spcBef>
-                <a:spcPts val="0"/>
-              </a:spcBef>
-              <a:spcAft>
-                <a:spcPts val="0"/>
-              </a:spcAft>
-              <a:buClr>
-                <a:srgbClr val="000000"/>
-              </a:buClr>
-              <a:buSzPts val="1800"/>
-              <a:buFont typeface="Noto Sans Symbols"/>
-              <a:buChar char="★"/>
-            </a:pPr>
-            <a:r>
-              <a:rPr lang="en-GB" sz="1800">
-                <a:solidFill>
-                  <a:schemeClr val="accent2"/>
-                </a:solidFill>
-                <a:latin typeface="Montserrat"/>
-                <a:ea typeface="Montserrat"/>
-                <a:cs typeface="Montserrat"/>
-                <a:sym typeface="Montserrat"/>
-              </a:rPr>
-              <a:t>In presence of ratings, hosts can be classified and ranked, gives a special discount or offer to highest rated hosts following marketing strategy.</a:t>
-            </a:r>
-            <a:endParaRPr sz="1800">
-              <a:solidFill>
-                <a:schemeClr val="accent2"/>
-              </a:solidFill>
-              <a:latin typeface="Montserrat"/>
-              <a:ea typeface="Montserrat"/>
-              <a:cs typeface="Montserrat"/>
-              <a:sym typeface="Montserrat"/>
-            </a:endParaRPr>
-          </a:p>
-          <a:p>
-            <a:pPr indent="-292100" lvl="0" marL="285750" marR="0" rtl="0" algn="l">
-              <a:lnSpc>
-                <a:spcPct val="100000"/>
-              </a:lnSpc>
-              <a:spcBef>
-                <a:spcPts val="0"/>
-              </a:spcBef>
-              <a:spcAft>
-                <a:spcPts val="0"/>
-              </a:spcAft>
-              <a:buClr>
-                <a:srgbClr val="000000"/>
-              </a:buClr>
-              <a:buSzPts val="1800"/>
-              <a:buFont typeface="Noto Sans Symbols"/>
-              <a:buChar char="★"/>
-            </a:pPr>
-            <a:r>
-              <a:rPr lang="en-GB" sz="1800">
-                <a:solidFill>
-                  <a:schemeClr val="accent2"/>
-                </a:solidFill>
-                <a:latin typeface="Montserrat"/>
-                <a:ea typeface="Montserrat"/>
-                <a:cs typeface="Montserrat"/>
-                <a:sym typeface="Montserrat"/>
-              </a:rPr>
-              <a:t>Time series analysis can be done to make decision on the rate in the tourist season.</a:t>
-            </a:r>
-            <a:endParaRPr sz="1800">
-              <a:solidFill>
-                <a:schemeClr val="accent2"/>
-              </a:solidFill>
-              <a:latin typeface="Montserrat"/>
-              <a:ea typeface="Montserrat"/>
-              <a:cs typeface="Montserrat"/>
-              <a:sym typeface="Montserrat"/>
             </a:endParaRPr>
           </a:p>
         </p:txBody>
       </p:sp>
       <p:pic>
         <p:nvPicPr>
-          <p:cNvPr id="167" name="Google Shape;167;p17"/>
+          <p:cNvPr id="167" name="Google Shape;167;p16"/>
           <p:cNvPicPr preferRelativeResize="0"/>
           <p:nvPr/>
         </p:nvPicPr>
         <p:blipFill rotWithShape="1">
           <a:blip r:embed="rId3">
-            <a:alphaModFix/>
+            <a:alphaModFix amt="70000"/>
           </a:blip>
           <a:srcRect b="0" l="0" r="0" t="0"/>
           <a:stretch/>
         </p:blipFill>
         <p:spPr>
           <a:xfrm>
-            <a:off x="190875" y="1374431"/>
-            <a:ext cx="2657107" cy="2882200"/>
+            <a:off x="321475" y="1692575"/>
+            <a:ext cx="2642076" cy="2144949"/>
           </a:xfrm>
           <a:prstGeom prst="rect">
             <a:avLst/>
@@ -12797,6 +12926,13 @@
           <a:ln>
             <a:noFill/>
           </a:ln>
+          <a:effectLst>
+            <a:outerShdw blurRad="292100" rotWithShape="0" algn="tl" dir="2700000" dist="139700">
+              <a:srgbClr val="333333">
+                <a:alpha val="64313"/>
+              </a:srgbClr>
+            </a:outerShdw>
+          </a:effectLst>
         </p:spPr>
       </p:pic>
     </p:spTree>
@@ -13187,15 +13323,7 @@
                   <a:schemeClr val="accent2"/>
                 </a:solidFill>
               </a:rPr>
-              <a:t>Preferred</a:t>
-            </a:r>
-            <a:r>
-              <a:rPr lang="en-GB" sz="2200">
-                <a:solidFill>
-                  <a:schemeClr val="accent2"/>
-                </a:solidFill>
-              </a:rPr>
-              <a:t> room types</a:t>
+              <a:t>Preferred room types</a:t>
             </a:r>
             <a:endParaRPr sz="2200">
               <a:solidFill>
@@ -13352,13 +13480,277 @@
       </p:grpSpPr>
       <p:sp>
         <p:nvSpPr>
-          <p:cNvPr id="172" name="Google Shape;172;p18"/>
+          <p:cNvPr id="172" name="Google Shape;172;p17"/>
           <p:cNvSpPr txBox="1"/>
           <p:nvPr/>
         </p:nvSpPr>
         <p:spPr>
           <a:xfrm>
-            <a:off x="90425" y="347375"/>
+            <a:off x="472149" y="76150"/>
+            <a:ext cx="8056800" cy="523200"/>
+          </a:xfrm>
+          <a:prstGeom prst="rect">
+            <a:avLst/>
+          </a:prstGeom>
+          <a:noFill/>
+          <a:ln>
+            <a:noFill/>
+          </a:ln>
+        </p:spPr>
+        <p:txBody>
+          <a:bodyPr anchorCtr="0" anchor="t" bIns="45700" lIns="91425" spcFirstLastPara="1" rIns="91425" wrap="square" tIns="45700">
+            <a:spAutoFit/>
+          </a:bodyPr>
+          <a:lstStyle/>
+          <a:p>
+            <a:pPr indent="0" lvl="0" marL="0" marR="0" rtl="0" algn="ctr">
+              <a:lnSpc>
+                <a:spcPct val="100000"/>
+              </a:lnSpc>
+              <a:spcBef>
+                <a:spcPts val="0"/>
+              </a:spcBef>
+              <a:spcAft>
+                <a:spcPts val="0"/>
+              </a:spcAft>
+              <a:buClr>
+                <a:srgbClr val="000000"/>
+              </a:buClr>
+              <a:buSzPts val="2800"/>
+              <a:buFont typeface="Arial"/>
+              <a:buNone/>
+            </a:pPr>
+            <a:r>
+              <a:rPr b="1" i="0" lang="en-GB" sz="2800" u="none" cap="none" strike="noStrike">
+                <a:solidFill>
+                  <a:srgbClr val="363636"/>
+                </a:solidFill>
+                <a:latin typeface="Arial Rounded"/>
+                <a:ea typeface="Arial Rounded"/>
+                <a:cs typeface="Arial Rounded"/>
+                <a:sym typeface="Arial Rounded"/>
+              </a:rPr>
+              <a:t>Scope of Improvement</a:t>
+            </a:r>
+            <a:endParaRPr b="1" i="0" sz="2800" u="none" cap="none" strike="noStrike">
+              <a:solidFill>
+                <a:srgbClr val="363636"/>
+              </a:solidFill>
+              <a:latin typeface="Arial Rounded"/>
+              <a:ea typeface="Arial Rounded"/>
+              <a:cs typeface="Arial Rounded"/>
+              <a:sym typeface="Arial Rounded"/>
+            </a:endParaRPr>
+          </a:p>
+        </p:txBody>
+      </p:sp>
+      <p:sp>
+        <p:nvSpPr>
+          <p:cNvPr id="173" name="Google Shape;173;p17"/>
+          <p:cNvSpPr txBox="1"/>
+          <p:nvPr/>
+        </p:nvSpPr>
+        <p:spPr>
+          <a:xfrm>
+            <a:off x="3208425" y="800275"/>
+            <a:ext cx="5389500" cy="3694200"/>
+          </a:xfrm>
+          <a:prstGeom prst="rect">
+            <a:avLst/>
+          </a:prstGeom>
+          <a:noFill/>
+          <a:ln>
+            <a:noFill/>
+          </a:ln>
+        </p:spPr>
+        <p:txBody>
+          <a:bodyPr anchorCtr="0" anchor="t" bIns="45700" lIns="91425" spcFirstLastPara="1" rIns="91425" wrap="square" tIns="45700">
+            <a:spAutoFit/>
+          </a:bodyPr>
+          <a:lstStyle/>
+          <a:p>
+            <a:pPr indent="-285750" lvl="0" marL="285750" marR="0" rtl="0" algn="l">
+              <a:lnSpc>
+                <a:spcPct val="100000"/>
+              </a:lnSpc>
+              <a:spcBef>
+                <a:spcPts val="0"/>
+              </a:spcBef>
+              <a:spcAft>
+                <a:spcPts val="0"/>
+              </a:spcAft>
+              <a:buClr>
+                <a:srgbClr val="000000"/>
+              </a:buClr>
+              <a:buSzPts val="1800"/>
+              <a:buFont typeface="Noto Sans"/>
+              <a:buChar char="★"/>
+            </a:pPr>
+            <a:r>
+              <a:rPr b="0" i="0" lang="en-GB" sz="1800" u="none" cap="none" strike="noStrike">
+                <a:solidFill>
+                  <a:schemeClr val="accent2"/>
+                </a:solidFill>
+                <a:latin typeface="Montserrat"/>
+                <a:ea typeface="Montserrat"/>
+                <a:cs typeface="Montserrat"/>
+                <a:sym typeface="Montserrat"/>
+              </a:rPr>
+              <a:t>As dataset has less number of features to decide a property, more features can be added like bedroom, bathroom, property age (it might be one of the most important one),  tax rate, distance to nearest airport, hospital, metro station or schools etc.</a:t>
+            </a:r>
+            <a:endParaRPr b="0" i="0" sz="1800" u="none" cap="none" strike="noStrike">
+              <a:solidFill>
+                <a:schemeClr val="accent2"/>
+              </a:solidFill>
+              <a:latin typeface="Montserrat"/>
+              <a:ea typeface="Montserrat"/>
+              <a:cs typeface="Montserrat"/>
+              <a:sym typeface="Montserrat"/>
+            </a:endParaRPr>
+          </a:p>
+          <a:p>
+            <a:pPr indent="-285750" lvl="0" marL="285750" marR="0" rtl="0" algn="l">
+              <a:lnSpc>
+                <a:spcPct val="100000"/>
+              </a:lnSpc>
+              <a:spcBef>
+                <a:spcPts val="0"/>
+              </a:spcBef>
+              <a:spcAft>
+                <a:spcPts val="0"/>
+              </a:spcAft>
+              <a:buClr>
+                <a:srgbClr val="000000"/>
+              </a:buClr>
+              <a:buSzPts val="1800"/>
+              <a:buFont typeface="Noto Sans"/>
+              <a:buChar char="★"/>
+            </a:pPr>
+            <a:r>
+              <a:rPr b="0" i="0" lang="en-GB" sz="1800" u="none" cap="none" strike="noStrike">
+                <a:solidFill>
+                  <a:schemeClr val="accent2"/>
+                </a:solidFill>
+                <a:latin typeface="Montserrat"/>
+                <a:ea typeface="Montserrat"/>
+                <a:cs typeface="Montserrat"/>
+                <a:sym typeface="Montserrat"/>
+              </a:rPr>
+              <a:t>In presence of ratings, hosts can be classified and ranked, gives a special discount or offer to highest rated hosts following marketing strategy.</a:t>
+            </a:r>
+            <a:endParaRPr b="0" i="0" sz="1800" u="none" cap="none" strike="noStrike">
+              <a:solidFill>
+                <a:schemeClr val="accent2"/>
+              </a:solidFill>
+              <a:latin typeface="Montserrat"/>
+              <a:ea typeface="Montserrat"/>
+              <a:cs typeface="Montserrat"/>
+              <a:sym typeface="Montserrat"/>
+            </a:endParaRPr>
+          </a:p>
+          <a:p>
+            <a:pPr indent="-285750" lvl="0" marL="285750" marR="0" rtl="0" algn="l">
+              <a:lnSpc>
+                <a:spcPct val="100000"/>
+              </a:lnSpc>
+              <a:spcBef>
+                <a:spcPts val="0"/>
+              </a:spcBef>
+              <a:spcAft>
+                <a:spcPts val="0"/>
+              </a:spcAft>
+              <a:buClr>
+                <a:srgbClr val="000000"/>
+              </a:buClr>
+              <a:buSzPts val="1800"/>
+              <a:buFont typeface="Noto Sans"/>
+              <a:buChar char="★"/>
+            </a:pPr>
+            <a:r>
+              <a:rPr b="0" i="0" lang="en-GB" sz="1800" u="none" cap="none" strike="noStrike">
+                <a:solidFill>
+                  <a:schemeClr val="accent2"/>
+                </a:solidFill>
+                <a:latin typeface="Montserrat"/>
+                <a:ea typeface="Montserrat"/>
+                <a:cs typeface="Montserrat"/>
+                <a:sym typeface="Montserrat"/>
+              </a:rPr>
+              <a:t>Time series analysis can be done to make decision on the rate in the tourist season.</a:t>
+            </a:r>
+            <a:endParaRPr b="0" i="0" sz="1800" u="none" cap="none" strike="noStrike">
+              <a:solidFill>
+                <a:schemeClr val="accent2"/>
+              </a:solidFill>
+              <a:latin typeface="Montserrat"/>
+              <a:ea typeface="Montserrat"/>
+              <a:cs typeface="Montserrat"/>
+              <a:sym typeface="Montserrat"/>
+            </a:endParaRPr>
+          </a:p>
+        </p:txBody>
+      </p:sp>
+      <p:pic>
+        <p:nvPicPr>
+          <p:cNvPr id="174" name="Google Shape;174;p17"/>
+          <p:cNvPicPr preferRelativeResize="0"/>
+          <p:nvPr/>
+        </p:nvPicPr>
+        <p:blipFill rotWithShape="1">
+          <a:blip r:embed="rId3">
+            <a:alphaModFix/>
+          </a:blip>
+          <a:srcRect b="0" l="0" r="0" t="0"/>
+          <a:stretch/>
+        </p:blipFill>
+        <p:spPr>
+          <a:xfrm>
+            <a:off x="190875" y="1374431"/>
+            <a:ext cx="2657107" cy="2882200"/>
+          </a:xfrm>
+          <a:prstGeom prst="rect">
+            <a:avLst/>
+          </a:prstGeom>
+          <a:noFill/>
+          <a:ln>
+            <a:noFill/>
+          </a:ln>
+        </p:spPr>
+      </p:pic>
+    </p:spTree>
+  </p:cSld>
+  <p:clrMapOvr>
+    <a:masterClrMapping/>
+  </p:clrMapOvr>
+</p:sld>
+</file>
+
+<file path=ppt/slides/slide21.xml><?xml version="1.0" encoding="utf-8"?>
+<p:sld xmlns:a="http://schemas.openxmlformats.org/drawingml/2006/main" xmlns:r="http://schemas.openxmlformats.org/officeDocument/2006/relationships" xmlns:mc="http://schemas.openxmlformats.org/markup-compatibility/2006" xmlns:mv="urn:schemas-microsoft-com:mac:vml" xmlns:p="http://schemas.openxmlformats.org/presentationml/2006/main" xmlns:c="http://schemas.openxmlformats.org/drawingml/2006/chart" xmlns:dgm="http://schemas.openxmlformats.org/drawingml/2006/diagram" xmlns:o="urn:schemas-microsoft-com:office:office" xmlns:v="urn:schemas-microsoft-com:vml" xmlns:pvml="urn:schemas-microsoft-com:office:powerpoint" xmlns:com="http://schemas.openxmlformats.org/drawingml/2006/compatibility" xmlns:p14="http://schemas.microsoft.com/office/powerpoint/2010/main" xmlns:p15="http://schemas.microsoft.com/office/powerpoint/2012/main" xmlns:ahyp="http://schemas.microsoft.com/office/drawing/2018/hyperlinkcolor">
+  <p:cSld>
+    <p:spTree>
+      <p:nvGrpSpPr>
+        <p:cNvPr id="178" name="Shape 178"/>
+        <p:cNvGrpSpPr/>
+        <p:nvPr/>
+      </p:nvGrpSpPr>
+      <p:grpSpPr>
+        <a:xfrm>
+          <a:off x="0" y="0"/>
+          <a:ext cx="0" cy="0"/>
+          <a:chOff x="0" y="0"/>
+          <a:chExt cx="0" cy="0"/>
+        </a:xfrm>
+      </p:grpSpPr>
+      <p:sp>
+        <p:nvSpPr>
+          <p:cNvPr id="179" name="Google Shape;179;p18"/>
+          <p:cNvSpPr txBox="1"/>
+          <p:nvPr/>
+        </p:nvSpPr>
+        <p:spPr>
+          <a:xfrm>
+            <a:off x="90425" y="177500"/>
             <a:ext cx="8388300" cy="492600"/>
           </a:xfrm>
           <a:prstGeom prst="rect">
@@ -13418,14 +13810,14 @@
       </p:sp>
       <p:sp>
         <p:nvSpPr>
-          <p:cNvPr id="173" name="Google Shape;173;p18"/>
+          <p:cNvPr id="180" name="Google Shape;180;p18"/>
           <p:cNvSpPr txBox="1"/>
           <p:nvPr/>
         </p:nvSpPr>
         <p:spPr>
           <a:xfrm>
-            <a:off x="3262751" y="960320"/>
-            <a:ext cx="5389500" cy="3294000"/>
+            <a:off x="3262750" y="609425"/>
+            <a:ext cx="5389500" cy="4281300"/>
           </a:xfrm>
           <a:prstGeom prst="rect">
             <a:avLst/>
@@ -13441,162 +13833,228 @@
           </a:bodyPr>
           <a:lstStyle/>
           <a:p>
-            <a:pPr indent="-285750" lvl="0" marL="285750" marR="0" rtl="0" algn="l">
-              <a:lnSpc>
-                <a:spcPct val="100000"/>
-              </a:lnSpc>
-              <a:spcBef>
-                <a:spcPts val="0"/>
-              </a:spcBef>
-              <a:spcAft>
-                <a:spcPts val="0"/>
-              </a:spcAft>
-              <a:buClr>
-                <a:srgbClr val="000000"/>
-              </a:buClr>
-              <a:buSzPts val="1600"/>
-              <a:buFont typeface="Noto Sans Symbols"/>
-              <a:buChar char="⮚"/>
+            <a:pPr indent="0" lvl="0" marL="0" rtl="0" algn="l">
+              <a:lnSpc>
+                <a:spcPct val="115000"/>
+              </a:lnSpc>
+              <a:spcBef>
+                <a:spcPts val="600"/>
+              </a:spcBef>
+              <a:spcAft>
+                <a:spcPts val="0"/>
+              </a:spcAft>
+              <a:buNone/>
             </a:pPr>
             <a:r>
-              <a:rPr b="0" i="0" lang="en-GB" sz="1600" u="none" cap="none" strike="noStrike">
+              <a:rPr i="1" lang="en-GB" sz="1300">
                 <a:solidFill>
                   <a:schemeClr val="accent2"/>
                 </a:solidFill>
-                <a:latin typeface="Montserrat"/>
-                <a:ea typeface="Montserrat"/>
-                <a:cs typeface="Montserrat"/>
-                <a:sym typeface="Montserrat"/>
+                <a:highlight>
+                  <a:srgbClr val="FFFFFF"/>
+                </a:highlight>
               </a:rPr>
-              <a:t>Most visitors don’t prefer shared rooms, they tend to visit private room or entire home.</a:t>
-            </a:r>
-            <a:endParaRPr sz="1600">
+              <a:t>From the entire analysis, it can be concluded that</a:t>
+            </a:r>
+            <a:endParaRPr i="1" sz="1300">
               <a:solidFill>
                 <a:schemeClr val="accent2"/>
               </a:solidFill>
-              <a:latin typeface="Montserrat"/>
-              <a:ea typeface="Montserrat"/>
-              <a:cs typeface="Montserrat"/>
-              <a:sym typeface="Montserrat"/>
+              <a:highlight>
+                <a:srgbClr val="FFFFFF"/>
+              </a:highlight>
             </a:endParaRPr>
           </a:p>
           <a:p>
-            <a:pPr indent="-285750" lvl="0" marL="285750" marR="0" rtl="0" algn="l">
-              <a:lnSpc>
-                <a:spcPct val="100000"/>
-              </a:lnSpc>
-              <a:spcBef>
-                <a:spcPts val="0"/>
-              </a:spcBef>
-              <a:spcAft>
-                <a:spcPts val="0"/>
-              </a:spcAft>
-              <a:buClr>
-                <a:srgbClr val="000000"/>
-              </a:buClr>
-              <a:buSzPts val="1600"/>
-              <a:buFont typeface="Noto Sans Symbols"/>
-              <a:buChar char="⮚"/>
+            <a:pPr indent="-311150" lvl="0" marL="457200" rtl="0" algn="l">
+              <a:lnSpc>
+                <a:spcPct val="115000"/>
+              </a:lnSpc>
+              <a:spcBef>
+                <a:spcPts val="600"/>
+              </a:spcBef>
+              <a:spcAft>
+                <a:spcPts val="0"/>
+              </a:spcAft>
+              <a:buClr>
+                <a:schemeClr val="accent2"/>
+              </a:buClr>
+              <a:buSzPts val="1300"/>
+              <a:buChar char="❖"/>
             </a:pPr>
             <a:r>
-              <a:rPr lang="en-GB" sz="1600">
+              <a:rPr lang="en-GB" sz="1300">
                 <a:solidFill>
                   <a:schemeClr val="accent2"/>
                 </a:solidFill>
-                <a:latin typeface="Montserrat"/>
-                <a:ea typeface="Montserrat"/>
-                <a:cs typeface="Montserrat"/>
-                <a:sym typeface="Montserrat"/>
+                <a:highlight>
+                  <a:srgbClr val="FFFFFF"/>
+                </a:highlight>
               </a:rPr>
-              <a:t>Manhattan and Brooklyn are the two distinguished, expensive &amp; posh areas of NY</a:t>
-            </a:r>
-            <a:endParaRPr sz="1600">
+              <a:t>Most visitors room is entire home/apt which is 52 percent after that private room which is 45.7 percent and least prefered room is shared room which is 2.4 percent.</a:t>
+            </a:r>
+            <a:endParaRPr sz="1300">
               <a:solidFill>
                 <a:schemeClr val="accent2"/>
               </a:solidFill>
-              <a:latin typeface="Montserrat"/>
-              <a:ea typeface="Montserrat"/>
-              <a:cs typeface="Montserrat"/>
-              <a:sym typeface="Montserrat"/>
+              <a:highlight>
+                <a:srgbClr val="FFFFFF"/>
+              </a:highlight>
             </a:endParaRPr>
           </a:p>
           <a:p>
-            <a:pPr indent="-285750" lvl="0" marL="285750" marR="0" rtl="0" algn="l">
-              <a:lnSpc>
-                <a:spcPct val="100000"/>
-              </a:lnSpc>
-              <a:spcBef>
-                <a:spcPts val="0"/>
-              </a:spcBef>
-              <a:spcAft>
-                <a:spcPts val="0"/>
-              </a:spcAft>
-              <a:buClr>
-                <a:srgbClr val="000000"/>
-              </a:buClr>
-              <a:buSzPts val="1600"/>
-              <a:buFont typeface="Noto Sans Symbols"/>
-              <a:buChar char="⮚"/>
+            <a:pPr indent="-311150" lvl="0" marL="457200" rtl="0" algn="l">
+              <a:lnSpc>
+                <a:spcPct val="115000"/>
+              </a:lnSpc>
+              <a:spcBef>
+                <a:spcPts val="0"/>
+              </a:spcBef>
+              <a:spcAft>
+                <a:spcPts val="0"/>
+              </a:spcAft>
+              <a:buClr>
+                <a:schemeClr val="accent2"/>
+              </a:buClr>
+              <a:buSzPts val="1300"/>
+              <a:buChar char="❖"/>
             </a:pPr>
             <a:r>
-              <a:rPr lang="en-GB" sz="1600">
+              <a:rPr lang="en-GB" sz="1300">
                 <a:solidFill>
                   <a:schemeClr val="accent2"/>
                 </a:solidFill>
-                <a:latin typeface="Montserrat"/>
-                <a:ea typeface="Montserrat"/>
-                <a:cs typeface="Montserrat"/>
-                <a:sym typeface="Montserrat"/>
+                <a:highlight>
+                  <a:srgbClr val="FFFFFF"/>
+                </a:highlight>
               </a:rPr>
-              <a:t>Though location of property has high relation on deciding its price, but a property in popular location doesn’t mean it will stay occupied in most of the time.</a:t>
-            </a:r>
-            <a:endParaRPr/>
-          </a:p>
-          <a:p>
-            <a:pPr indent="-285750" lvl="0" marL="285750" marR="0" rtl="0" algn="l">
-              <a:lnSpc>
-                <a:spcPct val="100000"/>
-              </a:lnSpc>
-              <a:spcBef>
-                <a:spcPts val="0"/>
-              </a:spcBef>
-              <a:spcAft>
-                <a:spcPts val="0"/>
-              </a:spcAft>
-              <a:buClr>
-                <a:srgbClr val="000000"/>
-              </a:buClr>
-              <a:buSzPts val="1600"/>
-              <a:buFont typeface="Noto Sans Symbols"/>
-              <a:buChar char="⮚"/>
-            </a:pPr>
-            <a:r>
-              <a:rPr lang="en-GB" sz="1600">
-                <a:solidFill>
-                  <a:schemeClr val="accent2"/>
-                </a:solidFill>
-                <a:latin typeface="Montserrat"/>
-                <a:ea typeface="Montserrat"/>
-                <a:cs typeface="Montserrat"/>
-                <a:sym typeface="Montserrat"/>
-              </a:rPr>
-              <a:t>It’d be a better if we had avg guest ratings of a property, that would be beneficial in understanding the property more and could also be a factor in deciding price. A low rated property tends to lower their price.</a:t>
-            </a:r>
-            <a:endParaRPr sz="1600">
+              <a:t>Manhattan has the highest price for room types with Entire home/apt ranging to nearly 249$/night, followed by Private room with 116$/night. </a:t>
+            </a:r>
+            <a:endParaRPr sz="1300">
               <a:solidFill>
                 <a:schemeClr val="accent2"/>
               </a:solidFill>
-              <a:latin typeface="Montserrat"/>
-              <a:ea typeface="Montserrat"/>
-              <a:cs typeface="Montserrat"/>
-              <a:sym typeface="Montserrat"/>
+              <a:highlight>
+                <a:srgbClr val="FFFFFF"/>
+              </a:highlight>
+            </a:endParaRPr>
+          </a:p>
+          <a:p>
+            <a:pPr indent="-311150" lvl="0" marL="457200" rtl="0" algn="l">
+              <a:lnSpc>
+                <a:spcPct val="115000"/>
+              </a:lnSpc>
+              <a:spcBef>
+                <a:spcPts val="0"/>
+              </a:spcBef>
+              <a:spcAft>
+                <a:spcPts val="0"/>
+              </a:spcAft>
+              <a:buClr>
+                <a:schemeClr val="accent2"/>
+              </a:buClr>
+              <a:buSzPts val="1300"/>
+              <a:buChar char="❖"/>
+            </a:pPr>
+            <a:r>
+              <a:rPr lang="en-GB" sz="1300">
+                <a:solidFill>
+                  <a:schemeClr val="accent2"/>
+                </a:solidFill>
+                <a:highlight>
+                  <a:srgbClr val="FFFFFF"/>
+                </a:highlight>
+              </a:rPr>
+              <a:t>Less preference places are staten island and Bronx.</a:t>
+            </a:r>
+            <a:endParaRPr sz="1300">
+              <a:solidFill>
+                <a:schemeClr val="accent2"/>
+              </a:solidFill>
+              <a:highlight>
+                <a:srgbClr val="FFFFFF"/>
+              </a:highlight>
+            </a:endParaRPr>
+          </a:p>
+          <a:p>
+            <a:pPr indent="-311150" lvl="0" marL="457200" rtl="0" algn="l">
+              <a:lnSpc>
+                <a:spcPct val="115000"/>
+              </a:lnSpc>
+              <a:spcBef>
+                <a:spcPts val="0"/>
+              </a:spcBef>
+              <a:spcAft>
+                <a:spcPts val="0"/>
+              </a:spcAft>
+              <a:buClr>
+                <a:schemeClr val="accent2"/>
+              </a:buClr>
+              <a:buSzPts val="1300"/>
+              <a:buChar char="❖"/>
+            </a:pPr>
+            <a:r>
+              <a:rPr lang="en-GB" sz="1300">
+                <a:solidFill>
+                  <a:schemeClr val="accent2"/>
+                </a:solidFill>
+                <a:highlight>
+                  <a:srgbClr val="FFFFFF"/>
+                </a:highlight>
+              </a:rPr>
+              <a:t>Though location of property has high relation on deciding its price, but a property in popular location doesn’t mean it will stay occupied in most of the time.</a:t>
+            </a:r>
+            <a:endParaRPr sz="1300">
+              <a:solidFill>
+                <a:schemeClr val="accent2"/>
+              </a:solidFill>
+              <a:highlight>
+                <a:srgbClr val="FFFFFF"/>
+              </a:highlight>
+            </a:endParaRPr>
+          </a:p>
+          <a:p>
+            <a:pPr indent="-311150" lvl="0" marL="457200" rtl="0" algn="l">
+              <a:lnSpc>
+                <a:spcPct val="115000"/>
+              </a:lnSpc>
+              <a:spcBef>
+                <a:spcPts val="0"/>
+              </a:spcBef>
+              <a:spcAft>
+                <a:spcPts val="0"/>
+              </a:spcAft>
+              <a:buClr>
+                <a:schemeClr val="accent2"/>
+              </a:buClr>
+              <a:buSzPts val="1300"/>
+              <a:buChar char="❖"/>
+            </a:pPr>
+            <a:r>
+              <a:rPr lang="en-GB" sz="1300">
+                <a:solidFill>
+                  <a:schemeClr val="accent2"/>
+                </a:solidFill>
+                <a:highlight>
+                  <a:srgbClr val="FFFFFF"/>
+                </a:highlight>
+              </a:rPr>
+              <a:t>Performing a regression on this dataset may result in high error rate, as the features given in this dataset, are of very poor quality in deciding the property valuation. We can see this by looking at correlation heatmap. We would need more features like bedrooms, bathroom, property age, room extra amenities, distance to nearest hospital, stores or schools. These features might have a high relation with price.</a:t>
+            </a:r>
+            <a:endParaRPr sz="1300">
+              <a:solidFill>
+                <a:schemeClr val="accent2"/>
+              </a:solidFill>
+              <a:highlight>
+                <a:srgbClr val="FFFFFF"/>
+              </a:highlight>
             </a:endParaRPr>
           </a:p>
         </p:txBody>
       </p:sp>
       <p:pic>
         <p:nvPicPr>
-          <p:cNvPr id="174" name="Google Shape;174;p18"/>
+          <p:cNvPr id="181" name="Google Shape;181;p18"/>
           <p:cNvPicPr preferRelativeResize="0"/>
           <p:nvPr/>
         </p:nvPicPr>
@@ -13623,7 +14081,7 @@
       </p:pic>
       <p:sp>
         <p:nvSpPr>
-          <p:cNvPr id="175" name="Google Shape;175;p18"/>
+          <p:cNvPr id="182" name="Google Shape;182;p18"/>
           <p:cNvSpPr txBox="1"/>
           <p:nvPr/>
         </p:nvSpPr>
@@ -13646,19 +14104,35 @@
           </a:bodyPr>
           <a:lstStyle/>
           <a:p>
-            <a:pPr indent="0" lvl="0" marL="0" rtl="0" algn="l">
-              <a:spcBef>
-                <a:spcPts val="0"/>
-              </a:spcBef>
-              <a:spcAft>
-                <a:spcPts val="0"/>
-              </a:spcAft>
+            <a:pPr indent="0" lvl="0" marL="0" marR="0" rtl="0" algn="l">
+              <a:lnSpc>
+                <a:spcPct val="100000"/>
+              </a:lnSpc>
+              <a:spcBef>
+                <a:spcPts val="0"/>
+              </a:spcBef>
+              <a:spcAft>
+                <a:spcPts val="0"/>
+              </a:spcAft>
+              <a:buClr>
+                <a:srgbClr val="000000"/>
+              </a:buClr>
+              <a:buSzPts val="1400"/>
+              <a:buFont typeface="Arial"/>
               <a:buNone/>
             </a:pPr>
             <a:r>
               <a:t/>
             </a:r>
-            <a:endParaRPr/>
+            <a:endParaRPr b="0" i="0" sz="1400" u="none" cap="none" strike="noStrike">
+              <a:solidFill>
+                <a:srgbClr val="000000"/>
+              </a:solidFill>
+              <a:latin typeface="Arial"/>
+              <a:ea typeface="Arial"/>
+              <a:cs typeface="Arial"/>
+              <a:sym typeface="Arial"/>
+            </a:endParaRPr>
           </a:p>
         </p:txBody>
       </p:sp>
@@ -13670,12 +14144,12 @@
 </p:sld>
 </file>
 
-<file path=ppt/slides/slide21.xml><?xml version="1.0" encoding="utf-8"?>
+<file path=ppt/slides/slide22.xml><?xml version="1.0" encoding="utf-8"?>
 <p:sld xmlns:a="http://schemas.openxmlformats.org/drawingml/2006/main" xmlns:r="http://schemas.openxmlformats.org/officeDocument/2006/relationships" xmlns:mc="http://schemas.openxmlformats.org/markup-compatibility/2006" xmlns:mv="urn:schemas-microsoft-com:mac:vml" xmlns:p="http://schemas.openxmlformats.org/presentationml/2006/main" xmlns:c="http://schemas.openxmlformats.org/drawingml/2006/chart" xmlns:dgm="http://schemas.openxmlformats.org/drawingml/2006/diagram" xmlns:o="urn:schemas-microsoft-com:office:office" xmlns:v="urn:schemas-microsoft-com:vml" xmlns:pvml="urn:schemas-microsoft-com:office:powerpoint" xmlns:com="http://schemas.openxmlformats.org/drawingml/2006/compatibility" xmlns:p14="http://schemas.microsoft.com/office/powerpoint/2010/main" xmlns:p15="http://schemas.microsoft.com/office/powerpoint/2012/main" xmlns:ahyp="http://schemas.microsoft.com/office/drawing/2018/hyperlinkcolor">
   <p:cSld>
     <p:spTree>
       <p:nvGrpSpPr>
-        <p:cNvPr id="179" name="Shape 179"/>
+        <p:cNvPr id="186" name="Shape 186"/>
         <p:cNvGrpSpPr/>
         <p:nvPr/>
       </p:nvGrpSpPr>
@@ -13689,7 +14163,7 @@
       </p:grpSpPr>
       <p:sp>
         <p:nvSpPr>
-          <p:cNvPr id="180" name="Google Shape;180;p19"/>
+          <p:cNvPr id="187" name="Google Shape;187;p19"/>
           <p:cNvSpPr txBox="1"/>
           <p:nvPr/>
         </p:nvSpPr>
@@ -13741,7 +14215,15 @@
               </a:rPr>
               <a:t>Thank You </a:t>
             </a:r>
-            <a:endParaRPr sz="1300"/>
+            <a:endParaRPr b="0" i="0" sz="1300" u="none" cap="none" strike="noStrike">
+              <a:solidFill>
+                <a:srgbClr val="000000"/>
+              </a:solidFill>
+              <a:latin typeface="Arial"/>
+              <a:ea typeface="Arial"/>
+              <a:cs typeface="Arial"/>
+              <a:sym typeface="Arial"/>
+            </a:endParaRPr>
           </a:p>
           <a:p>
             <a:pPr indent="0" lvl="0" marL="0" marR="0" rtl="0" algn="ctr">
@@ -13773,7 +14255,15 @@
               </a:rPr>
               <a:t>Team :- Team Denver</a:t>
             </a:r>
-            <a:endParaRPr sz="1500"/>
+            <a:endParaRPr b="0" i="0" sz="1500" u="none" cap="none" strike="noStrike">
+              <a:solidFill>
+                <a:srgbClr val="000000"/>
+              </a:solidFill>
+              <a:latin typeface="Arial"/>
+              <a:ea typeface="Arial"/>
+              <a:cs typeface="Arial"/>
+              <a:sym typeface="Arial"/>
+            </a:endParaRPr>
           </a:p>
           <a:p>
             <a:pPr indent="0" lvl="0" marL="0" marR="0" rtl="0" algn="ctr">
@@ -13805,7 +14295,15 @@
               </a:rPr>
               <a:t>Team Member :- Sumit , Bhoomika</a:t>
             </a:r>
-            <a:endParaRPr sz="1500"/>
+            <a:endParaRPr b="0" i="0" sz="1500" u="none" cap="none" strike="noStrike">
+              <a:solidFill>
+                <a:srgbClr val="000000"/>
+              </a:solidFill>
+              <a:latin typeface="Arial"/>
+              <a:ea typeface="Arial"/>
+              <a:cs typeface="Arial"/>
+              <a:sym typeface="Arial"/>
+            </a:endParaRPr>
           </a:p>
           <a:p>
             <a:pPr indent="0" lvl="0" marL="0" marR="0" rtl="0" algn="ctr">
@@ -13826,7 +14324,7 @@
               <a:buNone/>
             </a:pPr>
             <a:r>
-              <a:rPr b="1" lang="en-GB" sz="1800">
+              <a:rPr b="1" i="0" lang="en-GB" sz="1800" u="none" cap="none" strike="noStrike">
                 <a:solidFill>
                   <a:schemeClr val="lt1"/>
                 </a:solidFill>
@@ -13835,19 +14333,7 @@
                 <a:cs typeface="Montserrat"/>
                 <a:sym typeface="Montserrat"/>
               </a:rPr>
-              <a:t>Batch Name - </a:t>
-            </a:r>
-            <a:r>
-              <a:rPr b="1" i="0" lang="en-GB" sz="1800" u="none" cap="none" strike="noStrike">
-                <a:solidFill>
-                  <a:schemeClr val="lt1"/>
-                </a:solidFill>
-                <a:latin typeface="Montserrat"/>
-                <a:ea typeface="Montserrat"/>
-                <a:cs typeface="Montserrat"/>
-                <a:sym typeface="Montserrat"/>
-              </a:rPr>
-              <a:t>Cohort Cairo</a:t>
+              <a:t>Batch Name - Cohort Cairo</a:t>
             </a:r>
             <a:endParaRPr b="0" i="0" sz="1800" u="none" cap="none" strike="noStrike">
               <a:solidFill>
@@ -13863,7 +14349,7 @@
       </p:sp>
       <p:pic>
         <p:nvPicPr>
-          <p:cNvPr id="181" name="Google Shape;181;p19"/>
+          <p:cNvPr id="188" name="Google Shape;188;p19"/>
           <p:cNvPicPr preferRelativeResize="0"/>
           <p:nvPr/>
         </p:nvPicPr>
@@ -13890,7 +14376,7 @@
       </p:pic>
       <p:sp>
         <p:nvSpPr>
-          <p:cNvPr id="182" name="Google Shape;182;p19"/>
+          <p:cNvPr id="189" name="Google Shape;189;p19"/>
           <p:cNvSpPr txBox="1"/>
           <p:nvPr/>
         </p:nvSpPr>
@@ -13956,17 +14442,16 @@
       </p:sp>
       <p:pic>
         <p:nvPicPr>
-          <p:cNvPr id="183" name="Google Shape;183;p19"/>
+          <p:cNvPr id="190" name="Google Shape;190;p19"/>
           <p:cNvPicPr preferRelativeResize="0"/>
           <p:nvPr/>
         </p:nvPicPr>
-        <p:blipFill>
+        <p:blipFill rotWithShape="1">
           <a:blip r:embed="rId4">
             <a:alphaModFix/>
           </a:blip>
-          <a:stretch>
-            <a:fillRect/>
-          </a:stretch>
+          <a:srcRect b="0" l="0" r="0" t="0"/>
+          <a:stretch/>
         </p:blipFill>
         <p:spPr>
           <a:xfrm>
@@ -14339,6 +14824,11 @@
               <a:spcAft>
                 <a:spcPts val="0"/>
               </a:spcAft>
+              <a:buClr>
+                <a:srgbClr val="000000"/>
+              </a:buClr>
+              <a:buSzPts val="3000"/>
+              <a:buFont typeface="Arial"/>
               <a:buNone/>
             </a:pPr>
             <a:r>
@@ -14353,28 +14843,14 @@
               </a:rPr>
               <a:t>Problem Statement :</a:t>
             </a:r>
-            <a:endParaRPr/>
-          </a:p>
-          <a:p>
-            <a:pPr indent="0" lvl="0" marL="0" marR="0" rtl="0" algn="l">
-              <a:lnSpc>
-                <a:spcPct val="100000"/>
-              </a:lnSpc>
-              <a:spcBef>
-                <a:spcPts val="0"/>
-              </a:spcBef>
-              <a:spcAft>
-                <a:spcPts val="0"/>
-              </a:spcAft>
-              <a:buNone/>
-            </a:pPr>
-            <a:r>
-              <a:t/>
-            </a:r>
-            <a:endParaRPr i="0" sz="2000" u="none" cap="none" strike="noStrike">
+            <a:endParaRPr b="0" i="0" sz="1400" u="none" cap="none" strike="noStrike">
               <a:solidFill>
                 <a:srgbClr val="000000"/>
               </a:solidFill>
+              <a:latin typeface="Arial"/>
+              <a:ea typeface="Arial"/>
+              <a:cs typeface="Arial"/>
+              <a:sym typeface="Arial"/>
             </a:endParaRPr>
           </a:p>
           <a:p>
@@ -14388,17 +14864,25 @@
               <a:spcAft>
                 <a:spcPts val="0"/>
               </a:spcAft>
+              <a:buClr>
+                <a:srgbClr val="000000"/>
+              </a:buClr>
+              <a:buSzPts val="2000"/>
+              <a:buFont typeface="Arial"/>
               <a:buNone/>
             </a:pPr>
             <a:r>
-              <a:rPr i="0" lang="en-GB" sz="2000" u="none" cap="none" strike="noStrike">
-                <a:solidFill>
-                  <a:srgbClr val="000000"/>
-                </a:solidFill>
-              </a:rPr>
-              <a:t>With help of python data visualization , libraries . We will try to solve the answer of the following questions </a:t>
-            </a:r>
-            <a:endParaRPr sz="2000"/>
+              <a:t/>
+            </a:r>
+            <a:endParaRPr b="0" i="0" sz="2000" u="none" cap="none" strike="noStrike">
+              <a:solidFill>
+                <a:srgbClr val="000000"/>
+              </a:solidFill>
+              <a:latin typeface="Arial"/>
+              <a:ea typeface="Arial"/>
+              <a:cs typeface="Arial"/>
+              <a:sym typeface="Arial"/>
+            </a:endParaRPr>
           </a:p>
           <a:p>
             <a:pPr indent="0" lvl="0" marL="0" marR="0" rtl="0" algn="l">
@@ -14411,15 +14895,64 @@
               <a:spcAft>
                 <a:spcPts val="0"/>
               </a:spcAft>
+              <a:buClr>
+                <a:srgbClr val="000000"/>
+              </a:buClr>
+              <a:buSzPts val="2000"/>
+              <a:buFont typeface="Arial"/>
               <a:buNone/>
             </a:pPr>
             <a:r>
+              <a:rPr b="0" i="0" lang="en-GB" sz="2000" u="none" cap="none" strike="noStrike">
+                <a:solidFill>
+                  <a:srgbClr val="000000"/>
+                </a:solidFill>
+                <a:latin typeface="Arial"/>
+                <a:ea typeface="Arial"/>
+                <a:cs typeface="Arial"/>
+                <a:sym typeface="Arial"/>
+              </a:rPr>
+              <a:t>With help of python data visualization , libraries . We will try to solve the answer of the following questions </a:t>
+            </a:r>
+            <a:endParaRPr b="0" i="0" sz="2000" u="none" cap="none" strike="noStrike">
+              <a:solidFill>
+                <a:srgbClr val="000000"/>
+              </a:solidFill>
+              <a:latin typeface="Arial"/>
+              <a:ea typeface="Arial"/>
+              <a:cs typeface="Arial"/>
+              <a:sym typeface="Arial"/>
+            </a:endParaRPr>
+          </a:p>
+          <a:p>
+            <a:pPr indent="0" lvl="0" marL="0" marR="0" rtl="0" algn="l">
+              <a:lnSpc>
+                <a:spcPct val="100000"/>
+              </a:lnSpc>
+              <a:spcBef>
+                <a:spcPts val="0"/>
+              </a:spcBef>
+              <a:spcAft>
+                <a:spcPts val="0"/>
+              </a:spcAft>
+              <a:buClr>
+                <a:srgbClr val="000000"/>
+              </a:buClr>
+              <a:buSzPts val="2000"/>
+              <a:buFont typeface="Arial"/>
+              <a:buNone/>
+            </a:pPr>
+            <a:r>
               <a:t/>
             </a:r>
-            <a:endParaRPr i="0" sz="2000" u="none" cap="none" strike="noStrike">
+            <a:endParaRPr b="0" i="0" sz="2000" u="none" cap="none" strike="noStrike">
               <a:solidFill>
                 <a:srgbClr val="000000"/>
               </a:solidFill>
+              <a:latin typeface="Arial"/>
+              <a:ea typeface="Arial"/>
+              <a:cs typeface="Arial"/>
+              <a:sym typeface="Arial"/>
             </a:endParaRPr>
           </a:p>
           <a:p>
@@ -14437,17 +14970,30 @@
                 <a:srgbClr val="000000"/>
               </a:buClr>
               <a:buSzPts val="2000"/>
+              <a:buFont typeface="Arial"/>
               <a:buChar char="⮚"/>
             </a:pPr>
             <a:r>
-              <a:rPr i="0" lang="en-GB" sz="2000" u="none" cap="none" strike="noStrike">
+              <a:rPr b="0" i="0" lang="en-GB" sz="2000" u="none" cap="none" strike="noStrike">
                 <a:solidFill>
                   <a:srgbClr val="000000"/>
                 </a:solidFill>
+                <a:latin typeface="Arial"/>
+                <a:ea typeface="Arial"/>
+                <a:cs typeface="Arial"/>
+                <a:sym typeface="Arial"/>
               </a:rPr>
               <a:t>What can we learn about the different hosts and areas?</a:t>
             </a:r>
-            <a:endParaRPr sz="2000"/>
+            <a:endParaRPr b="0" i="0" sz="2000" u="none" cap="none" strike="noStrike">
+              <a:solidFill>
+                <a:srgbClr val="000000"/>
+              </a:solidFill>
+              <a:latin typeface="Arial"/>
+              <a:ea typeface="Arial"/>
+              <a:cs typeface="Arial"/>
+              <a:sym typeface="Arial"/>
+            </a:endParaRPr>
           </a:p>
           <a:p>
             <a:pPr indent="-285750" lvl="1" marL="285750" marR="0" rtl="0" algn="l">
@@ -14464,17 +15010,30 @@
                 <a:srgbClr val="000000"/>
               </a:buClr>
               <a:buSzPts val="2000"/>
+              <a:buFont typeface="Arial"/>
               <a:buChar char="⮚"/>
             </a:pPr>
             <a:r>
-              <a:rPr i="0" lang="en-GB" sz="2000" u="none" cap="none" strike="noStrike">
+              <a:rPr b="0" i="0" lang="en-GB" sz="2000" u="none" cap="none" strike="noStrike">
                 <a:solidFill>
                   <a:srgbClr val="000000"/>
                 </a:solidFill>
+                <a:latin typeface="Arial"/>
+                <a:ea typeface="Arial"/>
+                <a:cs typeface="Arial"/>
+                <a:sym typeface="Arial"/>
               </a:rPr>
               <a:t>What can we learn from prediction’s ( prices , reviews etc. )</a:t>
             </a:r>
-            <a:endParaRPr sz="2000"/>
+            <a:endParaRPr b="0" i="0" sz="2000" u="none" cap="none" strike="noStrike">
+              <a:solidFill>
+                <a:srgbClr val="000000"/>
+              </a:solidFill>
+              <a:latin typeface="Arial"/>
+              <a:ea typeface="Arial"/>
+              <a:cs typeface="Arial"/>
+              <a:sym typeface="Arial"/>
+            </a:endParaRPr>
           </a:p>
           <a:p>
             <a:pPr indent="-285750" lvl="1" marL="285750" marR="0" rtl="0" algn="l">
@@ -14491,17 +15050,30 @@
                 <a:srgbClr val="000000"/>
               </a:buClr>
               <a:buSzPts val="2000"/>
+              <a:buFont typeface="Arial"/>
               <a:buChar char="⮚"/>
             </a:pPr>
             <a:r>
-              <a:rPr i="0" lang="en-GB" sz="2000" u="none" cap="none" strike="noStrike">
+              <a:rPr b="0" i="0" lang="en-GB" sz="2000" u="none" cap="none" strike="noStrike">
                 <a:solidFill>
                   <a:srgbClr val="000000"/>
                 </a:solidFill>
+                <a:latin typeface="Arial"/>
+                <a:ea typeface="Arial"/>
+                <a:cs typeface="Arial"/>
+                <a:sym typeface="Arial"/>
               </a:rPr>
               <a:t>Which type of rooms are customer demands in most popular neighborhood, neighborhood_group</a:t>
             </a:r>
-            <a:endParaRPr sz="2000"/>
+            <a:endParaRPr b="0" i="0" sz="2000" u="none" cap="none" strike="noStrike">
+              <a:solidFill>
+                <a:srgbClr val="000000"/>
+              </a:solidFill>
+              <a:latin typeface="Arial"/>
+              <a:ea typeface="Arial"/>
+              <a:cs typeface="Arial"/>
+              <a:sym typeface="Arial"/>
+            </a:endParaRPr>
           </a:p>
           <a:p>
             <a:pPr indent="-285750" lvl="1" marL="285750" marR="0" rtl="0" algn="l">
@@ -14518,17 +15090,30 @@
                 <a:srgbClr val="000000"/>
               </a:buClr>
               <a:buSzPts val="2000"/>
+              <a:buFont typeface="Arial"/>
               <a:buChar char="⮚"/>
             </a:pPr>
             <a:r>
-              <a:rPr i="0" lang="en-GB" sz="2000" u="none" cap="none" strike="noStrike">
+              <a:rPr b="0" i="0" lang="en-GB" sz="2000" u="none" cap="none" strike="noStrike">
                 <a:solidFill>
                   <a:srgbClr val="000000"/>
                 </a:solidFill>
+                <a:latin typeface="Arial"/>
+                <a:ea typeface="Arial"/>
+                <a:cs typeface="Arial"/>
+                <a:sym typeface="Arial"/>
               </a:rPr>
               <a:t>Why type of reviews are made by the most of costumer’s</a:t>
             </a:r>
-            <a:endParaRPr sz="2000"/>
+            <a:endParaRPr b="0" i="0" sz="2000" u="none" cap="none" strike="noStrike">
+              <a:solidFill>
+                <a:srgbClr val="000000"/>
+              </a:solidFill>
+              <a:latin typeface="Arial"/>
+              <a:ea typeface="Arial"/>
+              <a:cs typeface="Arial"/>
+              <a:sym typeface="Arial"/>
+            </a:endParaRPr>
           </a:p>
           <a:p>
             <a:pPr indent="-285750" lvl="1" marL="285750" marR="0" rtl="0" algn="l">
@@ -14545,17 +15130,30 @@
                 <a:srgbClr val="000000"/>
               </a:buClr>
               <a:buSzPts val="2000"/>
+              <a:buFont typeface="Arial"/>
               <a:buChar char="⮚"/>
             </a:pPr>
             <a:r>
-              <a:rPr i="0" lang="en-GB" sz="2000" u="none" cap="none" strike="noStrike">
+              <a:rPr b="0" i="0" lang="en-GB" sz="2000" u="none" cap="none" strike="noStrike">
                 <a:solidFill>
                   <a:srgbClr val="000000"/>
                 </a:solidFill>
+                <a:latin typeface="Arial"/>
+                <a:ea typeface="Arial"/>
+                <a:cs typeface="Arial"/>
+                <a:sym typeface="Arial"/>
               </a:rPr>
               <a:t>Limitation in Airbnb’s data</a:t>
             </a:r>
-            <a:endParaRPr sz="2000"/>
+            <a:endParaRPr b="0" i="0" sz="2000" u="none" cap="none" strike="noStrike">
+              <a:solidFill>
+                <a:srgbClr val="000000"/>
+              </a:solidFill>
+              <a:latin typeface="Arial"/>
+              <a:ea typeface="Arial"/>
+              <a:cs typeface="Arial"/>
+              <a:sym typeface="Arial"/>
+            </a:endParaRPr>
           </a:p>
           <a:p>
             <a:pPr indent="-285750" lvl="1" marL="285750" marR="0" rtl="0" algn="l">
@@ -14572,20 +15170,29 @@
                 <a:srgbClr val="000000"/>
               </a:buClr>
               <a:buSzPts val="2000"/>
+              <a:buFont typeface="Arial"/>
               <a:buChar char="⮚"/>
             </a:pPr>
             <a:r>
-              <a:rPr i="0" lang="en-GB" sz="2000" u="none" cap="none" strike="noStrike">
+              <a:rPr b="0" i="0" lang="en-GB" sz="2000" u="none" cap="none" strike="noStrike">
                 <a:solidFill>
                   <a:srgbClr val="000000"/>
                 </a:solidFill>
+                <a:latin typeface="Arial"/>
+                <a:ea typeface="Arial"/>
+                <a:cs typeface="Arial"/>
+                <a:sym typeface="Arial"/>
               </a:rPr>
               <a:t>Scope of Improvement (How we help to resolve the problem)</a:t>
             </a:r>
-            <a:endParaRPr i="0" sz="2000" u="none" cap="none" strike="noStrike">
+            <a:endParaRPr b="0" i="0" sz="2000" u="none" cap="none" strike="noStrike">
               <a:solidFill>
                 <a:srgbClr val="000000"/>
               </a:solidFill>
+              <a:latin typeface="Arial"/>
+              <a:ea typeface="Arial"/>
+              <a:cs typeface="Arial"/>
+              <a:sym typeface="Arial"/>
             </a:endParaRPr>
           </a:p>
         </p:txBody>
@@ -14650,6 +15257,11 @@
               <a:spcAft>
                 <a:spcPts val="0"/>
               </a:spcAft>
+              <a:buClr>
+                <a:srgbClr val="000000"/>
+              </a:buClr>
+              <a:buSzPts val="3000"/>
+              <a:buFont typeface="Arial"/>
               <a:buNone/>
             </a:pPr>
             <a:r>
@@ -14685,12 +15297,25 @@
               <a:spcAft>
                 <a:spcPts val="0"/>
               </a:spcAft>
+              <a:buClr>
+                <a:srgbClr val="000000"/>
+              </a:buClr>
+              <a:buSzPts val="1700"/>
+              <a:buFont typeface="Arial"/>
               <a:buNone/>
             </a:pPr>
             <a:r>
               <a:t/>
             </a:r>
-            <a:endParaRPr sz="1700"/>
+            <a:endParaRPr b="0" i="0" sz="1700" u="none" cap="none" strike="noStrike">
+              <a:solidFill>
+                <a:srgbClr val="000000"/>
+              </a:solidFill>
+              <a:latin typeface="Arial"/>
+              <a:ea typeface="Arial"/>
+              <a:cs typeface="Arial"/>
+              <a:sym typeface="Arial"/>
+            </a:endParaRPr>
           </a:p>
           <a:p>
             <a:pPr indent="0" lvl="0" marL="0" marR="0" rtl="0" algn="l">
@@ -14703,6 +15328,11 @@
               <a:spcAft>
                 <a:spcPts val="0"/>
               </a:spcAft>
+              <a:buClr>
+                <a:srgbClr val="000000"/>
+              </a:buClr>
+              <a:buSzPts val="1700"/>
+              <a:buFont typeface="Arial"/>
               <a:buNone/>
             </a:pPr>
             <a:r>
@@ -14742,7 +15372,7 @@
                 <a:srgbClr val="000000"/>
               </a:buClr>
               <a:buSzPts val="1700"/>
-              <a:buFont typeface="Noto Sans Symbols"/>
+              <a:buFont typeface="Noto Sans"/>
               <a:buChar char="❖"/>
             </a:pPr>
             <a:r>
@@ -14757,7 +15387,15 @@
               </a:rPr>
               <a:t>Id</a:t>
             </a:r>
-            <a:endParaRPr b="1" sz="1700"/>
+            <a:endParaRPr b="1" i="0" sz="1700" u="none" cap="none" strike="noStrike">
+              <a:solidFill>
+                <a:srgbClr val="000000"/>
+              </a:solidFill>
+              <a:latin typeface="Arial"/>
+              <a:ea typeface="Arial"/>
+              <a:cs typeface="Arial"/>
+              <a:sym typeface="Arial"/>
+            </a:endParaRPr>
           </a:p>
           <a:p>
             <a:pPr indent="457200" lvl="0" marL="0" marR="0" rtl="0" algn="l">
@@ -14770,6 +15408,11 @@
               <a:spcAft>
                 <a:spcPts val="0"/>
               </a:spcAft>
+              <a:buClr>
+                <a:srgbClr val="000000"/>
+              </a:buClr>
+              <a:buSzPts val="1700"/>
+              <a:buFont typeface="Arial"/>
               <a:buNone/>
             </a:pPr>
             <a:r>
@@ -14782,141 +15425,7 @@
                 <a:cs typeface="Arial"/>
                 <a:sym typeface="Arial"/>
               </a:rPr>
-              <a:t>It is a particular identity number of property which is given to</a:t>
-            </a:r>
-            <a:r>
-              <a:rPr lang="en-GB" sz="1700"/>
-              <a:t> customer(host)</a:t>
-            </a:r>
-            <a:r>
-              <a:rPr b="0" i="0" lang="en-GB" sz="1700" u="none" cap="none" strike="noStrike">
-                <a:solidFill>
-                  <a:srgbClr val="000000"/>
-                </a:solidFill>
-                <a:latin typeface="Arial"/>
-                <a:ea typeface="Arial"/>
-                <a:cs typeface="Arial"/>
-                <a:sym typeface="Arial"/>
-              </a:rPr>
-              <a:t>                  </a:t>
-            </a:r>
-            <a:endParaRPr sz="1700"/>
-          </a:p>
-          <a:p>
-            <a:pPr indent="-323850" lvl="0" marL="342900" marR="0" rtl="0" algn="l">
-              <a:lnSpc>
-                <a:spcPct val="100000"/>
-              </a:lnSpc>
-              <a:spcBef>
-                <a:spcPts val="0"/>
-              </a:spcBef>
-              <a:spcAft>
-                <a:spcPts val="0"/>
-              </a:spcAft>
-              <a:buClr>
-                <a:srgbClr val="000000"/>
-              </a:buClr>
-              <a:buSzPts val="1700"/>
-              <a:buFont typeface="Noto Sans Symbols"/>
-              <a:buChar char="❖"/>
-            </a:pPr>
-            <a:r>
-              <a:rPr b="1" i="0" lang="en-GB" sz="1700" u="none" cap="none" strike="noStrike">
-                <a:solidFill>
-                  <a:srgbClr val="000000"/>
-                </a:solidFill>
-                <a:latin typeface="Arial"/>
-                <a:ea typeface="Arial"/>
-                <a:cs typeface="Arial"/>
-                <a:sym typeface="Arial"/>
-              </a:rPr>
-              <a:t>Name</a:t>
-            </a:r>
-            <a:endParaRPr b="1" sz="1700"/>
-          </a:p>
-          <a:p>
-            <a:pPr indent="457200" lvl="0" marL="0" marR="0" rtl="0" algn="l">
-              <a:lnSpc>
-                <a:spcPct val="100000"/>
-              </a:lnSpc>
-              <a:spcBef>
-                <a:spcPts val="0"/>
-              </a:spcBef>
-              <a:spcAft>
-                <a:spcPts val="0"/>
-              </a:spcAft>
-              <a:buNone/>
-            </a:pPr>
-            <a:r>
-              <a:rPr b="0" i="0" lang="en-GB" sz="1700" u="none" cap="none" strike="noStrike">
-                <a:solidFill>
-                  <a:srgbClr val="000000"/>
-                </a:solidFill>
-                <a:latin typeface="Arial"/>
-                <a:ea typeface="Arial"/>
-                <a:cs typeface="Arial"/>
-                <a:sym typeface="Arial"/>
-              </a:rPr>
-              <a:t>It gives the name of property given to customer </a:t>
-            </a:r>
-            <a:endParaRPr sz="1700"/>
-          </a:p>
-          <a:p>
-            <a:pPr indent="-323850" lvl="0" marL="342900" marR="0" rtl="0" algn="l">
-              <a:lnSpc>
-                <a:spcPct val="100000"/>
-              </a:lnSpc>
-              <a:spcBef>
-                <a:spcPts val="0"/>
-              </a:spcBef>
-              <a:spcAft>
-                <a:spcPts val="0"/>
-              </a:spcAft>
-              <a:buClr>
-                <a:srgbClr val="000000"/>
-              </a:buClr>
-              <a:buSzPts val="1700"/>
-              <a:buFont typeface="Noto Sans Symbols"/>
-              <a:buChar char="❖"/>
-            </a:pPr>
-            <a:r>
-              <a:rPr b="1" i="0" lang="en-GB" sz="1700" u="none" cap="none" strike="noStrike">
-                <a:solidFill>
-                  <a:srgbClr val="000000"/>
-                </a:solidFill>
-                <a:latin typeface="Arial"/>
-                <a:ea typeface="Arial"/>
-                <a:cs typeface="Arial"/>
-                <a:sym typeface="Arial"/>
-              </a:rPr>
-              <a:t>Host_id</a:t>
-            </a:r>
-            <a:endParaRPr b="1" sz="1700"/>
-          </a:p>
-          <a:p>
-            <a:pPr indent="0" lvl="0" marL="457200" marR="0" rtl="0" algn="l">
-              <a:lnSpc>
-                <a:spcPct val="100000"/>
-              </a:lnSpc>
-              <a:spcBef>
-                <a:spcPts val="0"/>
-              </a:spcBef>
-              <a:spcAft>
-                <a:spcPts val="0"/>
-              </a:spcAft>
-              <a:buNone/>
-            </a:pPr>
-            <a:r>
-              <a:rPr b="0" i="0" lang="en-GB" sz="1700" u="none" cap="none" strike="noStrike">
-                <a:solidFill>
-                  <a:srgbClr val="000000"/>
-                </a:solidFill>
-                <a:latin typeface="Arial"/>
-                <a:ea typeface="Arial"/>
-                <a:cs typeface="Arial"/>
-                <a:sym typeface="Arial"/>
-              </a:rPr>
-              <a:t>It is the identity number of host who have register on airbnb</a:t>
+              <a:t>It is a particular identity number of property which is given to customer(host)                  </a:t>
             </a:r>
             <a:endParaRPr b="0" i="0" sz="1700" u="none" cap="none" strike="noStrike">
               <a:solidFill>
@@ -14943,7 +15452,7 @@
                 <a:srgbClr val="000000"/>
               </a:buClr>
               <a:buSzPts val="1700"/>
-              <a:buFont typeface="Noto Sans Symbols"/>
+              <a:buFont typeface="Noto Sans"/>
               <a:buChar char="❖"/>
             </a:pPr>
             <a:r>
@@ -14956,9 +15465,97 @@
                 <a:cs typeface="Arial"/>
                 <a:sym typeface="Arial"/>
               </a:rPr>
-              <a:t>Host_name</a:t>
-            </a:r>
-            <a:endParaRPr b="1" sz="1700"/>
+              <a:t>Name</a:t>
+            </a:r>
+            <a:endParaRPr b="1" i="0" sz="1700" u="none" cap="none" strike="noStrike">
+              <a:solidFill>
+                <a:srgbClr val="000000"/>
+              </a:solidFill>
+              <a:latin typeface="Arial"/>
+              <a:ea typeface="Arial"/>
+              <a:cs typeface="Arial"/>
+              <a:sym typeface="Arial"/>
+            </a:endParaRPr>
+          </a:p>
+          <a:p>
+            <a:pPr indent="457200" lvl="0" marL="0" marR="0" rtl="0" algn="l">
+              <a:lnSpc>
+                <a:spcPct val="100000"/>
+              </a:lnSpc>
+              <a:spcBef>
+                <a:spcPts val="0"/>
+              </a:spcBef>
+              <a:spcAft>
+                <a:spcPts val="0"/>
+              </a:spcAft>
+              <a:buClr>
+                <a:srgbClr val="000000"/>
+              </a:buClr>
+              <a:buSzPts val="1700"/>
+              <a:buFont typeface="Arial"/>
+              <a:buNone/>
+            </a:pPr>
+            <a:r>
+              <a:rPr b="0" i="0" lang="en-GB" sz="1700" u="none" cap="none" strike="noStrike">
+                <a:solidFill>
+                  <a:srgbClr val="000000"/>
+                </a:solidFill>
+                <a:latin typeface="Arial"/>
+                <a:ea typeface="Arial"/>
+                <a:cs typeface="Arial"/>
+                <a:sym typeface="Arial"/>
+              </a:rPr>
+              <a:t>It gives the name of property given to customer </a:t>
+            </a:r>
+            <a:endParaRPr b="0" i="0" sz="1700" u="none" cap="none" strike="noStrike">
+              <a:solidFill>
+                <a:srgbClr val="000000"/>
+              </a:solidFill>
+              <a:latin typeface="Arial"/>
+              <a:ea typeface="Arial"/>
+              <a:cs typeface="Arial"/>
+              <a:sym typeface="Arial"/>
+            </a:endParaRPr>
+          </a:p>
+          <a:p>
+            <a:pPr indent="-323850" lvl="0" marL="342900" marR="0" rtl="0" algn="l">
+              <a:lnSpc>
+                <a:spcPct val="100000"/>
+              </a:lnSpc>
+              <a:spcBef>
+                <a:spcPts val="0"/>
+              </a:spcBef>
+              <a:spcAft>
+                <a:spcPts val="0"/>
+              </a:spcAft>
+              <a:buClr>
+                <a:srgbClr val="000000"/>
+              </a:buClr>
+              <a:buSzPts val="1700"/>
+              <a:buFont typeface="Noto Sans"/>
+              <a:buChar char="❖"/>
+            </a:pPr>
+            <a:r>
+              <a:rPr b="1" i="0" lang="en-GB" sz="1700" u="none" cap="none" strike="noStrike">
+                <a:solidFill>
+                  <a:srgbClr val="000000"/>
+                </a:solidFill>
+                <a:latin typeface="Arial"/>
+                <a:ea typeface="Arial"/>
+                <a:cs typeface="Arial"/>
+                <a:sym typeface="Arial"/>
+              </a:rPr>
+              <a:t>Host_id</a:t>
+            </a:r>
+            <a:endParaRPr b="1" i="0" sz="1700" u="none" cap="none" strike="noStrike">
+              <a:solidFill>
+                <a:srgbClr val="000000"/>
+              </a:solidFill>
+              <a:latin typeface="Arial"/>
+              <a:ea typeface="Arial"/>
+              <a:cs typeface="Arial"/>
+              <a:sym typeface="Arial"/>
+            </a:endParaRPr>
           </a:p>
           <a:p>
             <a:pPr indent="0" lvl="0" marL="457200" marR="0" rtl="0" algn="l">
@@ -14971,6 +15568,11 @@
               <a:spcAft>
                 <a:spcPts val="0"/>
               </a:spcAft>
+              <a:buClr>
+                <a:srgbClr val="000000"/>
+              </a:buClr>
+              <a:buSzPts val="1700"/>
+              <a:buFont typeface="Arial"/>
               <a:buNone/>
             </a:pPr>
             <a:r>
@@ -14983,9 +15585,17 @@
                 <a:cs typeface="Arial"/>
                 <a:sym typeface="Arial"/>
               </a:rPr>
-              <a:t>It is the customer name who registered their property on Airbnb</a:t>
-            </a:r>
-            <a:endParaRPr sz="1700"/>
+              <a:t>It is the identity number of host who have register on airbnb</a:t>
+            </a:r>
+            <a:endParaRPr b="0" i="0" sz="1700" u="none" cap="none" strike="noStrike">
+              <a:solidFill>
+                <a:srgbClr val="000000"/>
+              </a:solidFill>
+              <a:latin typeface="Arial"/>
+              <a:ea typeface="Arial"/>
+              <a:cs typeface="Arial"/>
+              <a:sym typeface="Arial"/>
+            </a:endParaRPr>
           </a:p>
           <a:p>
             <a:pPr indent="-323850" lvl="0" marL="342900" marR="0" rtl="0" algn="l">
@@ -15002,7 +15612,7 @@
                 <a:srgbClr val="000000"/>
               </a:buClr>
               <a:buSzPts val="1700"/>
-              <a:buFont typeface="Noto Sans Symbols"/>
+              <a:buFont typeface="Noto Sans"/>
               <a:buChar char="❖"/>
             </a:pPr>
             <a:r>
@@ -15015,9 +15625,17 @@
                 <a:cs typeface="Arial"/>
                 <a:sym typeface="Arial"/>
               </a:rPr>
-              <a:t>Neighbourhood_group</a:t>
-            </a:r>
-            <a:endParaRPr b="1" sz="1700"/>
+              <a:t>Host_name</a:t>
+            </a:r>
+            <a:endParaRPr b="1" i="0" sz="1700" u="none" cap="none" strike="noStrike">
+              <a:solidFill>
+                <a:srgbClr val="000000"/>
+              </a:solidFill>
+              <a:latin typeface="Arial"/>
+              <a:ea typeface="Arial"/>
+              <a:cs typeface="Arial"/>
+              <a:sym typeface="Arial"/>
+            </a:endParaRPr>
           </a:p>
           <a:p>
             <a:pPr indent="0" lvl="0" marL="457200" marR="0" rtl="0" algn="l">
@@ -15030,6 +15648,11 @@
               <a:spcAft>
                 <a:spcPts val="0"/>
               </a:spcAft>
+              <a:buClr>
+                <a:srgbClr val="000000"/>
+              </a:buClr>
+              <a:buSzPts val="1700"/>
+              <a:buFont typeface="Arial"/>
               <a:buNone/>
             </a:pPr>
             <a:r>
@@ -15042,9 +15665,17 @@
                 <a:cs typeface="Arial"/>
                 <a:sym typeface="Arial"/>
               </a:rPr>
-              <a:t>It tell the neighborhood group present in the particular city ( ex :- NYK , San Francisco etc. )</a:t>
-            </a:r>
-            <a:endParaRPr sz="1700"/>
+              <a:t>It is the customer name who registered their property on Airbnb</a:t>
+            </a:r>
+            <a:endParaRPr b="0" i="0" sz="1700" u="none" cap="none" strike="noStrike">
+              <a:solidFill>
+                <a:srgbClr val="000000"/>
+              </a:solidFill>
+              <a:latin typeface="Arial"/>
+              <a:ea typeface="Arial"/>
+              <a:cs typeface="Arial"/>
+              <a:sym typeface="Arial"/>
+            </a:endParaRPr>
           </a:p>
           <a:p>
             <a:pPr indent="-323850" lvl="0" marL="342900" marR="0" rtl="0" algn="l">
@@ -15061,7 +15692,7 @@
                 <a:srgbClr val="000000"/>
               </a:buClr>
               <a:buSzPts val="1700"/>
-              <a:buFont typeface="Noto Sans Symbols"/>
+              <a:buFont typeface="Noto Sans"/>
               <a:buChar char="❖"/>
             </a:pPr>
             <a:r>
@@ -15074,9 +15705,17 @@
                 <a:cs typeface="Arial"/>
                 <a:sym typeface="Arial"/>
               </a:rPr>
-              <a:t>Neighborhood</a:t>
-            </a:r>
-            <a:endParaRPr b="1" sz="1700"/>
+              <a:t>Neighbourhood_group</a:t>
+            </a:r>
+            <a:endParaRPr b="1" i="0" sz="1700" u="none" cap="none" strike="noStrike">
+              <a:solidFill>
+                <a:srgbClr val="000000"/>
+              </a:solidFill>
+              <a:latin typeface="Arial"/>
+              <a:ea typeface="Arial"/>
+              <a:cs typeface="Arial"/>
+              <a:sym typeface="Arial"/>
+            </a:endParaRPr>
           </a:p>
           <a:p>
             <a:pPr indent="0" lvl="0" marL="457200" marR="0" rtl="0" algn="l">
@@ -15089,6 +15728,11 @@
               <a:spcAft>
                 <a:spcPts val="0"/>
               </a:spcAft>
+              <a:buClr>
+                <a:srgbClr val="000000"/>
+              </a:buClr>
+              <a:buSzPts val="1700"/>
+              <a:buFont typeface="Arial"/>
               <a:buNone/>
             </a:pPr>
             <a:r>
@@ -15101,12 +15745,76 @@
                 <a:cs typeface="Arial"/>
                 <a:sym typeface="Arial"/>
               </a:rPr>
-              <a:t>It tells the neighborhood present in</a:t>
-            </a:r>
-            <a:r>
-              <a:rPr lang="en-GB" sz="1700"/>
-              <a:t> </a:t>
-            </a:r>
+              <a:t>It tell the neighborhood group present in the particular city ( ex :- NYK , San Francisco etc. )</a:t>
+            </a:r>
+            <a:endParaRPr b="0" i="0" sz="1700" u="none" cap="none" strike="noStrike">
+              <a:solidFill>
+                <a:srgbClr val="000000"/>
+              </a:solidFill>
+              <a:latin typeface="Arial"/>
+              <a:ea typeface="Arial"/>
+              <a:cs typeface="Arial"/>
+              <a:sym typeface="Arial"/>
+            </a:endParaRPr>
+          </a:p>
+          <a:p>
+            <a:pPr indent="-323850" lvl="0" marL="342900" marR="0" rtl="0" algn="l">
+              <a:lnSpc>
+                <a:spcPct val="100000"/>
+              </a:lnSpc>
+              <a:spcBef>
+                <a:spcPts val="0"/>
+              </a:spcBef>
+              <a:spcAft>
+                <a:spcPts val="0"/>
+              </a:spcAft>
+              <a:buClr>
+                <a:srgbClr val="000000"/>
+              </a:buClr>
+              <a:buSzPts val="1700"/>
+              <a:buFont typeface="Noto Sans"/>
+              <a:buChar char="❖"/>
+            </a:pPr>
+            <a:r>
+              <a:rPr b="1" i="0" lang="en-GB" sz="1700" u="none" cap="none" strike="noStrike">
+                <a:solidFill>
+                  <a:srgbClr val="000000"/>
+                </a:solidFill>
+                <a:latin typeface="Arial"/>
+                <a:ea typeface="Arial"/>
+                <a:cs typeface="Arial"/>
+                <a:sym typeface="Arial"/>
+              </a:rPr>
+              <a:t>Neighborhood</a:t>
+            </a:r>
+            <a:endParaRPr b="1" i="0" sz="1700" u="none" cap="none" strike="noStrike">
+              <a:solidFill>
+                <a:srgbClr val="000000"/>
+              </a:solidFill>
+              <a:latin typeface="Arial"/>
+              <a:ea typeface="Arial"/>
+              <a:cs typeface="Arial"/>
+              <a:sym typeface="Arial"/>
+            </a:endParaRPr>
+          </a:p>
+          <a:p>
+            <a:pPr indent="0" lvl="0" marL="457200" marR="0" rtl="0" algn="l">
+              <a:lnSpc>
+                <a:spcPct val="100000"/>
+              </a:lnSpc>
+              <a:spcBef>
+                <a:spcPts val="0"/>
+              </a:spcBef>
+              <a:spcAft>
+                <a:spcPts val="0"/>
+              </a:spcAft>
+              <a:buClr>
+                <a:srgbClr val="000000"/>
+              </a:buClr>
+              <a:buSzPts val="1700"/>
+              <a:buFont typeface="Arial"/>
+              <a:buNone/>
+            </a:pPr>
             <a:r>
               <a:rPr b="0" i="0" lang="en-GB" sz="1700" u="none" cap="none" strike="noStrike">
                 <a:solidFill>
@@ -15117,9 +15825,17 @@
                 <a:cs typeface="Arial"/>
                 <a:sym typeface="Arial"/>
               </a:rPr>
-              <a:t>neighbourhood_group in the city.</a:t>
-            </a:r>
-            <a:endParaRPr sz="1700"/>
+              <a:t>It tells the neighborhood present in neighbourhood_group in the city.</a:t>
+            </a:r>
+            <a:endParaRPr b="0" i="0" sz="1700" u="none" cap="none" strike="noStrike">
+              <a:solidFill>
+                <a:srgbClr val="000000"/>
+              </a:solidFill>
+              <a:latin typeface="Arial"/>
+              <a:ea typeface="Arial"/>
+              <a:cs typeface="Arial"/>
+              <a:sym typeface="Arial"/>
+            </a:endParaRPr>
           </a:p>
         </p:txBody>
       </p:sp>
@@ -15173,24 +15889,44 @@
           </a:bodyPr>
           <a:lstStyle/>
           <a:p>
-            <a:pPr indent="0" lvl="0" marL="0" rtl="0" algn="ctr">
-              <a:spcBef>
-                <a:spcPts val="0"/>
-              </a:spcBef>
-              <a:spcAft>
-                <a:spcPts val="0"/>
-              </a:spcAft>
+            <a:pPr indent="0" lvl="0" marL="0" marR="0" rtl="0" algn="ctr">
+              <a:lnSpc>
+                <a:spcPct val="100000"/>
+              </a:lnSpc>
+              <a:spcBef>
+                <a:spcPts val="0"/>
+              </a:spcBef>
+              <a:spcAft>
+                <a:spcPts val="0"/>
+              </a:spcAft>
+              <a:buClr>
+                <a:srgbClr val="000000"/>
+              </a:buClr>
+              <a:buSzPts val="3000"/>
+              <a:buFont typeface="Arial"/>
               <a:buNone/>
             </a:pPr>
             <a:r>
-              <a:rPr b="1" lang="en-GB" sz="3000">
+              <a:rPr b="1" i="0" lang="en-GB" sz="3000" u="none" cap="none" strike="noStrike">
                 <a:solidFill>
                   <a:schemeClr val="dk1"/>
                 </a:solidFill>
+                <a:latin typeface="Arial"/>
+                <a:ea typeface="Arial"/>
+                <a:cs typeface="Arial"/>
+                <a:sym typeface="Arial"/>
               </a:rPr>
               <a:t>Data Exploration (variable name ):</a:t>
             </a:r>
-            <a:endParaRPr/>
+            <a:endParaRPr b="0" i="0" sz="1400" u="none" cap="none" strike="noStrike">
+              <a:solidFill>
+                <a:srgbClr val="000000"/>
+              </a:solidFill>
+              <a:latin typeface="Arial"/>
+              <a:ea typeface="Arial"/>
+              <a:cs typeface="Arial"/>
+              <a:sym typeface="Arial"/>
+            </a:endParaRPr>
           </a:p>
           <a:p>
             <a:pPr indent="0" lvl="0" marL="0" marR="0" rtl="0" algn="l">
@@ -15203,6 +15939,11 @@
               <a:spcAft>
                 <a:spcPts val="0"/>
               </a:spcAft>
+              <a:buClr>
+                <a:srgbClr val="000000"/>
+              </a:buClr>
+              <a:buSzPts val="1600"/>
+              <a:buFont typeface="Arial"/>
               <a:buNone/>
             </a:pPr>
             <a:r>
@@ -15233,7 +15974,7 @@
                 <a:srgbClr val="000000"/>
               </a:buClr>
               <a:buSzPts val="1600"/>
-              <a:buFont typeface="Noto Sans Symbols"/>
+              <a:buFont typeface="Noto Sans"/>
               <a:buChar char="❖"/>
             </a:pPr>
             <a:r>
@@ -15246,21 +15987,9 @@
                 <a:cs typeface="Montserrat"/>
                 <a:sym typeface="Montserrat"/>
               </a:rPr>
-              <a:t>Neighbourhood_group</a:t>
-            </a:r>
-            <a:r>
-              <a:rPr b="1" lang="en-GB" sz="1600">
-                <a:solidFill>
-                  <a:schemeClr val="accent2"/>
-                </a:solidFill>
-                <a:latin typeface="Montserrat"/>
-                <a:ea typeface="Montserrat"/>
-                <a:cs typeface="Montserrat"/>
-                <a:sym typeface="Montserrat"/>
-              </a:rPr>
-              <a:t>	</a:t>
-            </a:r>
-            <a:endParaRPr b="1" sz="1600">
+              <a:t>Neighbourhood_group	</a:t>
+            </a:r>
+            <a:endParaRPr b="1" i="0" sz="1600" u="none" cap="none" strike="noStrike">
               <a:solidFill>
                 <a:schemeClr val="accent2"/>
               </a:solidFill>
@@ -15281,6 +16010,11 @@
               <a:spcAft>
                 <a:spcPts val="0"/>
               </a:spcAft>
+              <a:buClr>
+                <a:srgbClr val="000000"/>
+              </a:buClr>
+              <a:buSzPts val="1600"/>
+              <a:buFont typeface="Arial"/>
               <a:buNone/>
             </a:pPr>
             <a:r>
@@ -15293,19 +16027,7 @@
                 <a:cs typeface="Montserrat"/>
                 <a:sym typeface="Montserrat"/>
               </a:rPr>
-              <a:t>i</a:t>
-            </a:r>
-            <a:r>
-              <a:rPr b="0" i="0" lang="en-GB" sz="1600" u="none" cap="none" strike="noStrike">
-                <a:solidFill>
-                  <a:schemeClr val="accent2"/>
-                </a:solidFill>
-                <a:latin typeface="Montserrat"/>
-                <a:ea typeface="Montserrat"/>
-                <a:cs typeface="Montserrat"/>
-                <a:sym typeface="Montserrat"/>
-              </a:rPr>
-              <a:t>t gives</a:t>
+              <a:t>it gives</a:t>
             </a:r>
             <a:r>
               <a:rPr b="0" i="0" lang="en-GB" sz="1600" u="none" cap="none" strike="noStrike">
@@ -15356,7 +16078,7 @@
                 <a:srgbClr val="000000"/>
               </a:buClr>
               <a:buSzPts val="1600"/>
-              <a:buFont typeface="Noto Sans Symbols"/>
+              <a:buFont typeface="Noto Sans"/>
               <a:buChar char="❖"/>
             </a:pPr>
             <a:r>
@@ -15371,7 +16093,7 @@
               </a:rPr>
               <a:t>Latitude</a:t>
             </a:r>
-            <a:endParaRPr b="1" sz="1600">
+            <a:endParaRPr b="1" i="0" sz="1600" u="none" cap="none" strike="noStrike">
               <a:solidFill>
                 <a:schemeClr val="accent2"/>
               </a:solidFill>
@@ -15392,6 +16114,11 @@
               <a:spcAft>
                 <a:spcPts val="0"/>
               </a:spcAft>
+              <a:buClr>
+                <a:srgbClr val="000000"/>
+              </a:buClr>
+              <a:buSzPts val="1600"/>
+              <a:buFont typeface="Arial"/>
               <a:buNone/>
             </a:pPr>
             <a:r>
@@ -15455,7 +16182,7 @@
                 <a:srgbClr val="000000"/>
               </a:buClr>
               <a:buSzPts val="1600"/>
-              <a:buFont typeface="Noto Sans Symbols"/>
+              <a:buFont typeface="Noto Sans"/>
               <a:buChar char="❖"/>
             </a:pPr>
             <a:r>
@@ -15470,7 +16197,7 @@
               </a:rPr>
               <a:t>Longitude</a:t>
             </a:r>
-            <a:endParaRPr b="1" sz="1600">
+            <a:endParaRPr b="1" i="0" sz="1600" u="none" cap="none" strike="noStrike">
               <a:solidFill>
                 <a:schemeClr val="accent2"/>
               </a:solidFill>
@@ -15491,6 +16218,11 @@
               <a:spcAft>
                 <a:spcPts val="0"/>
               </a:spcAft>
+              <a:buClr>
+                <a:srgbClr val="000000"/>
+              </a:buClr>
+              <a:buSzPts val="1600"/>
+              <a:buFont typeface="Arial"/>
               <a:buNone/>
             </a:pPr>
             <a:r>
@@ -15530,7 +16262,7 @@
                 <a:srgbClr val="000000"/>
               </a:buClr>
               <a:buSzPts val="1600"/>
-              <a:buFont typeface="Noto Sans Symbols"/>
+              <a:buFont typeface="Noto Sans"/>
               <a:buChar char="❖"/>
             </a:pPr>
             <a:r>
@@ -15545,7 +16277,7 @@
               </a:rPr>
               <a:t>Room_type</a:t>
             </a:r>
-            <a:endParaRPr b="1" sz="1600">
+            <a:endParaRPr b="1" i="0" sz="1600" u="none" cap="none" strike="noStrike">
               <a:solidFill>
                 <a:schemeClr val="accent2"/>
               </a:solidFill>
@@ -15566,6 +16298,11 @@
               <a:spcAft>
                 <a:spcPts val="0"/>
               </a:spcAft>
+              <a:buClr>
+                <a:srgbClr val="000000"/>
+              </a:buClr>
+              <a:buSzPts val="1600"/>
+              <a:buFont typeface="Arial"/>
               <a:buNone/>
             </a:pPr>
             <a:r>
@@ -15629,7 +16366,7 @@
                 <a:srgbClr val="000000"/>
               </a:buClr>
               <a:buSzPts val="1600"/>
-              <a:buFont typeface="Noto Sans Symbols"/>
+              <a:buFont typeface="Noto Sans"/>
               <a:buChar char="❖"/>
             </a:pPr>
             <a:r>
@@ -15644,7 +16381,7 @@
               </a:rPr>
               <a:t>Price</a:t>
             </a:r>
-            <a:endParaRPr b="1" sz="1600">
+            <a:endParaRPr b="1" i="0" sz="1600" u="none" cap="none" strike="noStrike">
               <a:solidFill>
                 <a:schemeClr val="accent2"/>
               </a:solidFill>
@@ -15665,6 +16402,11 @@
               <a:spcAft>
                 <a:spcPts val="0"/>
               </a:spcAft>
+              <a:buClr>
+                <a:srgbClr val="000000"/>
+              </a:buClr>
+              <a:buSzPts val="1600"/>
+              <a:buFont typeface="Arial"/>
               <a:buNone/>
             </a:pPr>
             <a:r>
@@ -15728,7 +16470,7 @@
                 <a:srgbClr val="000000"/>
               </a:buClr>
               <a:buSzPts val="1600"/>
-              <a:buFont typeface="Noto Sans Symbols"/>
+              <a:buFont typeface="Noto Sans"/>
               <a:buChar char="❖"/>
             </a:pPr>
             <a:r>
@@ -15743,7 +16485,7 @@
               </a:rPr>
               <a:t>Minimum_nights</a:t>
             </a:r>
-            <a:endParaRPr b="1" sz="1600">
+            <a:endParaRPr b="1" i="0" sz="1600" u="none" cap="none" strike="noStrike">
               <a:solidFill>
                 <a:schemeClr val="accent2"/>
               </a:solidFill>
@@ -15764,6 +16506,11 @@
               <a:spcAft>
                 <a:spcPts val="0"/>
               </a:spcAft>
+              <a:buClr>
+                <a:srgbClr val="000000"/>
+              </a:buClr>
+              <a:buSzPts val="1600"/>
+              <a:buFont typeface="Arial"/>
               <a:buNone/>
             </a:pPr>
             <a:r>
@@ -15840,24 +16587,44 @@
           </a:bodyPr>
           <a:lstStyle/>
           <a:p>
-            <a:pPr indent="0" lvl="0" marL="0" rtl="0" algn="ctr">
-              <a:spcBef>
-                <a:spcPts val="0"/>
-              </a:spcBef>
-              <a:spcAft>
-                <a:spcPts val="0"/>
-              </a:spcAft>
+            <a:pPr indent="0" lvl="0" marL="0" marR="0" rtl="0" algn="ctr">
+              <a:lnSpc>
+                <a:spcPct val="100000"/>
+              </a:lnSpc>
+              <a:spcBef>
+                <a:spcPts val="0"/>
+              </a:spcBef>
+              <a:spcAft>
+                <a:spcPts val="0"/>
+              </a:spcAft>
+              <a:buClr>
+                <a:srgbClr val="000000"/>
+              </a:buClr>
+              <a:buSzPts val="3000"/>
+              <a:buFont typeface="Arial"/>
               <a:buNone/>
             </a:pPr>
             <a:r>
-              <a:rPr b="1" lang="en-GB" sz="3000">
+              <a:rPr b="1" i="0" lang="en-GB" sz="3000" u="none" cap="none" strike="noStrike">
                 <a:solidFill>
                   <a:schemeClr val="dk1"/>
                 </a:solidFill>
+                <a:latin typeface="Arial"/>
+                <a:ea typeface="Arial"/>
+                <a:cs typeface="Arial"/>
+                <a:sym typeface="Arial"/>
               </a:rPr>
               <a:t>Data Exploration (variable name ):</a:t>
             </a:r>
-            <a:endParaRPr/>
+            <a:endParaRPr b="0" i="0" sz="1400" u="none" cap="none" strike="noStrike">
+              <a:solidFill>
+                <a:srgbClr val="000000"/>
+              </a:solidFill>
+              <a:latin typeface="Arial"/>
+              <a:ea typeface="Arial"/>
+              <a:cs typeface="Arial"/>
+              <a:sym typeface="Arial"/>
+            </a:endParaRPr>
           </a:p>
           <a:p>
             <a:pPr indent="0" lvl="0" marL="0" marR="0" rtl="0" algn="l">
@@ -15870,15 +16637,24 @@
               <a:spcAft>
                 <a:spcPts val="0"/>
               </a:spcAft>
+              <a:buClr>
+                <a:srgbClr val="000000"/>
+              </a:buClr>
+              <a:buSzPts val="2100"/>
+              <a:buFont typeface="Arial"/>
               <a:buNone/>
             </a:pPr>
             <a:r>
               <a:t/>
             </a:r>
-            <a:endParaRPr i="0" sz="2100" u="none" cap="none" strike="noStrike">
+            <a:endParaRPr b="0" i="0" sz="2100" u="none" cap="none" strike="noStrike">
               <a:solidFill>
                 <a:srgbClr val="000000"/>
               </a:solidFill>
+              <a:latin typeface="Arial"/>
+              <a:ea typeface="Arial"/>
+              <a:cs typeface="Arial"/>
+              <a:sym typeface="Arial"/>
             </a:endParaRPr>
           </a:p>
           <a:p>
@@ -15896,6 +16672,7 @@
                 <a:srgbClr val="000000"/>
               </a:buClr>
               <a:buSzPts val="1800"/>
+              <a:buFont typeface="Arial"/>
               <a:buChar char="❖"/>
             </a:pPr>
             <a:r>
@@ -15903,13 +16680,21 @@
                 <a:solidFill>
                   <a:schemeClr val="accent2"/>
                 </a:solidFill>
+                <a:latin typeface="Arial"/>
+                <a:ea typeface="Arial"/>
+                <a:cs typeface="Arial"/>
+                <a:sym typeface="Arial"/>
               </a:rPr>
               <a:t>Number_of_reviews</a:t>
             </a:r>
-            <a:endParaRPr b="1" sz="1800">
+            <a:endParaRPr b="1" i="0" sz="1800" u="none" cap="none" strike="noStrike">
               <a:solidFill>
                 <a:schemeClr val="accent2"/>
               </a:solidFill>
+              <a:latin typeface="Arial"/>
+              <a:ea typeface="Arial"/>
+              <a:cs typeface="Arial"/>
+              <a:sym typeface="Arial"/>
             </a:endParaRPr>
           </a:p>
           <a:p>
@@ -15923,20 +16708,33 @@
               <a:spcAft>
                 <a:spcPts val="0"/>
               </a:spcAft>
+              <a:buClr>
+                <a:srgbClr val="000000"/>
+              </a:buClr>
+              <a:buSzPts val="1800"/>
+              <a:buFont typeface="Arial"/>
               <a:buNone/>
             </a:pPr>
             <a:r>
-              <a:rPr i="0" lang="en-GB" sz="1800" u="none" cap="none" strike="noStrike">
+              <a:rPr b="0" i="0" lang="en-GB" sz="1800" u="none" cap="none" strike="noStrike">
                 <a:solidFill>
                   <a:schemeClr val="accent2"/>
                 </a:solidFill>
+                <a:latin typeface="Arial"/>
+                <a:ea typeface="Arial"/>
+                <a:cs typeface="Arial"/>
+                <a:sym typeface="Arial"/>
               </a:rPr>
               <a:t>total count of reviews given by visitors.</a:t>
             </a:r>
-            <a:endParaRPr i="0" sz="1800" u="none" cap="none" strike="noStrike">
+            <a:endParaRPr b="0" i="0" sz="1800" u="none" cap="none" strike="noStrike">
               <a:solidFill>
                 <a:schemeClr val="accent2"/>
               </a:solidFill>
+              <a:latin typeface="Arial"/>
+              <a:ea typeface="Arial"/>
+              <a:cs typeface="Arial"/>
+              <a:sym typeface="Arial"/>
             </a:endParaRPr>
           </a:p>
           <a:p>
@@ -15954,6 +16752,7 @@
                 <a:srgbClr val="000000"/>
               </a:buClr>
               <a:buSzPts val="1800"/>
+              <a:buFont typeface="Arial"/>
               <a:buChar char="❖"/>
             </a:pPr>
             <a:r>
@@ -15961,13 +16760,21 @@
                 <a:solidFill>
                   <a:schemeClr val="accent2"/>
                 </a:solidFill>
+                <a:latin typeface="Arial"/>
+                <a:ea typeface="Arial"/>
+                <a:cs typeface="Arial"/>
+                <a:sym typeface="Arial"/>
               </a:rPr>
               <a:t>Last_review</a:t>
             </a:r>
-            <a:endParaRPr b="1" sz="1800">
+            <a:endParaRPr b="1" i="0" sz="1800" u="none" cap="none" strike="noStrike">
               <a:solidFill>
                 <a:schemeClr val="accent2"/>
               </a:solidFill>
+              <a:latin typeface="Arial"/>
+              <a:ea typeface="Arial"/>
+              <a:cs typeface="Arial"/>
+              <a:sym typeface="Arial"/>
             </a:endParaRPr>
           </a:p>
           <a:p>
@@ -15981,13 +16788,22 @@
               <a:spcAft>
                 <a:spcPts val="0"/>
               </a:spcAft>
+              <a:buClr>
+                <a:srgbClr val="000000"/>
+              </a:buClr>
+              <a:buSzPts val="1800"/>
+              <a:buFont typeface="Arial"/>
               <a:buNone/>
             </a:pPr>
             <a:r>
-              <a:rPr i="0" lang="en-GB" sz="1800" u="none" cap="none" strike="noStrike">
+              <a:rPr b="0" i="0" lang="en-GB" sz="1800" u="none" cap="none" strike="noStrike">
                 <a:solidFill>
                   <a:schemeClr val="accent2"/>
                 </a:solidFill>
+                <a:latin typeface="Arial"/>
+                <a:ea typeface="Arial"/>
+                <a:cs typeface="Arial"/>
+                <a:sym typeface="Arial"/>
               </a:rPr>
               <a:t>date of last review given.</a:t>
             </a:r>
@@ -15995,6 +16811,10 @@
               <a:solidFill>
                 <a:schemeClr val="accent2"/>
               </a:solidFill>
+              <a:latin typeface="Arial"/>
+              <a:ea typeface="Arial"/>
+              <a:cs typeface="Arial"/>
+              <a:sym typeface="Arial"/>
             </a:endParaRPr>
           </a:p>
           <a:p>
@@ -16012,6 +16832,7 @@
                 <a:srgbClr val="000000"/>
               </a:buClr>
               <a:buSzPts val="1800"/>
+              <a:buFont typeface="Arial"/>
               <a:buChar char="❖"/>
             </a:pPr>
             <a:r>
@@ -16019,13 +16840,21 @@
                 <a:solidFill>
                   <a:schemeClr val="accent2"/>
                 </a:solidFill>
+                <a:latin typeface="Arial"/>
+                <a:ea typeface="Arial"/>
+                <a:cs typeface="Arial"/>
+                <a:sym typeface="Arial"/>
               </a:rPr>
               <a:t>Reviews_per_month</a:t>
             </a:r>
-            <a:endParaRPr b="1" sz="1800">
+            <a:endParaRPr b="1" i="0" sz="1800" u="none" cap="none" strike="noStrike">
               <a:solidFill>
                 <a:schemeClr val="accent2"/>
               </a:solidFill>
+              <a:latin typeface="Arial"/>
+              <a:ea typeface="Arial"/>
+              <a:cs typeface="Arial"/>
+              <a:sym typeface="Arial"/>
             </a:endParaRPr>
           </a:p>
           <a:p>
@@ -16039,28 +16868,45 @@
               <a:spcAft>
                 <a:spcPts val="0"/>
               </a:spcAft>
+              <a:buClr>
+                <a:srgbClr val="000000"/>
+              </a:buClr>
+              <a:buSzPts val="1800"/>
+              <a:buFont typeface="Arial"/>
               <a:buNone/>
             </a:pPr>
             <a:r>
-              <a:rPr b="1" lang="en-GB" sz="1800">
+              <a:rPr b="1" i="0" lang="en-GB" sz="1800" u="none" cap="none" strike="noStrike">
                 <a:solidFill>
                   <a:schemeClr val="accent2"/>
                 </a:solidFill>
+                <a:latin typeface="Arial"/>
+                <a:ea typeface="Arial"/>
+                <a:cs typeface="Arial"/>
+                <a:sym typeface="Arial"/>
               </a:rPr>
               <a:t> </a:t>
             </a:r>
             <a:r>
-              <a:rPr i="0" lang="en-GB" sz="1800" u="none" cap="none" strike="noStrike">
+              <a:rPr b="0" i="0" lang="en-GB" sz="1800" u="none" cap="none" strike="noStrike">
                 <a:solidFill>
                   <a:schemeClr val="accent2"/>
                 </a:solidFill>
+                <a:latin typeface="Arial"/>
+                <a:ea typeface="Arial"/>
+                <a:cs typeface="Arial"/>
+                <a:sym typeface="Arial"/>
               </a:rPr>
               <a:t>it gives rate of reviews given per month</a:t>
             </a:r>
-            <a:endParaRPr i="0" sz="1800" u="none" cap="none" strike="noStrike">
+            <a:endParaRPr b="0" i="0" sz="1800" u="none" cap="none" strike="noStrike">
               <a:solidFill>
                 <a:schemeClr val="accent2"/>
               </a:solidFill>
+              <a:latin typeface="Arial"/>
+              <a:ea typeface="Arial"/>
+              <a:cs typeface="Arial"/>
+              <a:sym typeface="Arial"/>
             </a:endParaRPr>
           </a:p>
           <a:p>
@@ -16078,6 +16924,7 @@
                 <a:srgbClr val="000000"/>
               </a:buClr>
               <a:buSzPts val="1800"/>
+              <a:buFont typeface="Arial"/>
               <a:buChar char="❖"/>
             </a:pPr>
             <a:r>
@@ -16085,13 +16932,21 @@
                 <a:solidFill>
                   <a:schemeClr val="accent2"/>
                 </a:solidFill>
+                <a:latin typeface="Arial"/>
+                <a:ea typeface="Arial"/>
+                <a:cs typeface="Arial"/>
+                <a:sym typeface="Arial"/>
               </a:rPr>
               <a:t>Calculated_host_listings_count</a:t>
             </a:r>
-            <a:endParaRPr b="1" sz="1800">
+            <a:endParaRPr b="1" i="0" sz="1800" u="none" cap="none" strike="noStrike">
               <a:solidFill>
                 <a:schemeClr val="accent2"/>
               </a:solidFill>
+              <a:latin typeface="Arial"/>
+              <a:ea typeface="Arial"/>
+              <a:cs typeface="Arial"/>
+              <a:sym typeface="Arial"/>
             </a:endParaRPr>
           </a:p>
           <a:p>
@@ -16105,20 +16960,33 @@
               <a:spcAft>
                 <a:spcPts val="0"/>
               </a:spcAft>
+              <a:buClr>
+                <a:srgbClr val="000000"/>
+              </a:buClr>
+              <a:buSzPts val="1800"/>
+              <a:buFont typeface="Arial"/>
               <a:buNone/>
             </a:pPr>
             <a:r>
-              <a:rPr i="0" lang="en-GB" sz="1800" u="none" cap="none" strike="noStrike">
+              <a:rPr b="0" i="0" lang="en-GB" sz="1800" u="none" cap="none" strike="noStrike">
                 <a:solidFill>
                   <a:schemeClr val="accent2"/>
                 </a:solidFill>
+                <a:latin typeface="Arial"/>
+                <a:ea typeface="Arial"/>
+                <a:cs typeface="Arial"/>
+                <a:sym typeface="Arial"/>
               </a:rPr>
               <a:t>it gives total no of listing registered under the host</a:t>
             </a:r>
-            <a:endParaRPr i="0" sz="1800" u="none" cap="none" strike="noStrike">
+            <a:endParaRPr b="0" i="0" sz="1800" u="none" cap="none" strike="noStrike">
               <a:solidFill>
                 <a:schemeClr val="accent2"/>
               </a:solidFill>
+              <a:latin typeface="Arial"/>
+              <a:ea typeface="Arial"/>
+              <a:cs typeface="Arial"/>
+              <a:sym typeface="Arial"/>
             </a:endParaRPr>
           </a:p>
           <a:p>
@@ -16136,6 +17004,7 @@
                 <a:srgbClr val="000000"/>
               </a:buClr>
               <a:buSzPts val="1800"/>
+              <a:buFont typeface="Arial"/>
               <a:buChar char="❖"/>
             </a:pPr>
             <a:r>
@@ -16143,21 +17012,21 @@
                 <a:solidFill>
                   <a:schemeClr val="accent2"/>
                 </a:solidFill>
+                <a:latin typeface="Arial"/>
+                <a:ea typeface="Arial"/>
+                <a:cs typeface="Arial"/>
+                <a:sym typeface="Arial"/>
               </a:rPr>
-              <a:t>Availability_36</a:t>
-            </a:r>
-            <a:r>
-              <a:rPr b="1" lang="en-GB" sz="1800">
-                <a:solidFill>
-                  <a:schemeClr val="accent2"/>
-                </a:solidFill>
-              </a:rPr>
-              <a:t>5</a:t>
-            </a:r>
-            <a:endParaRPr b="1" sz="1800">
+              <a:t>Availability_365</a:t>
+            </a:r>
+            <a:endParaRPr b="1" i="0" sz="1800" u="none" cap="none" strike="noStrike">
               <a:solidFill>
                 <a:schemeClr val="accent2"/>
               </a:solidFill>
+              <a:latin typeface="Arial"/>
+              <a:ea typeface="Arial"/>
+              <a:cs typeface="Arial"/>
+              <a:sym typeface="Arial"/>
             </a:endParaRPr>
           </a:p>
           <a:p>
@@ -16171,20 +17040,33 @@
               <a:spcAft>
                 <a:spcPts val="0"/>
               </a:spcAft>
+              <a:buClr>
+                <a:srgbClr val="000000"/>
+              </a:buClr>
+              <a:buSzPts val="1800"/>
+              <a:buFont typeface="Arial"/>
               <a:buNone/>
             </a:pPr>
             <a:r>
-              <a:rPr i="0" lang="en-GB" sz="1800" u="none" cap="none" strike="noStrike">
+              <a:rPr b="0" i="0" lang="en-GB" sz="1800" u="none" cap="none" strike="noStrike">
                 <a:solidFill>
                   <a:schemeClr val="accent2"/>
                 </a:solidFill>
+                <a:latin typeface="Arial"/>
+                <a:ea typeface="Arial"/>
+                <a:cs typeface="Arial"/>
+                <a:sym typeface="Arial"/>
               </a:rPr>
               <a:t>it gives the number of days for which a host is available in a year.</a:t>
             </a:r>
-            <a:endParaRPr i="0" sz="1800" u="none" cap="none" strike="noStrike">
+            <a:endParaRPr b="0" i="0" sz="1800" u="none" cap="none" strike="noStrike">
               <a:solidFill>
                 <a:schemeClr val="accent2"/>
               </a:solidFill>
+              <a:latin typeface="Arial"/>
+              <a:ea typeface="Arial"/>
+              <a:cs typeface="Arial"/>
+              <a:sym typeface="Arial"/>
             </a:endParaRPr>
           </a:p>
           <a:p>
@@ -16198,6 +17080,11 @@
               <a:spcAft>
                 <a:spcPts val="0"/>
               </a:spcAft>
+              <a:buClr>
+                <a:srgbClr val="000000"/>
+              </a:buClr>
+              <a:buSzPts val="1800"/>
+              <a:buFont typeface="Arial"/>
               <a:buNone/>
             </a:pPr>
             <a:r>
@@ -16284,6 +17171,11 @@
               <a:spcAft>
                 <a:spcPts val="0"/>
               </a:spcAft>
+              <a:buClr>
+                <a:srgbClr val="000000"/>
+              </a:buClr>
+              <a:buSzPts val="3000"/>
+              <a:buFont typeface="Arial"/>
               <a:buNone/>
             </a:pPr>
             <a:r>
@@ -16299,7 +17191,7 @@
               <a:t>Data Cleaning :</a:t>
             </a:r>
             <a:r>
-              <a:rPr b="1" i="0" lang="en-GB" u="none" cap="none" strike="noStrike">
+              <a:rPr b="1" i="0" lang="en-GB" sz="1400" u="none" cap="none" strike="noStrike">
                 <a:solidFill>
                   <a:srgbClr val="000000"/>
                 </a:solidFill>
@@ -16310,7 +17202,15 @@
               </a:rPr>
               <a:t>-</a:t>
             </a:r>
-            <a:endParaRPr/>
+            <a:endParaRPr b="0" i="0" sz="1400" u="none" cap="none" strike="noStrike">
+              <a:solidFill>
+                <a:srgbClr val="000000"/>
+              </a:solidFill>
+              <a:latin typeface="Arial"/>
+              <a:ea typeface="Arial"/>
+              <a:cs typeface="Arial"/>
+              <a:sym typeface="Arial"/>
+            </a:endParaRPr>
           </a:p>
           <a:p>
             <a:pPr indent="0" lvl="0" marL="0" marR="0" rtl="0" algn="l">
@@ -16323,6 +17223,11 @@
               <a:spcAft>
                 <a:spcPts val="0"/>
               </a:spcAft>
+              <a:buClr>
+                <a:srgbClr val="000000"/>
+              </a:buClr>
+              <a:buSzPts val="1800"/>
+              <a:buFont typeface="Arial"/>
               <a:buNone/>
             </a:pPr>
             <a:r>
@@ -16337,7 +17242,15 @@
               </a:rPr>
               <a:t>Fixing the null values</a:t>
             </a:r>
-            <a:endParaRPr b="1" sz="1800"/>
+            <a:endParaRPr b="1" i="0" sz="1800" u="none" cap="none" strike="noStrike">
+              <a:solidFill>
+                <a:srgbClr val="000000"/>
+              </a:solidFill>
+              <a:latin typeface="Arial"/>
+              <a:ea typeface="Arial"/>
+              <a:cs typeface="Arial"/>
+              <a:sym typeface="Arial"/>
+            </a:endParaRPr>
           </a:p>
           <a:p>
             <a:pPr indent="0" lvl="0" marL="0" marR="0" rtl="0" algn="l">
@@ -16350,6 +17263,11 @@
               <a:spcAft>
                 <a:spcPts val="0"/>
               </a:spcAft>
+              <a:buClr>
+                <a:srgbClr val="000000"/>
+              </a:buClr>
+              <a:buSzPts val="1800"/>
+              <a:buFont typeface="Arial"/>
               <a:buNone/>
             </a:pPr>
             <a:r>
@@ -16376,7 +17294,15 @@
               </a:rPr>
               <a:t>. </a:t>
             </a:r>
-            <a:endParaRPr/>
+            <a:endParaRPr b="0" i="0" sz="1400" u="none" cap="none" strike="noStrike">
+              <a:solidFill>
+                <a:srgbClr val="000000"/>
+              </a:solidFill>
+              <a:latin typeface="Arial"/>
+              <a:ea typeface="Arial"/>
+              <a:cs typeface="Arial"/>
+              <a:sym typeface="Arial"/>
+            </a:endParaRPr>
           </a:p>
         </p:txBody>
       </p:sp>
@@ -16417,7 +17343,7 @@
           <a:blip r:embed="rId4">
             <a:alphaModFix/>
           </a:blip>
-          <a:srcRect b="23522" l="0" r="48228" t="46"/>
+          <a:srcRect b="23522" l="0" r="48228" t="45"/>
           <a:stretch/>
         </p:blipFill>
         <p:spPr>
@@ -16469,6 +17395,11 @@
               <a:spcAft>
                 <a:spcPts val="0"/>
               </a:spcAft>
+              <a:buClr>
+                <a:srgbClr val="000000"/>
+              </a:buClr>
+              <a:buSzPts val="1400"/>
+              <a:buFont typeface="Arial"/>
               <a:buNone/>
             </a:pPr>
             <a:r>
@@ -16483,7 +17414,15 @@
               </a:rPr>
               <a:t>Before Cleaning the Data</a:t>
             </a:r>
-            <a:endParaRPr/>
+            <a:endParaRPr b="0" i="0" sz="1400" u="none" cap="none" strike="noStrike">
+              <a:solidFill>
+                <a:srgbClr val="000000"/>
+              </a:solidFill>
+              <a:latin typeface="Arial"/>
+              <a:ea typeface="Arial"/>
+              <a:cs typeface="Arial"/>
+              <a:sym typeface="Arial"/>
+            </a:endParaRPr>
           </a:p>
         </p:txBody>
       </p:sp>
@@ -16522,6 +17461,11 @@
               <a:spcAft>
                 <a:spcPts val="0"/>
               </a:spcAft>
+              <a:buClr>
+                <a:srgbClr val="000000"/>
+              </a:buClr>
+              <a:buSzPts val="1400"/>
+              <a:buFont typeface="Arial"/>
               <a:buNone/>
             </a:pPr>
             <a:r>
@@ -16536,7 +17480,15 @@
               </a:rPr>
               <a:t>After Cleaning the Data</a:t>
             </a:r>
-            <a:endParaRPr/>
+            <a:endParaRPr b="0" i="0" sz="1400" u="none" cap="none" strike="noStrike">
+              <a:solidFill>
+                <a:srgbClr val="000000"/>
+              </a:solidFill>
+              <a:latin typeface="Arial"/>
+              <a:ea typeface="Arial"/>
+              <a:cs typeface="Arial"/>
+              <a:sym typeface="Arial"/>
+            </a:endParaRPr>
           </a:p>
         </p:txBody>
       </p:sp>
@@ -16567,32 +17519,30 @@
       </p:grpSpPr>
       <p:sp>
         <p:nvSpPr>
-          <p:cNvPr id="94" name="Google Shape;94;p36"/>
+          <p:cNvPr id="94" name="Google Shape;94;g18899753c8b_0_7"/>
           <p:cNvSpPr txBox="1"/>
-          <p:nvPr/>
+          <p:nvPr>
+            <p:ph type="ctrTitle"/>
+          </p:nvPr>
         </p:nvSpPr>
         <p:spPr>
           <a:xfrm>
-            <a:off x="95694" y="0"/>
-            <a:ext cx="8420985" cy="415498"/>
+            <a:off x="60550" y="87900"/>
+            <a:ext cx="3747000" cy="705600"/>
           </a:xfrm>
           <a:prstGeom prst="rect">
             <a:avLst/>
           </a:prstGeom>
-          <a:noFill/>
-          <a:ln>
-            <a:noFill/>
-          </a:ln>
         </p:spPr>
         <p:txBody>
-          <a:bodyPr anchorCtr="0" anchor="t" bIns="45700" lIns="91425" spcFirstLastPara="1" rIns="91425" wrap="square" tIns="45700">
-            <a:spAutoFit/>
+          <a:bodyPr anchorCtr="0" anchor="b" bIns="91425" lIns="91425" spcFirstLastPara="1" rIns="91425" wrap="square" tIns="91425">
+            <a:noAutofit/>
           </a:bodyPr>
           <a:lstStyle/>
           <a:p>
-            <a:pPr indent="0" lvl="0" marL="0" marR="0" rtl="0" algn="ctr">
-              <a:lnSpc>
-                <a:spcPct val="100000"/>
+            <a:pPr indent="0" lvl="0" marL="0" rtl="0" algn="ctr">
+              <a:lnSpc>
+                <a:spcPct val="135714"/>
               </a:lnSpc>
               <a:spcBef>
                 <a:spcPts val="0"/>
@@ -16603,179 +17553,125 @@
               <a:buNone/>
             </a:pPr>
             <a:r>
-              <a:rPr b="1" lang="en-GB" sz="2100">
-                <a:solidFill>
-                  <a:schemeClr val="dk1"/>
-                </a:solidFill>
+              <a:rPr lang="en-GB" sz="2400">
+                <a:solidFill>
+                  <a:srgbClr val="008000"/>
+                </a:solidFill>
+                <a:highlight>
+                  <a:srgbClr val="FFFFFE"/>
+                </a:highlight>
               </a:rPr>
-              <a:t>  </a:t>
-            </a:r>
-            <a:r>
-              <a:rPr b="1" i="0" lang="en-GB" sz="2100" u="none" cap="none" strike="noStrike">
-                <a:solidFill>
-                  <a:schemeClr val="dk1"/>
-                </a:solidFill>
-                <a:latin typeface="Arial"/>
-                <a:ea typeface="Arial"/>
-                <a:cs typeface="Arial"/>
-                <a:sym typeface="Arial"/>
-              </a:rPr>
-              <a:t>No of list made by host across Neighborhood Group</a:t>
-            </a:r>
-            <a:endParaRPr/>
+              <a:t>Average price of property </a:t>
+            </a:r>
+            <a:endParaRPr sz="2400"/>
           </a:p>
         </p:txBody>
       </p:sp>
       <p:sp>
         <p:nvSpPr>
-          <p:cNvPr id="95" name="Google Shape;95;p36"/>
+          <p:cNvPr id="95" name="Google Shape;95;g18899753c8b_0_7"/>
           <p:cNvSpPr txBox="1"/>
-          <p:nvPr/>
+          <p:nvPr>
+            <p:ph idx="1" type="subTitle"/>
+          </p:nvPr>
         </p:nvSpPr>
         <p:spPr>
           <a:xfrm>
-            <a:off x="0" y="760200"/>
-            <a:ext cx="3214800" cy="4402200"/>
+            <a:off x="311700" y="874000"/>
+            <a:ext cx="3669900" cy="4018500"/>
           </a:xfrm>
           <a:prstGeom prst="rect">
             <a:avLst/>
           </a:prstGeom>
-          <a:noFill/>
-          <a:ln>
-            <a:noFill/>
-          </a:ln>
         </p:spPr>
         <p:txBody>
-          <a:bodyPr anchorCtr="0" anchor="t" bIns="45700" lIns="91425" spcFirstLastPara="1" rIns="91425" wrap="square" tIns="45700">
-            <a:spAutoFit/>
+          <a:bodyPr anchorCtr="0" anchor="t" bIns="91425" lIns="91425" spcFirstLastPara="1" rIns="91425" wrap="square" tIns="91425">
+            <a:noAutofit/>
           </a:bodyPr>
           <a:lstStyle/>
           <a:p>
-            <a:pPr indent="-336550" lvl="0" marL="342900" marR="0" rtl="0" algn="l">
-              <a:lnSpc>
-                <a:spcPct val="100000"/>
-              </a:lnSpc>
-              <a:spcBef>
-                <a:spcPts val="0"/>
-              </a:spcBef>
-              <a:spcAft>
-                <a:spcPts val="0"/>
-              </a:spcAft>
-              <a:buClr>
-                <a:srgbClr val="000000"/>
-              </a:buClr>
-              <a:buSzPts val="1900"/>
+            <a:pPr indent="-285750" lvl="0" marL="285750" rtl="0" algn="l">
+              <a:spcBef>
+                <a:spcPts val="0"/>
+              </a:spcBef>
+              <a:spcAft>
+                <a:spcPts val="0"/>
+              </a:spcAft>
+              <a:buClr>
+                <a:srgbClr val="000000"/>
+              </a:buClr>
+              <a:buSzPts val="1800"/>
+              <a:buFont typeface="Noto Sans"/>
               <a:buChar char="⮚"/>
             </a:pPr>
             <a:r>
-              <a:rPr i="0" lang="en-GB" sz="1900" u="none" cap="none" strike="noStrike">
+              <a:rPr lang="en-GB" sz="1800">
                 <a:solidFill>
                   <a:srgbClr val="000000"/>
                 </a:solidFill>
               </a:rPr>
-              <a:t>It is observed that Manhattan has highest number of listing of 21661 which is 44.3% of total listing.</a:t>
-            </a:r>
-            <a:endParaRPr sz="1300"/>
+              <a:t>Manhattan has the highest price for room types with Entire home/apt ranging to nearly </a:t>
+            </a:r>
+            <a:r>
+              <a:rPr lang="en-GB" sz="1650">
+                <a:solidFill>
+                  <a:schemeClr val="accent2"/>
+                </a:solidFill>
+                <a:highlight>
+                  <a:srgbClr val="FFFFFE"/>
+                </a:highlight>
+              </a:rPr>
+              <a:t>249$</a:t>
+            </a:r>
+            <a:r>
+              <a:rPr lang="en-GB" sz="1800">
+                <a:solidFill>
+                  <a:srgbClr val="000000"/>
+                </a:solidFill>
+              </a:rPr>
+              <a:t>/night, followed by Private room with 116$/night. This graph and data show the average price of manhattan.</a:t>
+            </a:r>
+            <a:endParaRPr sz="1400">
+              <a:solidFill>
+                <a:srgbClr val="000000"/>
+              </a:solidFill>
+            </a:endParaRPr>
           </a:p>
           <a:p>
-            <a:pPr indent="-336550" lvl="0" marL="342900" marR="0" rtl="0" algn="l">
-              <a:lnSpc>
-                <a:spcPct val="100000"/>
-              </a:lnSpc>
-              <a:spcBef>
-                <a:spcPts val="0"/>
-              </a:spcBef>
-              <a:spcAft>
-                <a:spcPts val="0"/>
-              </a:spcAft>
-              <a:buClr>
-                <a:srgbClr val="000000"/>
-              </a:buClr>
-              <a:buSzPts val="1900"/>
-              <a:buChar char="⮚"/>
+            <a:pPr indent="0" lvl="0" marL="0" rtl="0" algn="l">
+              <a:spcBef>
+                <a:spcPts val="0"/>
+              </a:spcBef>
+              <a:spcAft>
+                <a:spcPts val="0"/>
+              </a:spcAft>
+              <a:buNone/>
             </a:pPr>
             <a:r>
-              <a:rPr i="0" lang="en-GB" sz="1900" u="none" cap="none" strike="noStrike">
-                <a:solidFill>
-                  <a:srgbClr val="000000"/>
-                </a:solidFill>
-              </a:rPr>
-              <a:t>Brooklyn has second highest number of listing 20104 which is 41.1% of total listing.</a:t>
-            </a:r>
-            <a:endParaRPr sz="1300"/>
-          </a:p>
-          <a:p>
-            <a:pPr indent="-336550" lvl="0" marL="342900" marR="0" rtl="0" algn="l">
-              <a:lnSpc>
-                <a:spcPct val="100000"/>
-              </a:lnSpc>
-              <a:spcBef>
-                <a:spcPts val="0"/>
-              </a:spcBef>
-              <a:spcAft>
-                <a:spcPts val="0"/>
-              </a:spcAft>
-              <a:buClr>
-                <a:srgbClr val="000000"/>
-              </a:buClr>
-              <a:buSzPts val="1900"/>
-              <a:buChar char="⮚"/>
-            </a:pPr>
-            <a:r>
-              <a:rPr i="0" lang="en-GB" sz="1900" u="none" cap="none" strike="noStrike">
-                <a:solidFill>
-                  <a:srgbClr val="000000"/>
-                </a:solidFill>
-              </a:rPr>
-              <a:t>Queens are at third place with 5666 listing and Bronx and Staten have least number of listing.</a:t>
-            </a:r>
-            <a:endParaRPr sz="1300"/>
-          </a:p>
-          <a:p>
-            <a:pPr indent="0" lvl="0" marL="0" marR="0" rtl="0" algn="l">
-              <a:lnSpc>
-                <a:spcPct val="100000"/>
-              </a:lnSpc>
-              <a:spcBef>
-                <a:spcPts val="0"/>
-              </a:spcBef>
-              <a:spcAft>
-                <a:spcPts val="0"/>
-              </a:spcAft>
-              <a:buNone/>
-            </a:pPr>
-            <a:r>
               <a:t/>
             </a:r>
-            <a:endParaRPr b="0" i="0" sz="1400" u="none" cap="none" strike="noStrike">
-              <a:solidFill>
-                <a:srgbClr val="000000"/>
-              </a:solidFill>
-              <a:latin typeface="Arial"/>
-              <a:ea typeface="Arial"/>
-              <a:cs typeface="Arial"/>
-              <a:sym typeface="Arial"/>
-            </a:endParaRPr>
+            <a:endParaRPr/>
           </a:p>
         </p:txBody>
       </p:sp>
       <p:pic>
         <p:nvPicPr>
-          <p:cNvPr id="96" name="Google Shape;96;p36"/>
+          <p:cNvPr id="96" name="Google Shape;96;g18899753c8b_0_7"/>
           <p:cNvPicPr preferRelativeResize="0"/>
           <p:nvPr/>
         </p:nvPicPr>
-        <p:blipFill rotWithShape="1">
+        <p:blipFill>
           <a:blip r:embed="rId3">
             <a:alphaModFix/>
           </a:blip>
-          <a:srcRect b="0" l="0" r="0" t="0"/>
-          <a:stretch/>
+          <a:stretch>
+            <a:fillRect/>
+          </a:stretch>
         </p:blipFill>
         <p:spPr>
           <a:xfrm>
-            <a:off x="3214800" y="415500"/>
-            <a:ext cx="5747075" cy="4728000"/>
+            <a:off x="3981450" y="429475"/>
+            <a:ext cx="5162550" cy="4714025"/>
           </a:xfrm>
           <a:prstGeom prst="rect">
             <a:avLst/>
